--- a/Dialect_Detection.pptx
+++ b/Dialect_Detection.pptx
@@ -1,32 +1,34 @@
 
 <file path=ppt/presentation.xml><?xml version="1.0" encoding="utf-8"?>
-<p:presentation xmlns:a="http://schemas.openxmlformats.org/drawingml/2006/main" xmlns:r="http://schemas.openxmlformats.org/officeDocument/2006/relationships" xmlns:mc="http://schemas.openxmlformats.org/markup-compatibility/2006" xmlns:mv="urn:schemas-microsoft-com:mac:vml" xmlns:p="http://schemas.openxmlformats.org/presentationml/2006/main" xmlns:c="http://schemas.openxmlformats.org/drawingml/2006/chart" xmlns:dgm="http://schemas.openxmlformats.org/drawingml/2006/diagram" xmlns:o="urn:schemas-microsoft-com:office:office" xmlns:v="urn:schemas-microsoft-com:vml" xmlns:pvml="urn:schemas-microsoft-com:office:powerpoint" xmlns:com="http://schemas.openxmlformats.org/drawingml/2006/compatibility" xmlns:p14="http://schemas.microsoft.com/office/powerpoint/2010/main" xmlns:p15="http://schemas.microsoft.com/office/powerpoint/2012/main" xmlns:ahyp="http://schemas.microsoft.com/office/drawing/2018/hyperlinkcolor" autoCompressPictures="0" embedTrueTypeFonts="1" strictFirstAndLastChars="0" saveSubsetFonts="1">
+<p:presentation xmlns:a="http://schemas.openxmlformats.org/drawingml/2006/main" xmlns:r="http://schemas.openxmlformats.org/officeDocument/2006/relationships" xmlns:p="http://schemas.openxmlformats.org/presentationml/2006/main" strictFirstAndLastChars="0" embedTrueTypeFonts="1" saveSubsetFonts="1" autoCompressPictures="0">
   <p:sldMasterIdLst>
-    <p:sldMasterId id="2147483659" r:id="rId4"/>
+    <p:sldMasterId id="2147483659" r:id="rId1"/>
   </p:sldMasterIdLst>
   <p:notesMasterIdLst>
-    <p:notesMasterId r:id="rId5"/>
+    <p:notesMasterId r:id="rId10"/>
   </p:notesMasterIdLst>
   <p:sldIdLst>
-    <p:sldId id="256" r:id="rId6"/>
-    <p:sldId id="257" r:id="rId7"/>
-    <p:sldId id="258" r:id="rId8"/>
-    <p:sldId id="259" r:id="rId9"/>
-    <p:sldId id="260" r:id="rId10"/>
-    <p:sldId id="261" r:id="rId11"/>
+    <p:sldId id="256" r:id="rId2"/>
+    <p:sldId id="257" r:id="rId3"/>
+    <p:sldId id="258" r:id="rId4"/>
+    <p:sldId id="259" r:id="rId5"/>
+    <p:sldId id="260" r:id="rId6"/>
+    <p:sldId id="263" r:id="rId7"/>
+    <p:sldId id="262" r:id="rId8"/>
+    <p:sldId id="261" r:id="rId9"/>
   </p:sldIdLst>
-  <p:sldSz cy="5143500" cx="9144000"/>
+  <p:sldSz cx="9144000" cy="5143500" type="screen16x9"/>
   <p:notesSz cx="6858000" cy="9144000"/>
   <p:embeddedFontLst>
     <p:embeddedFont>
-      <p:font typeface="Old Standard TT"/>
-      <p:regular r:id="rId12"/>
-      <p:bold r:id="rId13"/>
-      <p:italic r:id="rId14"/>
+      <p:font typeface="Old Standard TT" charset="0"/>
+      <p:regular r:id="rId11"/>
+      <p:bold r:id="rId12"/>
+      <p:italic r:id="rId13"/>
     </p:embeddedFont>
   </p:embeddedFontLst>
   <p:defaultTextStyle>
-    <a:defPPr lvl="0" marR="0" rtl="0" algn="l">
+    <a:defPPr marR="0" lvl="0" algn="l" rtl="0">
       <a:lnSpc>
         <a:spcPct val="100000"/>
       </a:lnSpc>
@@ -37,7 +39,7 @@
         <a:spcPts val="0"/>
       </a:spcAft>
     </a:defPPr>
-    <a:lvl1pPr lvl="0" marR="0" rtl="0" algn="l">
+    <a:lvl1pPr marR="0" lvl="0" algn="l" rtl="0">
       <a:lnSpc>
         <a:spcPct val="100000"/>
       </a:lnSpc>
@@ -51,7 +53,7 @@
         <a:srgbClr val="000000"/>
       </a:buClr>
       <a:buFont typeface="Arial"/>
-      <a:defRPr b="0" i="0" sz="1400" u="none" cap="none" strike="noStrike">
+      <a:defRPr sz="1400" b="0" i="0" u="none" strike="noStrike" cap="none">
         <a:solidFill>
           <a:srgbClr val="000000"/>
         </a:solidFill>
@@ -61,7 +63,7 @@
         <a:sym typeface="Arial"/>
       </a:defRPr>
     </a:lvl1pPr>
-    <a:lvl2pPr lvl="1" marR="0" rtl="0" algn="l">
+    <a:lvl2pPr marR="0" lvl="1" algn="l" rtl="0">
       <a:lnSpc>
         <a:spcPct val="100000"/>
       </a:lnSpc>
@@ -75,7 +77,7 @@
         <a:srgbClr val="000000"/>
       </a:buClr>
       <a:buFont typeface="Arial"/>
-      <a:defRPr b="0" i="0" sz="1400" u="none" cap="none" strike="noStrike">
+      <a:defRPr sz="1400" b="0" i="0" u="none" strike="noStrike" cap="none">
         <a:solidFill>
           <a:srgbClr val="000000"/>
         </a:solidFill>
@@ -85,7 +87,7 @@
         <a:sym typeface="Arial"/>
       </a:defRPr>
     </a:lvl2pPr>
-    <a:lvl3pPr lvl="2" marR="0" rtl="0" algn="l">
+    <a:lvl3pPr marR="0" lvl="2" algn="l" rtl="0">
       <a:lnSpc>
         <a:spcPct val="100000"/>
       </a:lnSpc>
@@ -99,7 +101,7 @@
         <a:srgbClr val="000000"/>
       </a:buClr>
       <a:buFont typeface="Arial"/>
-      <a:defRPr b="0" i="0" sz="1400" u="none" cap="none" strike="noStrike">
+      <a:defRPr sz="1400" b="0" i="0" u="none" strike="noStrike" cap="none">
         <a:solidFill>
           <a:srgbClr val="000000"/>
         </a:solidFill>
@@ -109,7 +111,7 @@
         <a:sym typeface="Arial"/>
       </a:defRPr>
     </a:lvl3pPr>
-    <a:lvl4pPr lvl="3" marR="0" rtl="0" algn="l">
+    <a:lvl4pPr marR="0" lvl="3" algn="l" rtl="0">
       <a:lnSpc>
         <a:spcPct val="100000"/>
       </a:lnSpc>
@@ -123,7 +125,7 @@
         <a:srgbClr val="000000"/>
       </a:buClr>
       <a:buFont typeface="Arial"/>
-      <a:defRPr b="0" i="0" sz="1400" u="none" cap="none" strike="noStrike">
+      <a:defRPr sz="1400" b="0" i="0" u="none" strike="noStrike" cap="none">
         <a:solidFill>
           <a:srgbClr val="000000"/>
         </a:solidFill>
@@ -133,7 +135,7 @@
         <a:sym typeface="Arial"/>
       </a:defRPr>
     </a:lvl4pPr>
-    <a:lvl5pPr lvl="4" marR="0" rtl="0" algn="l">
+    <a:lvl5pPr marR="0" lvl="4" algn="l" rtl="0">
       <a:lnSpc>
         <a:spcPct val="100000"/>
       </a:lnSpc>
@@ -147,7 +149,7 @@
         <a:srgbClr val="000000"/>
       </a:buClr>
       <a:buFont typeface="Arial"/>
-      <a:defRPr b="0" i="0" sz="1400" u="none" cap="none" strike="noStrike">
+      <a:defRPr sz="1400" b="0" i="0" u="none" strike="noStrike" cap="none">
         <a:solidFill>
           <a:srgbClr val="000000"/>
         </a:solidFill>
@@ -157,7 +159,7 @@
         <a:sym typeface="Arial"/>
       </a:defRPr>
     </a:lvl5pPr>
-    <a:lvl6pPr lvl="5" marR="0" rtl="0" algn="l">
+    <a:lvl6pPr marR="0" lvl="5" algn="l" rtl="0">
       <a:lnSpc>
         <a:spcPct val="100000"/>
       </a:lnSpc>
@@ -171,7 +173,7 @@
         <a:srgbClr val="000000"/>
       </a:buClr>
       <a:buFont typeface="Arial"/>
-      <a:defRPr b="0" i="0" sz="1400" u="none" cap="none" strike="noStrike">
+      <a:defRPr sz="1400" b="0" i="0" u="none" strike="noStrike" cap="none">
         <a:solidFill>
           <a:srgbClr val="000000"/>
         </a:solidFill>
@@ -181,7 +183,7 @@
         <a:sym typeface="Arial"/>
       </a:defRPr>
     </a:lvl6pPr>
-    <a:lvl7pPr lvl="6" marR="0" rtl="0" algn="l">
+    <a:lvl7pPr marR="0" lvl="6" algn="l" rtl="0">
       <a:lnSpc>
         <a:spcPct val="100000"/>
       </a:lnSpc>
@@ -195,7 +197,7 @@
         <a:srgbClr val="000000"/>
       </a:buClr>
       <a:buFont typeface="Arial"/>
-      <a:defRPr b="0" i="0" sz="1400" u="none" cap="none" strike="noStrike">
+      <a:defRPr sz="1400" b="0" i="0" u="none" strike="noStrike" cap="none">
         <a:solidFill>
           <a:srgbClr val="000000"/>
         </a:solidFill>
@@ -205,7 +207,7 @@
         <a:sym typeface="Arial"/>
       </a:defRPr>
     </a:lvl7pPr>
-    <a:lvl8pPr lvl="7" marR="0" rtl="0" algn="l">
+    <a:lvl8pPr marR="0" lvl="7" algn="l" rtl="0">
       <a:lnSpc>
         <a:spcPct val="100000"/>
       </a:lnSpc>
@@ -219,7 +221,7 @@
         <a:srgbClr val="000000"/>
       </a:buClr>
       <a:buFont typeface="Arial"/>
-      <a:defRPr b="0" i="0" sz="1400" u="none" cap="none" strike="noStrike">
+      <a:defRPr sz="1400" b="0" i="0" u="none" strike="noStrike" cap="none">
         <a:solidFill>
           <a:srgbClr val="000000"/>
         </a:solidFill>
@@ -229,7 +231,7 @@
         <a:sym typeface="Arial"/>
       </a:defRPr>
     </a:lvl8pPr>
-    <a:lvl9pPr lvl="8" marR="0" rtl="0" algn="l">
+    <a:lvl9pPr marR="0" lvl="8" algn="l" rtl="0">
       <a:lnSpc>
         <a:spcPct val="100000"/>
       </a:lnSpc>
@@ -243,7 +245,7 @@
         <a:srgbClr val="000000"/>
       </a:buClr>
       <a:buFont typeface="Arial"/>
-      <a:defRPr b="0" i="0" sz="1400" u="none" cap="none" strike="noStrike">
+      <a:defRPr sz="1400" b="0" i="0" u="none" strike="noStrike" cap="none">
         <a:solidFill>
           <a:srgbClr val="000000"/>
         </a:solidFill>
@@ -256,7 +258,7 @@
   </p:defaultTextStyle>
   <p:extLst>
     <p:ext uri="{EFAFB233-063F-42B5-8137-9DF3F51BA10A}">
-      <p15:sldGuideLst>
+      <p15:sldGuideLst xmlns:ahyp="http://schemas.microsoft.com/office/drawing/2018/hyperlinkcolor" xmlns:p15="http://schemas.microsoft.com/office/powerpoint/2012/main" xmlns:p14="http://schemas.microsoft.com/office/powerpoint/2010/main" xmlns:com="http://schemas.openxmlformats.org/drawingml/2006/compatibility" xmlns:pvml="urn:schemas-microsoft-com:office:powerpoint" xmlns:v="urn:schemas-microsoft-com:vml" xmlns:o="urn:schemas-microsoft-com:office:office" xmlns:dgm="http://schemas.openxmlformats.org/drawingml/2006/diagram" xmlns:c="http://schemas.openxmlformats.org/drawingml/2006/chart" xmlns:mv="urn:schemas-microsoft-com:mac:vml" xmlns:mc="http://schemas.openxmlformats.org/markup-compatibility/2006" xmlns="">
         <p15:guide id="1" orient="horz" pos="1620">
           <p15:clr>
             <a:srgbClr val="A4A3A4"/>
@@ -274,11 +276,16 @@
 </file>
 
 <file path=ppt/notesMasters/notesMaster1.xml><?xml version="1.0" encoding="utf-8"?>
-<p:notesMaster xmlns:a="http://schemas.openxmlformats.org/drawingml/2006/main" xmlns:r="http://schemas.openxmlformats.org/officeDocument/2006/relationships" xmlns:mc="http://schemas.openxmlformats.org/markup-compatibility/2006" xmlns:mv="urn:schemas-microsoft-com:mac:vml" xmlns:p="http://schemas.openxmlformats.org/presentationml/2006/main" xmlns:c="http://schemas.openxmlformats.org/drawingml/2006/chart" xmlns:dgm="http://schemas.openxmlformats.org/drawingml/2006/diagram" xmlns:o="urn:schemas-microsoft-com:office:office" xmlns:v="urn:schemas-microsoft-com:vml" xmlns:pvml="urn:schemas-microsoft-com:office:powerpoint" xmlns:com="http://schemas.openxmlformats.org/drawingml/2006/compatibility" xmlns:p14="http://schemas.microsoft.com/office/powerpoint/2010/main" xmlns:p15="http://schemas.microsoft.com/office/powerpoint/2012/main" xmlns:ahyp="http://schemas.microsoft.com/office/drawing/2018/hyperlinkcolor">
+<p:notesMaster xmlns:a="http://schemas.openxmlformats.org/drawingml/2006/main" xmlns:r="http://schemas.openxmlformats.org/officeDocument/2006/relationships" xmlns:p="http://schemas.openxmlformats.org/presentationml/2006/main">
   <p:cSld>
+    <p:bg>
+      <p:bgRef idx="1001">
+        <a:schemeClr val="bg1"/>
+      </p:bgRef>
+    </p:bg>
     <p:spTree>
       <p:nvGrpSpPr>
-        <p:cNvPr id="2" name="Shape 2"/>
+        <p:cNvPr id="1" name="Shape 2"/>
         <p:cNvGrpSpPr/>
         <p:nvPr/>
       </p:nvGrpSpPr>
@@ -293,9 +300,11 @@
       <p:sp>
         <p:nvSpPr>
           <p:cNvPr id="3" name="Google Shape;3;n"/>
-          <p:cNvSpPr/>
+          <p:cNvSpPr>
+            <a:spLocks noGrp="1" noRot="1" noChangeAspect="1"/>
+          </p:cNvSpPr>
           <p:nvPr>
-            <p:ph idx="2" type="sldImg"/>
+            <p:ph type="sldImg" idx="2"/>
           </p:nvPr>
         </p:nvSpPr>
         <p:spPr>
@@ -304,9 +313,13 @@
             <a:ext cx="6096075" cy="3429000"/>
           </a:xfrm>
           <a:custGeom>
-            <a:rect b="b" l="l" r="r" t="t"/>
+            <a:avLst/>
+            <a:gdLst/>
+            <a:ahLst/>
+            <a:cxnLst/>
+            <a:rect l="l" t="t" r="r" b="b"/>
             <a:pathLst>
-              <a:path extrusionOk="0" h="120000" w="120000">
+              <a:path w="120000" h="120000" extrusionOk="0">
                 <a:moveTo>
                   <a:pt x="0" y="0"/>
                 </a:moveTo>
@@ -324,23 +337,25 @@
             </a:pathLst>
           </a:custGeom>
           <a:noFill/>
-          <a:ln cap="flat" cmpd="sng" w="9525">
+          <a:ln w="9525" cap="flat" cmpd="sng">
             <a:solidFill>
               <a:srgbClr val="000000"/>
             </a:solidFill>
             <a:prstDash val="solid"/>
             <a:round/>
-            <a:headEnd len="sm" w="sm" type="none"/>
-            <a:tailEnd len="sm" w="sm" type="none"/>
+            <a:headEnd type="none" w="sm" len="sm"/>
+            <a:tailEnd type="none" w="sm" len="sm"/>
           </a:ln>
         </p:spPr>
       </p:sp>
       <p:sp>
         <p:nvSpPr>
           <p:cNvPr id="4" name="Google Shape;4;n"/>
-          <p:cNvSpPr txBox="1"/>
+          <p:cNvSpPr txBox="1">
+            <a:spLocks noGrp="1"/>
+          </p:cNvSpPr>
           <p:nvPr>
-            <p:ph idx="1" type="body"/>
+            <p:ph type="body" idx="1"/>
           </p:nvPr>
         </p:nvSpPr>
         <p:spPr>
@@ -357,11 +372,11 @@
           </a:ln>
         </p:spPr>
         <p:txBody>
-          <a:bodyPr anchorCtr="0" anchor="t" bIns="91425" lIns="91425" spcFirstLastPara="1" rIns="91425" wrap="square" tIns="91425">
+          <a:bodyPr spcFirstLastPara="1" wrap="square" lIns="91425" tIns="91425" rIns="91425" bIns="91425" anchor="t" anchorCtr="0">
             <a:noAutofit/>
           </a:bodyPr>
           <a:lstStyle>
-            <a:lvl1pPr indent="-317500" lvl="0" marL="457200">
+            <a:lvl1pPr marL="457200" lvl="0" indent="-317500">
               <a:spcBef>
                 <a:spcPts val="0"/>
               </a:spcBef>
@@ -372,7 +387,7 @@
               <a:buChar char="●"/>
               <a:defRPr sz="1100"/>
             </a:lvl1pPr>
-            <a:lvl2pPr indent="-317500" lvl="1" marL="914400">
+            <a:lvl2pPr marL="914400" lvl="1" indent="-317500">
               <a:spcBef>
                 <a:spcPts val="0"/>
               </a:spcBef>
@@ -383,7 +398,7 @@
               <a:buChar char="○"/>
               <a:defRPr sz="1100"/>
             </a:lvl2pPr>
-            <a:lvl3pPr indent="-317500" lvl="2" marL="1371600">
+            <a:lvl3pPr marL="1371600" lvl="2" indent="-317500">
               <a:spcBef>
                 <a:spcPts val="0"/>
               </a:spcBef>
@@ -394,7 +409,7 @@
               <a:buChar char="■"/>
               <a:defRPr sz="1100"/>
             </a:lvl3pPr>
-            <a:lvl4pPr indent="-317500" lvl="3" marL="1828800">
+            <a:lvl4pPr marL="1828800" lvl="3" indent="-317500">
               <a:spcBef>
                 <a:spcPts val="0"/>
               </a:spcBef>
@@ -405,7 +420,7 @@
               <a:buChar char="●"/>
               <a:defRPr sz="1100"/>
             </a:lvl4pPr>
-            <a:lvl5pPr indent="-317500" lvl="4" marL="2286000">
+            <a:lvl5pPr marL="2286000" lvl="4" indent="-317500">
               <a:spcBef>
                 <a:spcPts val="0"/>
               </a:spcBef>
@@ -416,7 +431,7 @@
               <a:buChar char="○"/>
               <a:defRPr sz="1100"/>
             </a:lvl5pPr>
-            <a:lvl6pPr indent="-317500" lvl="5" marL="2743200">
+            <a:lvl6pPr marL="2743200" lvl="5" indent="-317500">
               <a:spcBef>
                 <a:spcPts val="0"/>
               </a:spcBef>
@@ -427,7 +442,7 @@
               <a:buChar char="■"/>
               <a:defRPr sz="1100"/>
             </a:lvl6pPr>
-            <a:lvl7pPr indent="-317500" lvl="6" marL="3200400">
+            <a:lvl7pPr marL="3200400" lvl="6" indent="-317500">
               <a:spcBef>
                 <a:spcPts val="0"/>
               </a:spcBef>
@@ -438,7 +453,7 @@
               <a:buChar char="●"/>
               <a:defRPr sz="1100"/>
             </a:lvl7pPr>
-            <a:lvl8pPr indent="-317500" lvl="7" marL="3657600">
+            <a:lvl8pPr marL="3657600" lvl="7" indent="-317500">
               <a:spcBef>
                 <a:spcPts val="0"/>
               </a:spcBef>
@@ -449,7 +464,7 @@
               <a:buChar char="○"/>
               <a:defRPr sz="1100"/>
             </a:lvl8pPr>
-            <a:lvl9pPr indent="-317500" lvl="8" marL="4114800">
+            <a:lvl9pPr marL="4114800" lvl="8" indent="-317500">
               <a:spcBef>
                 <a:spcPts val="0"/>
               </a:spcBef>
@@ -461,14 +476,21 @@
               <a:defRPr sz="1100"/>
             </a:lvl9pPr>
           </a:lstStyle>
-          <a:p/>
+          <a:p>
+            <a:endParaRPr/>
+          </a:p>
         </p:txBody>
       </p:sp>
     </p:spTree>
+    <p:extLst>
+      <p:ext uri="{BB962C8B-B14F-4D97-AF65-F5344CB8AC3E}">
+        <p14:creationId xmlns:p14="http://schemas.microsoft.com/office/powerpoint/2010/main" val="1150111494"/>
+      </p:ext>
+    </p:extLst>
   </p:cSld>
-  <p:clrMap accent1="accent1" accent2="accent2" accent3="accent3" accent4="accent4" accent5="accent5" accent6="accent6" bg1="lt1" bg2="dk2" tx1="dk1" tx2="lt2" folHlink="folHlink" hlink="hlink"/>
+  <p:clrMap bg1="lt1" tx1="dk1" bg2="dk2" tx2="lt2" accent1="accent1" accent2="accent2" accent3="accent3" accent4="accent4" accent5="accent5" accent6="accent6" hlink="hlink" folHlink="folHlink"/>
   <p:notesStyle>
-    <a:defPPr lvl="0" marR="0" rtl="0" algn="l">
+    <a:defPPr marR="0" lvl="0" algn="l" rtl="0">
       <a:lnSpc>
         <a:spcPct val="100000"/>
       </a:lnSpc>
@@ -479,7 +501,7 @@
         <a:spcPts val="0"/>
       </a:spcAft>
     </a:defPPr>
-    <a:lvl1pPr lvl="0" marR="0" rtl="0" algn="l">
+    <a:lvl1pPr marR="0" lvl="0" algn="l" rtl="0">
       <a:lnSpc>
         <a:spcPct val="100000"/>
       </a:lnSpc>
@@ -493,7 +515,7 @@
         <a:srgbClr val="000000"/>
       </a:buClr>
       <a:buFont typeface="Arial"/>
-      <a:defRPr b="0" i="0" sz="1400" u="none" cap="none" strike="noStrike">
+      <a:defRPr sz="1400" b="0" i="0" u="none" strike="noStrike" cap="none">
         <a:solidFill>
           <a:srgbClr val="000000"/>
         </a:solidFill>
@@ -503,7 +525,7 @@
         <a:sym typeface="Arial"/>
       </a:defRPr>
     </a:lvl1pPr>
-    <a:lvl2pPr lvl="1" marR="0" rtl="0" algn="l">
+    <a:lvl2pPr marR="0" lvl="1" algn="l" rtl="0">
       <a:lnSpc>
         <a:spcPct val="100000"/>
       </a:lnSpc>
@@ -517,7 +539,7 @@
         <a:srgbClr val="000000"/>
       </a:buClr>
       <a:buFont typeface="Arial"/>
-      <a:defRPr b="0" i="0" sz="1400" u="none" cap="none" strike="noStrike">
+      <a:defRPr sz="1400" b="0" i="0" u="none" strike="noStrike" cap="none">
         <a:solidFill>
           <a:srgbClr val="000000"/>
         </a:solidFill>
@@ -527,7 +549,7 @@
         <a:sym typeface="Arial"/>
       </a:defRPr>
     </a:lvl2pPr>
-    <a:lvl3pPr lvl="2" marR="0" rtl="0" algn="l">
+    <a:lvl3pPr marR="0" lvl="2" algn="l" rtl="0">
       <a:lnSpc>
         <a:spcPct val="100000"/>
       </a:lnSpc>
@@ -541,7 +563,7 @@
         <a:srgbClr val="000000"/>
       </a:buClr>
       <a:buFont typeface="Arial"/>
-      <a:defRPr b="0" i="0" sz="1400" u="none" cap="none" strike="noStrike">
+      <a:defRPr sz="1400" b="0" i="0" u="none" strike="noStrike" cap="none">
         <a:solidFill>
           <a:srgbClr val="000000"/>
         </a:solidFill>
@@ -551,7 +573,7 @@
         <a:sym typeface="Arial"/>
       </a:defRPr>
     </a:lvl3pPr>
-    <a:lvl4pPr lvl="3" marR="0" rtl="0" algn="l">
+    <a:lvl4pPr marR="0" lvl="3" algn="l" rtl="0">
       <a:lnSpc>
         <a:spcPct val="100000"/>
       </a:lnSpc>
@@ -565,7 +587,7 @@
         <a:srgbClr val="000000"/>
       </a:buClr>
       <a:buFont typeface="Arial"/>
-      <a:defRPr b="0" i="0" sz="1400" u="none" cap="none" strike="noStrike">
+      <a:defRPr sz="1400" b="0" i="0" u="none" strike="noStrike" cap="none">
         <a:solidFill>
           <a:srgbClr val="000000"/>
         </a:solidFill>
@@ -575,7 +597,7 @@
         <a:sym typeface="Arial"/>
       </a:defRPr>
     </a:lvl4pPr>
-    <a:lvl5pPr lvl="4" marR="0" rtl="0" algn="l">
+    <a:lvl5pPr marR="0" lvl="4" algn="l" rtl="0">
       <a:lnSpc>
         <a:spcPct val="100000"/>
       </a:lnSpc>
@@ -589,7 +611,7 @@
         <a:srgbClr val="000000"/>
       </a:buClr>
       <a:buFont typeface="Arial"/>
-      <a:defRPr b="0" i="0" sz="1400" u="none" cap="none" strike="noStrike">
+      <a:defRPr sz="1400" b="0" i="0" u="none" strike="noStrike" cap="none">
         <a:solidFill>
           <a:srgbClr val="000000"/>
         </a:solidFill>
@@ -599,7 +621,7 @@
         <a:sym typeface="Arial"/>
       </a:defRPr>
     </a:lvl5pPr>
-    <a:lvl6pPr lvl="5" marR="0" rtl="0" algn="l">
+    <a:lvl6pPr marR="0" lvl="5" algn="l" rtl="0">
       <a:lnSpc>
         <a:spcPct val="100000"/>
       </a:lnSpc>
@@ -613,7 +635,7 @@
         <a:srgbClr val="000000"/>
       </a:buClr>
       <a:buFont typeface="Arial"/>
-      <a:defRPr b="0" i="0" sz="1400" u="none" cap="none" strike="noStrike">
+      <a:defRPr sz="1400" b="0" i="0" u="none" strike="noStrike" cap="none">
         <a:solidFill>
           <a:srgbClr val="000000"/>
         </a:solidFill>
@@ -623,7 +645,7 @@
         <a:sym typeface="Arial"/>
       </a:defRPr>
     </a:lvl6pPr>
-    <a:lvl7pPr lvl="6" marR="0" rtl="0" algn="l">
+    <a:lvl7pPr marR="0" lvl="6" algn="l" rtl="0">
       <a:lnSpc>
         <a:spcPct val="100000"/>
       </a:lnSpc>
@@ -637,7 +659,7 @@
         <a:srgbClr val="000000"/>
       </a:buClr>
       <a:buFont typeface="Arial"/>
-      <a:defRPr b="0" i="0" sz="1400" u="none" cap="none" strike="noStrike">
+      <a:defRPr sz="1400" b="0" i="0" u="none" strike="noStrike" cap="none">
         <a:solidFill>
           <a:srgbClr val="000000"/>
         </a:solidFill>
@@ -647,7 +669,7 @@
         <a:sym typeface="Arial"/>
       </a:defRPr>
     </a:lvl7pPr>
-    <a:lvl8pPr lvl="7" marR="0" rtl="0" algn="l">
+    <a:lvl8pPr marR="0" lvl="7" algn="l" rtl="0">
       <a:lnSpc>
         <a:spcPct val="100000"/>
       </a:lnSpc>
@@ -661,7 +683,7 @@
         <a:srgbClr val="000000"/>
       </a:buClr>
       <a:buFont typeface="Arial"/>
-      <a:defRPr b="0" i="0" sz="1400" u="none" cap="none" strike="noStrike">
+      <a:defRPr sz="1400" b="0" i="0" u="none" strike="noStrike" cap="none">
         <a:solidFill>
           <a:srgbClr val="000000"/>
         </a:solidFill>
@@ -671,7 +693,7 @@
         <a:sym typeface="Arial"/>
       </a:defRPr>
     </a:lvl8pPr>
-    <a:lvl9pPr lvl="8" marR="0" rtl="0" algn="l">
+    <a:lvl9pPr marR="0" lvl="8" algn="l" rtl="0">
       <a:lnSpc>
         <a:spcPct val="100000"/>
       </a:lnSpc>
@@ -685,7 +707,7 @@
         <a:srgbClr val="000000"/>
       </a:buClr>
       <a:buFont typeface="Arial"/>
-      <a:defRPr b="0" i="0" sz="1400" u="none" cap="none" strike="noStrike">
+      <a:defRPr sz="1400" b="0" i="0" u="none" strike="noStrike" cap="none">
         <a:solidFill>
           <a:srgbClr val="000000"/>
         </a:solidFill>
@@ -700,11 +722,11 @@
 </file>
 
 <file path=ppt/notesSlides/notesSlide1.xml><?xml version="1.0" encoding="utf-8"?>
-<p:notes xmlns:a="http://schemas.openxmlformats.org/drawingml/2006/main" xmlns:r="http://schemas.openxmlformats.org/officeDocument/2006/relationships" xmlns:mc="http://schemas.openxmlformats.org/markup-compatibility/2006" xmlns:mv="urn:schemas-microsoft-com:mac:vml" xmlns:p="http://schemas.openxmlformats.org/presentationml/2006/main" xmlns:c="http://schemas.openxmlformats.org/drawingml/2006/chart" xmlns:dgm="http://schemas.openxmlformats.org/drawingml/2006/diagram" xmlns:o="urn:schemas-microsoft-com:office:office" xmlns:v="urn:schemas-microsoft-com:vml" xmlns:pvml="urn:schemas-microsoft-com:office:powerpoint" xmlns:com="http://schemas.openxmlformats.org/drawingml/2006/compatibility" xmlns:p14="http://schemas.microsoft.com/office/powerpoint/2010/main" xmlns:p15="http://schemas.microsoft.com/office/powerpoint/2012/main" xmlns:ahyp="http://schemas.microsoft.com/office/drawing/2018/hyperlinkcolor" showMasterPhAnim="0" showMasterSp="0">
+<p:notes xmlns:a="http://schemas.openxmlformats.org/drawingml/2006/main" xmlns:r="http://schemas.openxmlformats.org/officeDocument/2006/relationships" xmlns:p="http://schemas.openxmlformats.org/presentationml/2006/main" showMasterSp="0" showMasterPhAnim="0">
   <p:cSld>
     <p:spTree>
       <p:nvGrpSpPr>
-        <p:cNvPr id="55" name="Shape 55"/>
+        <p:cNvPr id="1" name="Shape 55"/>
         <p:cNvGrpSpPr/>
         <p:nvPr/>
       </p:nvGrpSpPr>
@@ -719,9 +741,11 @@
       <p:sp>
         <p:nvSpPr>
           <p:cNvPr id="56" name="Google Shape;56;gc6f90357f_0_0:notes"/>
-          <p:cNvSpPr/>
+          <p:cNvSpPr>
+            <a:spLocks noGrp="1" noRot="1" noChangeAspect="1"/>
+          </p:cNvSpPr>
           <p:nvPr>
-            <p:ph idx="2" type="sldImg"/>
+            <p:ph type="sldImg" idx="2"/>
           </p:nvPr>
         </p:nvSpPr>
         <p:spPr>
@@ -730,9 +754,13 @@
             <a:ext cx="6096300" cy="3429000"/>
           </a:xfrm>
           <a:custGeom>
-            <a:rect b="b" l="l" r="r" t="t"/>
+            <a:avLst/>
+            <a:gdLst/>
+            <a:ahLst/>
+            <a:cxnLst/>
+            <a:rect l="l" t="t" r="r" b="b"/>
             <a:pathLst>
-              <a:path extrusionOk="0" h="120000" w="120000">
+              <a:path w="120000" h="120000" extrusionOk="0">
                 <a:moveTo>
                   <a:pt x="0" y="0"/>
                 </a:moveTo>
@@ -754,9 +782,11 @@
       <p:sp>
         <p:nvSpPr>
           <p:cNvPr id="57" name="Google Shape;57;gc6f90357f_0_0:notes"/>
-          <p:cNvSpPr txBox="1"/>
+          <p:cNvSpPr txBox="1">
+            <a:spLocks noGrp="1"/>
+          </p:cNvSpPr>
           <p:nvPr>
-            <p:ph idx="1" type="body"/>
+            <p:ph type="body" idx="1"/>
           </p:nvPr>
         </p:nvSpPr>
         <p:spPr>
@@ -769,12 +799,12 @@
           </a:prstGeom>
         </p:spPr>
         <p:txBody>
-          <a:bodyPr anchorCtr="0" anchor="t" bIns="91425" lIns="91425" spcFirstLastPara="1" rIns="91425" wrap="square" tIns="91425">
+          <a:bodyPr spcFirstLastPara="1" wrap="square" lIns="91425" tIns="91425" rIns="91425" bIns="91425" anchor="t" anchorCtr="0">
             <a:noAutofit/>
           </a:bodyPr>
           <a:lstStyle/>
           <a:p>
-            <a:pPr indent="0" lvl="0" marL="0" rtl="0" algn="l">
+            <a:pPr marL="0" lvl="0" indent="0" algn="l" rtl="0">
               <a:spcBef>
                 <a:spcPts val="0"/>
               </a:spcBef>
@@ -783,9 +813,6 @@
               </a:spcAft>
               <a:buNone/>
             </a:pPr>
-            <a:r>
-              <a:t/>
-            </a:r>
             <a:endParaRPr/>
           </a:p>
         </p:txBody>
@@ -799,11 +826,11 @@
 </file>
 
 <file path=ppt/notesSlides/notesSlide2.xml><?xml version="1.0" encoding="utf-8"?>
-<p:notes xmlns:a="http://schemas.openxmlformats.org/drawingml/2006/main" xmlns:r="http://schemas.openxmlformats.org/officeDocument/2006/relationships" xmlns:mc="http://schemas.openxmlformats.org/markup-compatibility/2006" xmlns:mv="urn:schemas-microsoft-com:mac:vml" xmlns:p="http://schemas.openxmlformats.org/presentationml/2006/main" xmlns:c="http://schemas.openxmlformats.org/drawingml/2006/chart" xmlns:dgm="http://schemas.openxmlformats.org/drawingml/2006/diagram" xmlns:o="urn:schemas-microsoft-com:office:office" xmlns:v="urn:schemas-microsoft-com:vml" xmlns:pvml="urn:schemas-microsoft-com:office:powerpoint" xmlns:com="http://schemas.openxmlformats.org/drawingml/2006/compatibility" xmlns:p14="http://schemas.microsoft.com/office/powerpoint/2010/main" xmlns:p15="http://schemas.microsoft.com/office/powerpoint/2012/main" xmlns:ahyp="http://schemas.microsoft.com/office/drawing/2018/hyperlinkcolor" showMasterPhAnim="0" showMasterSp="0">
+<p:notes xmlns:a="http://schemas.openxmlformats.org/drawingml/2006/main" xmlns:r="http://schemas.openxmlformats.org/officeDocument/2006/relationships" xmlns:p="http://schemas.openxmlformats.org/presentationml/2006/main" showMasterSp="0" showMasterPhAnim="0">
   <p:cSld>
     <p:spTree>
       <p:nvGrpSpPr>
-        <p:cNvPr id="61" name="Shape 61"/>
+        <p:cNvPr id="1" name="Shape 61"/>
         <p:cNvGrpSpPr/>
         <p:nvPr/>
       </p:nvGrpSpPr>
@@ -818,9 +845,11 @@
       <p:sp>
         <p:nvSpPr>
           <p:cNvPr id="62" name="Google Shape;62;gc6f90357f_0_13:notes"/>
-          <p:cNvSpPr/>
+          <p:cNvSpPr>
+            <a:spLocks noGrp="1" noRot="1" noChangeAspect="1"/>
+          </p:cNvSpPr>
           <p:nvPr>
-            <p:ph idx="2" type="sldImg"/>
+            <p:ph type="sldImg" idx="2"/>
           </p:nvPr>
         </p:nvSpPr>
         <p:spPr>
@@ -829,9 +858,13 @@
             <a:ext cx="6096300" cy="3429000"/>
           </a:xfrm>
           <a:custGeom>
-            <a:rect b="b" l="l" r="r" t="t"/>
+            <a:avLst/>
+            <a:gdLst/>
+            <a:ahLst/>
+            <a:cxnLst/>
+            <a:rect l="l" t="t" r="r" b="b"/>
             <a:pathLst>
-              <a:path extrusionOk="0" h="120000" w="120000">
+              <a:path w="120000" h="120000" extrusionOk="0">
                 <a:moveTo>
                   <a:pt x="0" y="0"/>
                 </a:moveTo>
@@ -853,9 +886,11 @@
       <p:sp>
         <p:nvSpPr>
           <p:cNvPr id="63" name="Google Shape;63;gc6f90357f_0_13:notes"/>
-          <p:cNvSpPr txBox="1"/>
+          <p:cNvSpPr txBox="1">
+            <a:spLocks noGrp="1"/>
+          </p:cNvSpPr>
           <p:nvPr>
-            <p:ph idx="1" type="body"/>
+            <p:ph type="body" idx="1"/>
           </p:nvPr>
         </p:nvSpPr>
         <p:spPr>
@@ -868,12 +903,12 @@
           </a:prstGeom>
         </p:spPr>
         <p:txBody>
-          <a:bodyPr anchorCtr="0" anchor="t" bIns="91425" lIns="91425" spcFirstLastPara="1" rIns="91425" wrap="square" tIns="91425">
+          <a:bodyPr spcFirstLastPara="1" wrap="square" lIns="91425" tIns="91425" rIns="91425" bIns="91425" anchor="t" anchorCtr="0">
             <a:noAutofit/>
           </a:bodyPr>
           <a:lstStyle/>
           <a:p>
-            <a:pPr indent="0" lvl="0" marL="0" rtl="0" algn="l">
+            <a:pPr marL="0" lvl="0" indent="0" algn="l" rtl="0">
               <a:spcBef>
                 <a:spcPts val="0"/>
               </a:spcBef>
@@ -882,9 +917,6 @@
               </a:spcAft>
               <a:buNone/>
             </a:pPr>
-            <a:r>
-              <a:t/>
-            </a:r>
             <a:endParaRPr/>
           </a:p>
         </p:txBody>
@@ -898,11 +930,11 @@
 </file>
 
 <file path=ppt/notesSlides/notesSlide3.xml><?xml version="1.0" encoding="utf-8"?>
-<p:notes xmlns:a="http://schemas.openxmlformats.org/drawingml/2006/main" xmlns:r="http://schemas.openxmlformats.org/officeDocument/2006/relationships" xmlns:mc="http://schemas.openxmlformats.org/markup-compatibility/2006" xmlns:mv="urn:schemas-microsoft-com:mac:vml" xmlns:p="http://schemas.openxmlformats.org/presentationml/2006/main" xmlns:c="http://schemas.openxmlformats.org/drawingml/2006/chart" xmlns:dgm="http://schemas.openxmlformats.org/drawingml/2006/diagram" xmlns:o="urn:schemas-microsoft-com:office:office" xmlns:v="urn:schemas-microsoft-com:vml" xmlns:pvml="urn:schemas-microsoft-com:office:powerpoint" xmlns:com="http://schemas.openxmlformats.org/drawingml/2006/compatibility" xmlns:p14="http://schemas.microsoft.com/office/powerpoint/2010/main" xmlns:p15="http://schemas.microsoft.com/office/powerpoint/2012/main" xmlns:ahyp="http://schemas.microsoft.com/office/drawing/2018/hyperlinkcolor" showMasterPhAnim="0" showMasterSp="0">
+<p:notes xmlns:a="http://schemas.openxmlformats.org/drawingml/2006/main" xmlns:r="http://schemas.openxmlformats.org/officeDocument/2006/relationships" xmlns:p="http://schemas.openxmlformats.org/presentationml/2006/main" showMasterSp="0" showMasterPhAnim="0">
   <p:cSld>
     <p:spTree>
       <p:nvGrpSpPr>
-        <p:cNvPr id="69" name="Shape 69"/>
+        <p:cNvPr id="1" name="Shape 69"/>
         <p:cNvGrpSpPr/>
         <p:nvPr/>
       </p:nvGrpSpPr>
@@ -917,9 +949,11 @@
       <p:sp>
         <p:nvSpPr>
           <p:cNvPr id="70" name="Google Shape;70;g11d3bf38412_0_1:notes"/>
-          <p:cNvSpPr/>
+          <p:cNvSpPr>
+            <a:spLocks noGrp="1" noRot="1" noChangeAspect="1"/>
+          </p:cNvSpPr>
           <p:nvPr>
-            <p:ph idx="2" type="sldImg"/>
+            <p:ph type="sldImg" idx="2"/>
           </p:nvPr>
         </p:nvSpPr>
         <p:spPr>
@@ -928,9 +962,13 @@
             <a:ext cx="6096300" cy="3429000"/>
           </a:xfrm>
           <a:custGeom>
-            <a:rect b="b" l="l" r="r" t="t"/>
+            <a:avLst/>
+            <a:gdLst/>
+            <a:ahLst/>
+            <a:cxnLst/>
+            <a:rect l="l" t="t" r="r" b="b"/>
             <a:pathLst>
-              <a:path extrusionOk="0" h="120000" w="120000">
+              <a:path w="120000" h="120000" extrusionOk="0">
                 <a:moveTo>
                   <a:pt x="0" y="0"/>
                 </a:moveTo>
@@ -952,9 +990,11 @@
       <p:sp>
         <p:nvSpPr>
           <p:cNvPr id="71" name="Google Shape;71;g11d3bf38412_0_1:notes"/>
-          <p:cNvSpPr txBox="1"/>
+          <p:cNvSpPr txBox="1">
+            <a:spLocks noGrp="1"/>
+          </p:cNvSpPr>
           <p:nvPr>
-            <p:ph idx="1" type="body"/>
+            <p:ph type="body" idx="1"/>
           </p:nvPr>
         </p:nvSpPr>
         <p:spPr>
@@ -967,12 +1007,12 @@
           </a:prstGeom>
         </p:spPr>
         <p:txBody>
-          <a:bodyPr anchorCtr="0" anchor="t" bIns="91425" lIns="91425" spcFirstLastPara="1" rIns="91425" wrap="square" tIns="91425">
+          <a:bodyPr spcFirstLastPara="1" wrap="square" lIns="91425" tIns="91425" rIns="91425" bIns="91425" anchor="t" anchorCtr="0">
             <a:noAutofit/>
           </a:bodyPr>
           <a:lstStyle/>
           <a:p>
-            <a:pPr indent="0" lvl="0" marL="0" rtl="0" algn="l">
+            <a:pPr marL="0" lvl="0" indent="0" algn="l" rtl="0">
               <a:spcBef>
                 <a:spcPts val="0"/>
               </a:spcBef>
@@ -981,9 +1021,6 @@
               </a:spcAft>
               <a:buNone/>
             </a:pPr>
-            <a:r>
-              <a:t/>
-            </a:r>
             <a:endParaRPr/>
           </a:p>
         </p:txBody>
@@ -997,11 +1034,11 @@
 </file>
 
 <file path=ppt/notesSlides/notesSlide4.xml><?xml version="1.0" encoding="utf-8"?>
-<p:notes xmlns:a="http://schemas.openxmlformats.org/drawingml/2006/main" xmlns:r="http://schemas.openxmlformats.org/officeDocument/2006/relationships" xmlns:mc="http://schemas.openxmlformats.org/markup-compatibility/2006" xmlns:mv="urn:schemas-microsoft-com:mac:vml" xmlns:p="http://schemas.openxmlformats.org/presentationml/2006/main" xmlns:c="http://schemas.openxmlformats.org/drawingml/2006/chart" xmlns:dgm="http://schemas.openxmlformats.org/drawingml/2006/diagram" xmlns:o="urn:schemas-microsoft-com:office:office" xmlns:v="urn:schemas-microsoft-com:vml" xmlns:pvml="urn:schemas-microsoft-com:office:powerpoint" xmlns:com="http://schemas.openxmlformats.org/drawingml/2006/compatibility" xmlns:p14="http://schemas.microsoft.com/office/powerpoint/2010/main" xmlns:p15="http://schemas.microsoft.com/office/powerpoint/2012/main" xmlns:ahyp="http://schemas.microsoft.com/office/drawing/2018/hyperlinkcolor" showMasterPhAnim="0" showMasterSp="0">
+<p:notes xmlns:a="http://schemas.openxmlformats.org/drawingml/2006/main" xmlns:r="http://schemas.openxmlformats.org/officeDocument/2006/relationships" xmlns:p="http://schemas.openxmlformats.org/presentationml/2006/main" showMasterSp="0" showMasterPhAnim="0">
   <p:cSld>
     <p:spTree>
       <p:nvGrpSpPr>
-        <p:cNvPr id="77" name="Shape 77"/>
+        <p:cNvPr id="1" name="Shape 77"/>
         <p:cNvGrpSpPr/>
         <p:nvPr/>
       </p:nvGrpSpPr>
@@ -1016,9 +1053,11 @@
       <p:sp>
         <p:nvSpPr>
           <p:cNvPr id="78" name="Google Shape;78;g11d3bf38412_0_7:notes"/>
-          <p:cNvSpPr/>
+          <p:cNvSpPr>
+            <a:spLocks noGrp="1" noRot="1" noChangeAspect="1"/>
+          </p:cNvSpPr>
           <p:nvPr>
-            <p:ph idx="2" type="sldImg"/>
+            <p:ph type="sldImg" idx="2"/>
           </p:nvPr>
         </p:nvSpPr>
         <p:spPr>
@@ -1027,9 +1066,13 @@
             <a:ext cx="6096300" cy="3429000"/>
           </a:xfrm>
           <a:custGeom>
-            <a:rect b="b" l="l" r="r" t="t"/>
+            <a:avLst/>
+            <a:gdLst/>
+            <a:ahLst/>
+            <a:cxnLst/>
+            <a:rect l="l" t="t" r="r" b="b"/>
             <a:pathLst>
-              <a:path extrusionOk="0" h="120000" w="120000">
+              <a:path w="120000" h="120000" extrusionOk="0">
                 <a:moveTo>
                   <a:pt x="0" y="0"/>
                 </a:moveTo>
@@ -1051,9 +1094,11 @@
       <p:sp>
         <p:nvSpPr>
           <p:cNvPr id="79" name="Google Shape;79;g11d3bf38412_0_7:notes"/>
-          <p:cNvSpPr txBox="1"/>
+          <p:cNvSpPr txBox="1">
+            <a:spLocks noGrp="1"/>
+          </p:cNvSpPr>
           <p:nvPr>
-            <p:ph idx="1" type="body"/>
+            <p:ph type="body" idx="1"/>
           </p:nvPr>
         </p:nvSpPr>
         <p:spPr>
@@ -1066,12 +1111,12 @@
           </a:prstGeom>
         </p:spPr>
         <p:txBody>
-          <a:bodyPr anchorCtr="0" anchor="t" bIns="91425" lIns="91425" spcFirstLastPara="1" rIns="91425" wrap="square" tIns="91425">
+          <a:bodyPr spcFirstLastPara="1" wrap="square" lIns="91425" tIns="91425" rIns="91425" bIns="91425" anchor="t" anchorCtr="0">
             <a:noAutofit/>
           </a:bodyPr>
           <a:lstStyle/>
           <a:p>
-            <a:pPr indent="0" lvl="0" marL="0" rtl="0" algn="l">
+            <a:pPr marL="0" lvl="0" indent="0" algn="l" rtl="0">
               <a:spcBef>
                 <a:spcPts val="0"/>
               </a:spcBef>
@@ -1080,9 +1125,6 @@
               </a:spcAft>
               <a:buNone/>
             </a:pPr>
-            <a:r>
-              <a:t/>
-            </a:r>
             <a:endParaRPr/>
           </a:p>
         </p:txBody>
@@ -1096,11 +1138,11 @@
 </file>
 
 <file path=ppt/notesSlides/notesSlide5.xml><?xml version="1.0" encoding="utf-8"?>
-<p:notes xmlns:a="http://schemas.openxmlformats.org/drawingml/2006/main" xmlns:r="http://schemas.openxmlformats.org/officeDocument/2006/relationships" xmlns:mc="http://schemas.openxmlformats.org/markup-compatibility/2006" xmlns:mv="urn:schemas-microsoft-com:mac:vml" xmlns:p="http://schemas.openxmlformats.org/presentationml/2006/main" xmlns:c="http://schemas.openxmlformats.org/drawingml/2006/chart" xmlns:dgm="http://schemas.openxmlformats.org/drawingml/2006/diagram" xmlns:o="urn:schemas-microsoft-com:office:office" xmlns:v="urn:schemas-microsoft-com:vml" xmlns:pvml="urn:schemas-microsoft-com:office:powerpoint" xmlns:com="http://schemas.openxmlformats.org/drawingml/2006/compatibility" xmlns:p14="http://schemas.microsoft.com/office/powerpoint/2010/main" xmlns:p15="http://schemas.microsoft.com/office/powerpoint/2012/main" xmlns:ahyp="http://schemas.microsoft.com/office/drawing/2018/hyperlinkcolor" showMasterPhAnim="0" showMasterSp="0">
+<p:notes xmlns:a="http://schemas.openxmlformats.org/drawingml/2006/main" xmlns:r="http://schemas.openxmlformats.org/officeDocument/2006/relationships" xmlns:p="http://schemas.openxmlformats.org/presentationml/2006/main" showMasterSp="0" showMasterPhAnim="0">
   <p:cSld>
     <p:spTree>
       <p:nvGrpSpPr>
-        <p:cNvPr id="85" name="Shape 85"/>
+        <p:cNvPr id="1" name="Shape 85"/>
         <p:cNvGrpSpPr/>
         <p:nvPr/>
       </p:nvGrpSpPr>
@@ -1115,9 +1157,11 @@
       <p:sp>
         <p:nvSpPr>
           <p:cNvPr id="86" name="Google Shape;86;g11d3bf38412_0_14:notes"/>
-          <p:cNvSpPr/>
+          <p:cNvSpPr>
+            <a:spLocks noGrp="1" noRot="1" noChangeAspect="1"/>
+          </p:cNvSpPr>
           <p:nvPr>
-            <p:ph idx="2" type="sldImg"/>
+            <p:ph type="sldImg" idx="2"/>
           </p:nvPr>
         </p:nvSpPr>
         <p:spPr>
@@ -1126,9 +1170,13 @@
             <a:ext cx="6096300" cy="3429000"/>
           </a:xfrm>
           <a:custGeom>
-            <a:rect b="b" l="l" r="r" t="t"/>
+            <a:avLst/>
+            <a:gdLst/>
+            <a:ahLst/>
+            <a:cxnLst/>
+            <a:rect l="l" t="t" r="r" b="b"/>
             <a:pathLst>
-              <a:path extrusionOk="0" h="120000" w="120000">
+              <a:path w="120000" h="120000" extrusionOk="0">
                 <a:moveTo>
                   <a:pt x="0" y="0"/>
                 </a:moveTo>
@@ -1150,9 +1198,11 @@
       <p:sp>
         <p:nvSpPr>
           <p:cNvPr id="87" name="Google Shape;87;g11d3bf38412_0_14:notes"/>
-          <p:cNvSpPr txBox="1"/>
+          <p:cNvSpPr txBox="1">
+            <a:spLocks noGrp="1"/>
+          </p:cNvSpPr>
           <p:nvPr>
-            <p:ph idx="1" type="body"/>
+            <p:ph type="body" idx="1"/>
           </p:nvPr>
         </p:nvSpPr>
         <p:spPr>
@@ -1165,12 +1215,12 @@
           </a:prstGeom>
         </p:spPr>
         <p:txBody>
-          <a:bodyPr anchorCtr="0" anchor="t" bIns="91425" lIns="91425" spcFirstLastPara="1" rIns="91425" wrap="square" tIns="91425">
+          <a:bodyPr spcFirstLastPara="1" wrap="square" lIns="91425" tIns="91425" rIns="91425" bIns="91425" anchor="t" anchorCtr="0">
             <a:noAutofit/>
           </a:bodyPr>
           <a:lstStyle/>
           <a:p>
-            <a:pPr indent="0" lvl="0" marL="0" rtl="0" algn="l">
+            <a:pPr marL="0" lvl="0" indent="0" algn="l" rtl="0">
               <a:spcBef>
                 <a:spcPts val="0"/>
               </a:spcBef>
@@ -1179,9 +1229,6 @@
               </a:spcAft>
               <a:buNone/>
             </a:pPr>
-            <a:r>
-              <a:t/>
-            </a:r>
             <a:endParaRPr/>
           </a:p>
         </p:txBody>
@@ -1195,11 +1242,219 @@
 </file>
 
 <file path=ppt/notesSlides/notesSlide6.xml><?xml version="1.0" encoding="utf-8"?>
-<p:notes xmlns:a="http://schemas.openxmlformats.org/drawingml/2006/main" xmlns:r="http://schemas.openxmlformats.org/officeDocument/2006/relationships" xmlns:mc="http://schemas.openxmlformats.org/markup-compatibility/2006" xmlns:mv="urn:schemas-microsoft-com:mac:vml" xmlns:p="http://schemas.openxmlformats.org/presentationml/2006/main" xmlns:c="http://schemas.openxmlformats.org/drawingml/2006/chart" xmlns:dgm="http://schemas.openxmlformats.org/drawingml/2006/diagram" xmlns:o="urn:schemas-microsoft-com:office:office" xmlns:v="urn:schemas-microsoft-com:vml" xmlns:pvml="urn:schemas-microsoft-com:office:powerpoint" xmlns:com="http://schemas.openxmlformats.org/drawingml/2006/compatibility" xmlns:p14="http://schemas.microsoft.com/office/powerpoint/2010/main" xmlns:p15="http://schemas.microsoft.com/office/powerpoint/2012/main" xmlns:ahyp="http://schemas.microsoft.com/office/drawing/2018/hyperlinkcolor" showMasterPhAnim="0" showMasterSp="0">
+<p:notes xmlns:a="http://schemas.openxmlformats.org/drawingml/2006/main" xmlns:r="http://schemas.openxmlformats.org/officeDocument/2006/relationships" xmlns:p="http://schemas.openxmlformats.org/presentationml/2006/main" showMasterSp="0" showMasterPhAnim="0">
   <p:cSld>
     <p:spTree>
       <p:nvGrpSpPr>
-        <p:cNvPr id="93" name="Shape 93"/>
+        <p:cNvPr id="1" name="Shape 93"/>
+        <p:cNvGrpSpPr/>
+        <p:nvPr/>
+      </p:nvGrpSpPr>
+      <p:grpSpPr>
+        <a:xfrm>
+          <a:off x="0" y="0"/>
+          <a:ext cx="0" cy="0"/>
+          <a:chOff x="0" y="0"/>
+          <a:chExt cx="0" cy="0"/>
+        </a:xfrm>
+      </p:grpSpPr>
+      <p:sp>
+        <p:nvSpPr>
+          <p:cNvPr id="94" name="Google Shape;94;g11d3bf38412_0_26:notes"/>
+          <p:cNvSpPr>
+            <a:spLocks noGrp="1" noRot="1" noChangeAspect="1"/>
+          </p:cNvSpPr>
+          <p:nvPr>
+            <p:ph type="sldImg" idx="2"/>
+          </p:nvPr>
+        </p:nvSpPr>
+        <p:spPr>
+          <a:xfrm>
+            <a:off x="381188" y="685800"/>
+            <a:ext cx="6096300" cy="3429000"/>
+          </a:xfrm>
+          <a:custGeom>
+            <a:avLst/>
+            <a:gdLst/>
+            <a:ahLst/>
+            <a:cxnLst/>
+            <a:rect l="l" t="t" r="r" b="b"/>
+            <a:pathLst>
+              <a:path w="120000" h="120000" extrusionOk="0">
+                <a:moveTo>
+                  <a:pt x="0" y="0"/>
+                </a:moveTo>
+                <a:lnTo>
+                  <a:pt x="120000" y="0"/>
+                </a:lnTo>
+                <a:lnTo>
+                  <a:pt x="120000" y="120000"/>
+                </a:lnTo>
+                <a:lnTo>
+                  <a:pt x="0" y="120000"/>
+                </a:lnTo>
+                <a:close/>
+              </a:path>
+            </a:pathLst>
+          </a:custGeom>
+        </p:spPr>
+      </p:sp>
+      <p:sp>
+        <p:nvSpPr>
+          <p:cNvPr id="95" name="Google Shape;95;g11d3bf38412_0_26:notes"/>
+          <p:cNvSpPr txBox="1">
+            <a:spLocks noGrp="1"/>
+          </p:cNvSpPr>
+          <p:nvPr>
+            <p:ph type="body" idx="1"/>
+          </p:nvPr>
+        </p:nvSpPr>
+        <p:spPr>
+          <a:xfrm>
+            <a:off x="685800" y="4343400"/>
+            <a:ext cx="5486400" cy="4114800"/>
+          </a:xfrm>
+          <a:prstGeom prst="rect">
+            <a:avLst/>
+          </a:prstGeom>
+        </p:spPr>
+        <p:txBody>
+          <a:bodyPr spcFirstLastPara="1" wrap="square" lIns="91425" tIns="91425" rIns="91425" bIns="91425" anchor="t" anchorCtr="0">
+            <a:noAutofit/>
+          </a:bodyPr>
+          <a:lstStyle/>
+          <a:p>
+            <a:pPr marL="0" lvl="0" indent="0" algn="l" rtl="0">
+              <a:spcBef>
+                <a:spcPts val="0"/>
+              </a:spcBef>
+              <a:spcAft>
+                <a:spcPts val="0"/>
+              </a:spcAft>
+              <a:buNone/>
+            </a:pPr>
+            <a:endParaRPr/>
+          </a:p>
+        </p:txBody>
+      </p:sp>
+    </p:spTree>
+  </p:cSld>
+  <p:clrMapOvr>
+    <a:masterClrMapping/>
+  </p:clrMapOvr>
+</p:notes>
+</file>
+
+<file path=ppt/notesSlides/notesSlide7.xml><?xml version="1.0" encoding="utf-8"?>
+<p:notes xmlns:a="http://schemas.openxmlformats.org/drawingml/2006/main" xmlns:r="http://schemas.openxmlformats.org/officeDocument/2006/relationships" xmlns:p="http://schemas.openxmlformats.org/presentationml/2006/main" showMasterSp="0" showMasterPhAnim="0">
+  <p:cSld>
+    <p:spTree>
+      <p:nvGrpSpPr>
+        <p:cNvPr id="1" name="Shape 132"/>
+        <p:cNvGrpSpPr/>
+        <p:nvPr/>
+      </p:nvGrpSpPr>
+      <p:grpSpPr>
+        <a:xfrm>
+          <a:off x="0" y="0"/>
+          <a:ext cx="0" cy="0"/>
+          <a:chOff x="0" y="0"/>
+          <a:chExt cx="0" cy="0"/>
+        </a:xfrm>
+      </p:grpSpPr>
+      <p:sp>
+        <p:nvSpPr>
+          <p:cNvPr id="133" name="Google Shape;133;gc6f90357f_0_47:notes"/>
+          <p:cNvSpPr>
+            <a:spLocks noGrp="1" noRot="1" noChangeAspect="1"/>
+          </p:cNvSpPr>
+          <p:nvPr>
+            <p:ph type="sldImg" idx="2"/>
+          </p:nvPr>
+        </p:nvSpPr>
+        <p:spPr>
+          <a:xfrm>
+            <a:off x="381000" y="685800"/>
+            <a:ext cx="6096000" cy="3429000"/>
+          </a:xfrm>
+          <a:custGeom>
+            <a:avLst/>
+            <a:gdLst/>
+            <a:ahLst/>
+            <a:cxnLst/>
+            <a:rect l="l" t="t" r="r" b="b"/>
+            <a:pathLst>
+              <a:path w="120000" h="120000" extrusionOk="0">
+                <a:moveTo>
+                  <a:pt x="0" y="0"/>
+                </a:moveTo>
+                <a:lnTo>
+                  <a:pt x="120000" y="0"/>
+                </a:lnTo>
+                <a:lnTo>
+                  <a:pt x="120000" y="120000"/>
+                </a:lnTo>
+                <a:lnTo>
+                  <a:pt x="0" y="120000"/>
+                </a:lnTo>
+                <a:close/>
+              </a:path>
+            </a:pathLst>
+          </a:custGeom>
+        </p:spPr>
+      </p:sp>
+      <p:sp>
+        <p:nvSpPr>
+          <p:cNvPr id="134" name="Google Shape;134;gc6f90357f_0_47:notes"/>
+          <p:cNvSpPr txBox="1">
+            <a:spLocks noGrp="1"/>
+          </p:cNvSpPr>
+          <p:nvPr>
+            <p:ph type="body" idx="1"/>
+          </p:nvPr>
+        </p:nvSpPr>
+        <p:spPr>
+          <a:xfrm>
+            <a:off x="685800" y="4343400"/>
+            <a:ext cx="5486400" cy="4114800"/>
+          </a:xfrm>
+          <a:prstGeom prst="rect">
+            <a:avLst/>
+          </a:prstGeom>
+        </p:spPr>
+        <p:txBody>
+          <a:bodyPr spcFirstLastPara="1" wrap="square" lIns="91425" tIns="91425" rIns="91425" bIns="91425" anchor="t" anchorCtr="0">
+            <a:noAutofit/>
+          </a:bodyPr>
+          <a:lstStyle/>
+          <a:p>
+            <a:pPr marL="0" lvl="0" indent="0" algn="l" rtl="0">
+              <a:spcBef>
+                <a:spcPts val="0"/>
+              </a:spcBef>
+              <a:spcAft>
+                <a:spcPts val="0"/>
+              </a:spcAft>
+              <a:buNone/>
+            </a:pPr>
+            <a:endParaRPr/>
+          </a:p>
+        </p:txBody>
+      </p:sp>
+    </p:spTree>
+  </p:cSld>
+  <p:clrMapOvr>
+    <a:masterClrMapping/>
+  </p:clrMapOvr>
+</p:notes>
+</file>
+
+<file path=ppt/notesSlides/notesSlide8.xml><?xml version="1.0" encoding="utf-8"?>
+<p:notes xmlns:a="http://schemas.openxmlformats.org/drawingml/2006/main" xmlns:r="http://schemas.openxmlformats.org/officeDocument/2006/relationships" xmlns:p="http://schemas.openxmlformats.org/presentationml/2006/main" showMasterSp="0" showMasterPhAnim="0">
+  <p:cSld>
+    <p:spTree>
+      <p:nvGrpSpPr>
+        <p:cNvPr id="1" name="Shape 93"/>
         <p:cNvGrpSpPr/>
         <p:nvPr/>
       </p:nvGrpSpPr>
@@ -1214,9 +1469,11 @@
       <p:sp>
         <p:nvSpPr>
           <p:cNvPr id="94" name="Google Shape;94;gc6f90357f_0_27:notes"/>
-          <p:cNvSpPr/>
+          <p:cNvSpPr>
+            <a:spLocks noGrp="1" noRot="1" noChangeAspect="1"/>
+          </p:cNvSpPr>
           <p:nvPr>
-            <p:ph idx="2" type="sldImg"/>
+            <p:ph type="sldImg" idx="2"/>
           </p:nvPr>
         </p:nvSpPr>
         <p:spPr>
@@ -1225,9 +1482,13 @@
             <a:ext cx="6096300" cy="3429000"/>
           </a:xfrm>
           <a:custGeom>
-            <a:rect b="b" l="l" r="r" t="t"/>
+            <a:avLst/>
+            <a:gdLst/>
+            <a:ahLst/>
+            <a:cxnLst/>
+            <a:rect l="l" t="t" r="r" b="b"/>
             <a:pathLst>
-              <a:path extrusionOk="0" h="120000" w="120000">
+              <a:path w="120000" h="120000" extrusionOk="0">
                 <a:moveTo>
                   <a:pt x="0" y="0"/>
                 </a:moveTo>
@@ -1249,9 +1510,11 @@
       <p:sp>
         <p:nvSpPr>
           <p:cNvPr id="95" name="Google Shape;95;gc6f90357f_0_27:notes"/>
-          <p:cNvSpPr txBox="1"/>
+          <p:cNvSpPr txBox="1">
+            <a:spLocks noGrp="1"/>
+          </p:cNvSpPr>
           <p:nvPr>
-            <p:ph idx="1" type="body"/>
+            <p:ph type="body" idx="1"/>
           </p:nvPr>
         </p:nvSpPr>
         <p:spPr>
@@ -1264,12 +1527,12 @@
           </a:prstGeom>
         </p:spPr>
         <p:txBody>
-          <a:bodyPr anchorCtr="0" anchor="t" bIns="91425" lIns="91425" spcFirstLastPara="1" rIns="91425" wrap="square" tIns="91425">
+          <a:bodyPr spcFirstLastPara="1" wrap="square" lIns="91425" tIns="91425" rIns="91425" bIns="91425" anchor="t" anchorCtr="0">
             <a:noAutofit/>
           </a:bodyPr>
           <a:lstStyle/>
           <a:p>
-            <a:pPr indent="0" lvl="0" marL="0" rtl="0" algn="l">
+            <a:pPr marL="0" lvl="0" indent="0" algn="l" rtl="0">
               <a:spcBef>
                 <a:spcPts val="0"/>
               </a:spcBef>
@@ -1278,9 +1541,6 @@
               </a:spcAft>
               <a:buNone/>
             </a:pPr>
-            <a:r>
-              <a:t/>
-            </a:r>
             <a:endParaRPr/>
           </a:p>
         </p:txBody>
@@ -1294,18 +1554,19 @@
 </file>
 
 <file path=ppt/slideLayouts/slideLayout1.xml><?xml version="1.0" encoding="utf-8"?>
-<p:sldLayout xmlns:a="http://schemas.openxmlformats.org/drawingml/2006/main" xmlns:r="http://schemas.openxmlformats.org/officeDocument/2006/relationships" xmlns:mc="http://schemas.openxmlformats.org/markup-compatibility/2006" xmlns:mv="urn:schemas-microsoft-com:mac:vml" xmlns:p="http://schemas.openxmlformats.org/presentationml/2006/main" xmlns:c="http://schemas.openxmlformats.org/drawingml/2006/chart" xmlns:dgm="http://schemas.openxmlformats.org/drawingml/2006/diagram" xmlns:o="urn:schemas-microsoft-com:office:office" xmlns:v="urn:schemas-microsoft-com:vml" xmlns:pvml="urn:schemas-microsoft-com:office:powerpoint" xmlns:com="http://schemas.openxmlformats.org/drawingml/2006/compatibility" xmlns:p14="http://schemas.microsoft.com/office/powerpoint/2010/main" xmlns:p15="http://schemas.microsoft.com/office/powerpoint/2012/main" xmlns:ahyp="http://schemas.microsoft.com/office/drawing/2018/hyperlinkcolor" matchingName="Title slide" type="title">
+<p:sldLayout xmlns:a="http://schemas.openxmlformats.org/drawingml/2006/main" xmlns:r="http://schemas.openxmlformats.org/officeDocument/2006/relationships" xmlns:p="http://schemas.openxmlformats.org/presentationml/2006/main" matchingName="Title slide" type="title">
   <p:cSld name="TITLE">
     <p:bg>
       <p:bgPr>
         <a:solidFill>
           <a:schemeClr val="dk1"/>
         </a:solidFill>
+        <a:effectLst/>
       </p:bgPr>
     </p:bg>
     <p:spTree>
       <p:nvGrpSpPr>
-        <p:cNvPr id="9" name="Shape 9"/>
+        <p:cNvPr id="1" name="Shape 9"/>
         <p:cNvGrpSpPr/>
         <p:nvPr/>
       </p:nvGrpSpPr>
@@ -1339,12 +1600,12 @@
           </a:ln>
         </p:spPr>
         <p:txBody>
-          <a:bodyPr anchorCtr="0" anchor="ctr" bIns="91425" lIns="91425" spcFirstLastPara="1" rIns="91425" wrap="square" tIns="91425">
+          <a:bodyPr spcFirstLastPara="1" wrap="square" lIns="91425" tIns="91425" rIns="91425" bIns="91425" anchor="ctr" anchorCtr="0">
             <a:noAutofit/>
           </a:bodyPr>
           <a:lstStyle/>
           <a:p>
-            <a:pPr indent="0" lvl="0" marL="0" rtl="0" algn="l">
+            <a:pPr marL="0" lvl="0" indent="0" algn="l" rtl="0">
               <a:spcBef>
                 <a:spcPts val="0"/>
               </a:spcBef>
@@ -1353,9 +1614,6 @@
               </a:spcAft>
               <a:buNone/>
             </a:pPr>
-            <a:r>
-              <a:t/>
-            </a:r>
             <a:endParaRPr/>
           </a:p>
         </p:txBody>
@@ -1375,21 +1633,23 @@
             <a:avLst/>
           </a:prstGeom>
           <a:noFill/>
-          <a:ln cap="flat" cmpd="sng" w="28575">
+          <a:ln w="28575" cap="flat" cmpd="sng">
             <a:solidFill>
               <a:schemeClr val="accent1"/>
             </a:solidFill>
             <a:prstDash val="solid"/>
             <a:round/>
-            <a:headEnd len="sm" w="sm" type="none"/>
-            <a:tailEnd len="sm" w="sm" type="none"/>
+            <a:headEnd type="none" w="sm" len="sm"/>
+            <a:tailEnd type="none" w="sm" len="sm"/>
           </a:ln>
         </p:spPr>
       </p:cxnSp>
       <p:sp>
         <p:nvSpPr>
           <p:cNvPr id="12" name="Google Shape;12;p2"/>
-          <p:cNvSpPr txBox="1"/>
+          <p:cNvSpPr txBox="1">
+            <a:spLocks noGrp="1"/>
+          </p:cNvSpPr>
           <p:nvPr>
             <p:ph type="ctrTitle"/>
           </p:nvPr>
@@ -1404,7 +1664,7 @@
           </a:prstGeom>
         </p:spPr>
         <p:txBody>
-          <a:bodyPr anchorCtr="0" anchor="b" bIns="91425" lIns="91425" spcFirstLastPara="1" rIns="91425" wrap="square" tIns="91425">
+          <a:bodyPr spcFirstLastPara="1" wrap="square" lIns="91425" tIns="91425" rIns="91425" bIns="91425" anchor="b" anchorCtr="0">
             <a:noAutofit/>
           </a:bodyPr>
           <a:lstStyle>
@@ -1571,15 +1831,19 @@
               </a:defRPr>
             </a:lvl9pPr>
           </a:lstStyle>
-          <a:p/>
+          <a:p>
+            <a:endParaRPr/>
+          </a:p>
         </p:txBody>
       </p:sp>
       <p:sp>
         <p:nvSpPr>
           <p:cNvPr id="13" name="Google Shape;13;p2"/>
-          <p:cNvSpPr txBox="1"/>
+          <p:cNvSpPr txBox="1">
+            <a:spLocks noGrp="1"/>
+          </p:cNvSpPr>
           <p:nvPr>
-            <p:ph idx="1" type="subTitle"/>
+            <p:ph type="subTitle" idx="1"/>
           </p:nvPr>
         </p:nvSpPr>
         <p:spPr>
@@ -1592,7 +1856,7 @@
           </a:prstGeom>
         </p:spPr>
         <p:txBody>
-          <a:bodyPr anchorCtr="0" anchor="t" bIns="91425" lIns="91425" spcFirstLastPara="1" rIns="91425" wrap="square" tIns="91425">
+          <a:bodyPr spcFirstLastPara="1" wrap="square" lIns="91425" tIns="91425" rIns="91425" bIns="91425" anchor="t" anchorCtr="0">
             <a:noAutofit/>
           </a:bodyPr>
           <a:lstStyle>
@@ -1786,15 +2050,19 @@
               </a:defRPr>
             </a:lvl9pPr>
           </a:lstStyle>
-          <a:p/>
+          <a:p>
+            <a:endParaRPr/>
+          </a:p>
         </p:txBody>
       </p:sp>
       <p:sp>
         <p:nvSpPr>
           <p:cNvPr id="14" name="Google Shape;14;p2"/>
-          <p:cNvSpPr txBox="1"/>
+          <p:cNvSpPr txBox="1">
+            <a:spLocks noGrp="1"/>
+          </p:cNvSpPr>
           <p:nvPr>
-            <p:ph idx="12" type="sldNum"/>
+            <p:ph type="sldNum" idx="12"/>
           </p:nvPr>
         </p:nvSpPr>
         <p:spPr>
@@ -1807,7 +2075,7 @@
           </a:prstGeom>
         </p:spPr>
         <p:txBody>
-          <a:bodyPr anchorCtr="0" anchor="ctr" bIns="91425" lIns="91425" spcFirstLastPara="1" rIns="91425" wrap="square" tIns="91425">
+          <a:bodyPr spcFirstLastPara="1" wrap="square" lIns="91425" tIns="91425" rIns="91425" bIns="91425" anchor="ctr" anchorCtr="0">
             <a:noAutofit/>
           </a:bodyPr>
           <a:lstStyle>
@@ -1885,7 +2153,7 @@
             </a:lvl9pPr>
           </a:lstStyle>
           <a:p>
-            <a:pPr indent="0" lvl="0" marL="0" rtl="0" algn="r">
+            <a:pPr marL="0" lvl="0" indent="0" algn="r" rtl="0">
               <a:spcBef>
                 <a:spcPts val="0"/>
               </a:spcBef>
@@ -1911,11 +2179,11 @@
 </file>
 
 <file path=ppt/slideLayouts/slideLayout10.xml><?xml version="1.0" encoding="utf-8"?>
-<p:sldLayout xmlns:a="http://schemas.openxmlformats.org/drawingml/2006/main" xmlns:r="http://schemas.openxmlformats.org/officeDocument/2006/relationships" xmlns:mc="http://schemas.openxmlformats.org/markup-compatibility/2006" xmlns:mv="urn:schemas-microsoft-com:mac:vml" xmlns:p="http://schemas.openxmlformats.org/presentationml/2006/main" xmlns:c="http://schemas.openxmlformats.org/drawingml/2006/chart" xmlns:dgm="http://schemas.openxmlformats.org/drawingml/2006/diagram" xmlns:o="urn:schemas-microsoft-com:office:office" xmlns:v="urn:schemas-microsoft-com:vml" xmlns:pvml="urn:schemas-microsoft-com:office:powerpoint" xmlns:com="http://schemas.openxmlformats.org/drawingml/2006/compatibility" xmlns:p14="http://schemas.microsoft.com/office/powerpoint/2010/main" xmlns:p15="http://schemas.microsoft.com/office/powerpoint/2012/main" xmlns:ahyp="http://schemas.microsoft.com/office/drawing/2018/hyperlinkcolor" matchingName="Big number">
+<p:sldLayout xmlns:a="http://schemas.openxmlformats.org/drawingml/2006/main" xmlns:r="http://schemas.openxmlformats.org/officeDocument/2006/relationships" xmlns:p="http://schemas.openxmlformats.org/presentationml/2006/main" matchingName="Big number">
   <p:cSld name="BIG_NUMBER">
     <p:spTree>
       <p:nvGrpSpPr>
-        <p:cNvPr id="49" name="Shape 49"/>
+        <p:cNvPr id="1" name="Shape 49"/>
         <p:cNvGrpSpPr/>
         <p:nvPr/>
       </p:nvGrpSpPr>
@@ -1930,9 +2198,11 @@
       <p:sp>
         <p:nvSpPr>
           <p:cNvPr id="50" name="Google Shape;50;p11"/>
-          <p:cNvSpPr txBox="1"/>
+          <p:cNvSpPr txBox="1">
+            <a:spLocks noGrp="1"/>
+          </p:cNvSpPr>
           <p:nvPr>
-            <p:ph hasCustomPrompt="1" type="title"/>
+            <p:ph type="title" hasCustomPrompt="1"/>
           </p:nvPr>
         </p:nvSpPr>
         <p:spPr>
@@ -1945,7 +2215,7 @@
           </a:prstGeom>
         </p:spPr>
         <p:txBody>
-          <a:bodyPr anchorCtr="0" anchor="b" bIns="91425" lIns="91425" spcFirstLastPara="1" rIns="91425" wrap="square" tIns="91425">
+          <a:bodyPr spcFirstLastPara="1" wrap="square" lIns="91425" tIns="91425" rIns="91425" bIns="91425" anchor="b" anchorCtr="0">
             <a:noAutofit/>
           </a:bodyPr>
           <a:lstStyle>
@@ -1958,7 +2228,7 @@
               </a:spcAft>
               <a:buSzPts val="14000"/>
               <a:buNone/>
-              <a:defRPr b="1" sz="14000"/>
+              <a:defRPr sz="14000" b="1"/>
             </a:lvl1pPr>
             <a:lvl2pPr lvl="1" algn="ctr">
               <a:spcBef>
@@ -1969,7 +2239,7 @@
               </a:spcAft>
               <a:buSzPts val="14000"/>
               <a:buNone/>
-              <a:defRPr b="1" sz="14000"/>
+              <a:defRPr sz="14000" b="1"/>
             </a:lvl2pPr>
             <a:lvl3pPr lvl="2" algn="ctr">
               <a:spcBef>
@@ -1980,7 +2250,7 @@
               </a:spcAft>
               <a:buSzPts val="14000"/>
               <a:buNone/>
-              <a:defRPr b="1" sz="14000"/>
+              <a:defRPr sz="14000" b="1"/>
             </a:lvl3pPr>
             <a:lvl4pPr lvl="3" algn="ctr">
               <a:spcBef>
@@ -1991,7 +2261,7 @@
               </a:spcAft>
               <a:buSzPts val="14000"/>
               <a:buNone/>
-              <a:defRPr b="1" sz="14000"/>
+              <a:defRPr sz="14000" b="1"/>
             </a:lvl4pPr>
             <a:lvl5pPr lvl="4" algn="ctr">
               <a:spcBef>
@@ -2002,7 +2272,7 @@
               </a:spcAft>
               <a:buSzPts val="14000"/>
               <a:buNone/>
-              <a:defRPr b="1" sz="14000"/>
+              <a:defRPr sz="14000" b="1"/>
             </a:lvl5pPr>
             <a:lvl6pPr lvl="5" algn="ctr">
               <a:spcBef>
@@ -2013,7 +2283,7 @@
               </a:spcAft>
               <a:buSzPts val="14000"/>
               <a:buNone/>
-              <a:defRPr b="1" sz="14000"/>
+              <a:defRPr sz="14000" b="1"/>
             </a:lvl6pPr>
             <a:lvl7pPr lvl="6" algn="ctr">
               <a:spcBef>
@@ -2024,7 +2294,7 @@
               </a:spcAft>
               <a:buSzPts val="14000"/>
               <a:buNone/>
-              <a:defRPr b="1" sz="14000"/>
+              <a:defRPr sz="14000" b="1"/>
             </a:lvl7pPr>
             <a:lvl8pPr lvl="7" algn="ctr">
               <a:spcBef>
@@ -2035,7 +2305,7 @@
               </a:spcAft>
               <a:buSzPts val="14000"/>
               <a:buNone/>
-              <a:defRPr b="1" sz="14000"/>
+              <a:defRPr sz="14000" b="1"/>
             </a:lvl8pPr>
             <a:lvl9pPr lvl="8" algn="ctr">
               <a:spcBef>
@@ -2046,7 +2316,7 @@
               </a:spcAft>
               <a:buSzPts val="14000"/>
               <a:buNone/>
-              <a:defRPr b="1" sz="14000"/>
+              <a:defRPr sz="14000" b="1"/>
             </a:lvl9pPr>
           </a:lstStyle>
           <a:p>
@@ -2059,9 +2329,11 @@
       <p:sp>
         <p:nvSpPr>
           <p:cNvPr id="51" name="Google Shape;51;p11"/>
-          <p:cNvSpPr txBox="1"/>
+          <p:cNvSpPr txBox="1">
+            <a:spLocks noGrp="1"/>
+          </p:cNvSpPr>
           <p:nvPr>
-            <p:ph idx="1" type="body"/>
+            <p:ph type="body" idx="1"/>
           </p:nvPr>
         </p:nvSpPr>
         <p:spPr>
@@ -2074,11 +2346,11 @@
           </a:prstGeom>
         </p:spPr>
         <p:txBody>
-          <a:bodyPr anchorCtr="0" anchor="t" bIns="91425" lIns="91425" spcFirstLastPara="1" rIns="91425" wrap="square" tIns="91425">
+          <a:bodyPr spcFirstLastPara="1" wrap="square" lIns="91425" tIns="91425" rIns="91425" bIns="91425" anchor="t" anchorCtr="0">
             <a:noAutofit/>
           </a:bodyPr>
           <a:lstStyle>
-            <a:lvl1pPr indent="-342900" lvl="0" marL="457200" algn="ctr">
+            <a:lvl1pPr marL="457200" lvl="0" indent="-342900" algn="ctr">
               <a:spcBef>
                 <a:spcPts val="0"/>
               </a:spcBef>
@@ -2089,7 +2361,7 @@
               <a:buChar char="●"/>
               <a:defRPr/>
             </a:lvl1pPr>
-            <a:lvl2pPr indent="-317500" lvl="1" marL="914400" algn="ctr">
+            <a:lvl2pPr marL="914400" lvl="1" indent="-317500" algn="ctr">
               <a:spcBef>
                 <a:spcPts val="1600"/>
               </a:spcBef>
@@ -2100,7 +2372,7 @@
               <a:buChar char="○"/>
               <a:defRPr/>
             </a:lvl2pPr>
-            <a:lvl3pPr indent="-317500" lvl="2" marL="1371600" algn="ctr">
+            <a:lvl3pPr marL="1371600" lvl="2" indent="-317500" algn="ctr">
               <a:spcBef>
                 <a:spcPts val="1600"/>
               </a:spcBef>
@@ -2111,7 +2383,7 @@
               <a:buChar char="■"/>
               <a:defRPr/>
             </a:lvl3pPr>
-            <a:lvl4pPr indent="-317500" lvl="3" marL="1828800" algn="ctr">
+            <a:lvl4pPr marL="1828800" lvl="3" indent="-317500" algn="ctr">
               <a:spcBef>
                 <a:spcPts val="1600"/>
               </a:spcBef>
@@ -2122,7 +2394,7 @@
               <a:buChar char="●"/>
               <a:defRPr/>
             </a:lvl4pPr>
-            <a:lvl5pPr indent="-317500" lvl="4" marL="2286000" algn="ctr">
+            <a:lvl5pPr marL="2286000" lvl="4" indent="-317500" algn="ctr">
               <a:spcBef>
                 <a:spcPts val="1600"/>
               </a:spcBef>
@@ -2133,7 +2405,7 @@
               <a:buChar char="○"/>
               <a:defRPr/>
             </a:lvl5pPr>
-            <a:lvl6pPr indent="-317500" lvl="5" marL="2743200" algn="ctr">
+            <a:lvl6pPr marL="2743200" lvl="5" indent="-317500" algn="ctr">
               <a:spcBef>
                 <a:spcPts val="1600"/>
               </a:spcBef>
@@ -2144,7 +2416,7 @@
               <a:buChar char="■"/>
               <a:defRPr/>
             </a:lvl6pPr>
-            <a:lvl7pPr indent="-317500" lvl="6" marL="3200400" algn="ctr">
+            <a:lvl7pPr marL="3200400" lvl="6" indent="-317500" algn="ctr">
               <a:spcBef>
                 <a:spcPts val="1600"/>
               </a:spcBef>
@@ -2155,7 +2427,7 @@
               <a:buChar char="●"/>
               <a:defRPr/>
             </a:lvl7pPr>
-            <a:lvl8pPr indent="-317500" lvl="7" marL="3657600" algn="ctr">
+            <a:lvl8pPr marL="3657600" lvl="7" indent="-317500" algn="ctr">
               <a:spcBef>
                 <a:spcPts val="1600"/>
               </a:spcBef>
@@ -2166,7 +2438,7 @@
               <a:buChar char="○"/>
               <a:defRPr/>
             </a:lvl8pPr>
-            <a:lvl9pPr indent="-317500" lvl="8" marL="4114800" algn="ctr">
+            <a:lvl9pPr marL="4114800" lvl="8" indent="-317500" algn="ctr">
               <a:spcBef>
                 <a:spcPts val="1600"/>
               </a:spcBef>
@@ -2178,15 +2450,19 @@
               <a:defRPr/>
             </a:lvl9pPr>
           </a:lstStyle>
-          <a:p/>
+          <a:p>
+            <a:endParaRPr/>
+          </a:p>
         </p:txBody>
       </p:sp>
       <p:sp>
         <p:nvSpPr>
           <p:cNvPr id="52" name="Google Shape;52;p11"/>
-          <p:cNvSpPr txBox="1"/>
+          <p:cNvSpPr txBox="1">
+            <a:spLocks noGrp="1"/>
+          </p:cNvSpPr>
           <p:nvPr>
-            <p:ph idx="12" type="sldNum"/>
+            <p:ph type="sldNum" idx="12"/>
           </p:nvPr>
         </p:nvSpPr>
         <p:spPr>
@@ -2199,7 +2475,7 @@
           </a:prstGeom>
         </p:spPr>
         <p:txBody>
-          <a:bodyPr anchorCtr="0" anchor="ctr" bIns="91425" lIns="91425" spcFirstLastPara="1" rIns="91425" wrap="square" tIns="91425">
+          <a:bodyPr spcFirstLastPara="1" wrap="square" lIns="91425" tIns="91425" rIns="91425" bIns="91425" anchor="ctr" anchorCtr="0">
             <a:noAutofit/>
           </a:bodyPr>
           <a:lstStyle>
@@ -2241,7 +2517,7 @@
             </a:lvl9pPr>
           </a:lstStyle>
           <a:p>
-            <a:pPr indent="0" lvl="0" marL="0" rtl="0" algn="r">
+            <a:pPr marL="0" lvl="0" indent="0" algn="r" rtl="0">
               <a:spcBef>
                 <a:spcPts val="0"/>
               </a:spcBef>
@@ -2267,11 +2543,11 @@
 </file>
 
 <file path=ppt/slideLayouts/slideLayout11.xml><?xml version="1.0" encoding="utf-8"?>
-<p:sldLayout xmlns:a="http://schemas.openxmlformats.org/drawingml/2006/main" xmlns:r="http://schemas.openxmlformats.org/officeDocument/2006/relationships" xmlns:mc="http://schemas.openxmlformats.org/markup-compatibility/2006" xmlns:mv="urn:schemas-microsoft-com:mac:vml" xmlns:p="http://schemas.openxmlformats.org/presentationml/2006/main" xmlns:c="http://schemas.openxmlformats.org/drawingml/2006/chart" xmlns:dgm="http://schemas.openxmlformats.org/drawingml/2006/diagram" xmlns:o="urn:schemas-microsoft-com:office:office" xmlns:v="urn:schemas-microsoft-com:vml" xmlns:pvml="urn:schemas-microsoft-com:office:powerpoint" xmlns:com="http://schemas.openxmlformats.org/drawingml/2006/compatibility" xmlns:p14="http://schemas.microsoft.com/office/powerpoint/2010/main" xmlns:p15="http://schemas.microsoft.com/office/powerpoint/2012/main" xmlns:ahyp="http://schemas.microsoft.com/office/drawing/2018/hyperlinkcolor" matchingName="Blank" type="blank">
+<p:sldLayout xmlns:a="http://schemas.openxmlformats.org/drawingml/2006/main" xmlns:r="http://schemas.openxmlformats.org/officeDocument/2006/relationships" xmlns:p="http://schemas.openxmlformats.org/presentationml/2006/main" matchingName="Blank" type="blank">
   <p:cSld name="BLANK">
     <p:spTree>
       <p:nvGrpSpPr>
-        <p:cNvPr id="53" name="Shape 53"/>
+        <p:cNvPr id="1" name="Shape 53"/>
         <p:cNvGrpSpPr/>
         <p:nvPr/>
       </p:nvGrpSpPr>
@@ -2286,9 +2562,11 @@
       <p:sp>
         <p:nvSpPr>
           <p:cNvPr id="54" name="Google Shape;54;p12"/>
-          <p:cNvSpPr txBox="1"/>
+          <p:cNvSpPr txBox="1">
+            <a:spLocks noGrp="1"/>
+          </p:cNvSpPr>
           <p:nvPr>
-            <p:ph idx="12" type="sldNum"/>
+            <p:ph type="sldNum" idx="12"/>
           </p:nvPr>
         </p:nvSpPr>
         <p:spPr>
@@ -2301,7 +2579,7 @@
           </a:prstGeom>
         </p:spPr>
         <p:txBody>
-          <a:bodyPr anchorCtr="0" anchor="ctr" bIns="91425" lIns="91425" spcFirstLastPara="1" rIns="91425" wrap="square" tIns="91425">
+          <a:bodyPr spcFirstLastPara="1" wrap="square" lIns="91425" tIns="91425" rIns="91425" bIns="91425" anchor="ctr" anchorCtr="0">
             <a:noAutofit/>
           </a:bodyPr>
           <a:lstStyle>
@@ -2343,7 +2621,7 @@
             </a:lvl9pPr>
           </a:lstStyle>
           <a:p>
-            <a:pPr indent="0" lvl="0" marL="0" rtl="0" algn="r">
+            <a:pPr marL="0" lvl="0" indent="0" algn="r" rtl="0">
               <a:spcBef>
                 <a:spcPts val="0"/>
               </a:spcBef>
@@ -2369,18 +2647,19 @@
 </file>
 
 <file path=ppt/slideLayouts/slideLayout2.xml><?xml version="1.0" encoding="utf-8"?>
-<p:sldLayout xmlns:a="http://schemas.openxmlformats.org/drawingml/2006/main" xmlns:r="http://schemas.openxmlformats.org/officeDocument/2006/relationships" xmlns:mc="http://schemas.openxmlformats.org/markup-compatibility/2006" xmlns:mv="urn:schemas-microsoft-com:mac:vml" xmlns:p="http://schemas.openxmlformats.org/presentationml/2006/main" xmlns:c="http://schemas.openxmlformats.org/drawingml/2006/chart" xmlns:dgm="http://schemas.openxmlformats.org/drawingml/2006/diagram" xmlns:o="urn:schemas-microsoft-com:office:office" xmlns:v="urn:schemas-microsoft-com:vml" xmlns:pvml="urn:schemas-microsoft-com:office:powerpoint" xmlns:com="http://schemas.openxmlformats.org/drawingml/2006/compatibility" xmlns:p14="http://schemas.microsoft.com/office/powerpoint/2010/main" xmlns:p15="http://schemas.microsoft.com/office/powerpoint/2012/main" xmlns:ahyp="http://schemas.microsoft.com/office/drawing/2018/hyperlinkcolor" matchingName="Section header" type="secHead">
+<p:sldLayout xmlns:a="http://schemas.openxmlformats.org/drawingml/2006/main" xmlns:r="http://schemas.openxmlformats.org/officeDocument/2006/relationships" xmlns:p="http://schemas.openxmlformats.org/presentationml/2006/main" matchingName="Section header" type="secHead">
   <p:cSld name="SECTION_HEADER">
     <p:bg>
       <p:bgPr>
         <a:solidFill>
           <a:schemeClr val="dk1"/>
         </a:solidFill>
+        <a:effectLst/>
       </p:bgPr>
     </p:bg>
     <p:spTree>
       <p:nvGrpSpPr>
-        <p:cNvPr id="15" name="Shape 15"/>
+        <p:cNvPr id="1" name="Shape 15"/>
         <p:cNvGrpSpPr/>
         <p:nvPr/>
       </p:nvGrpSpPr>
@@ -2407,21 +2686,23 @@
             <a:avLst/>
           </a:prstGeom>
           <a:noFill/>
-          <a:ln cap="flat" cmpd="sng" w="28575">
+          <a:ln w="28575" cap="flat" cmpd="sng">
             <a:solidFill>
               <a:schemeClr val="lt2"/>
             </a:solidFill>
             <a:prstDash val="solid"/>
             <a:round/>
-            <a:headEnd len="sm" w="sm" type="none"/>
-            <a:tailEnd len="sm" w="sm" type="none"/>
+            <a:headEnd type="none" w="sm" len="sm"/>
+            <a:tailEnd type="none" w="sm" len="sm"/>
           </a:ln>
         </p:spPr>
       </p:cxnSp>
       <p:sp>
         <p:nvSpPr>
           <p:cNvPr id="17" name="Google Shape;17;p3"/>
-          <p:cNvSpPr txBox="1"/>
+          <p:cNvSpPr txBox="1">
+            <a:spLocks noGrp="1"/>
+          </p:cNvSpPr>
           <p:nvPr>
             <p:ph type="title"/>
           </p:nvPr>
@@ -2436,7 +2717,7 @@
           </a:prstGeom>
         </p:spPr>
         <p:txBody>
-          <a:bodyPr anchorCtr="0" anchor="b" bIns="91425" lIns="91425" spcFirstLastPara="1" rIns="91425" wrap="square" tIns="91425">
+          <a:bodyPr spcFirstLastPara="1" wrap="square" lIns="91425" tIns="91425" rIns="91425" bIns="91425" anchor="b" anchorCtr="0">
             <a:noAutofit/>
           </a:bodyPr>
           <a:lstStyle>
@@ -2603,15 +2884,19 @@
               </a:defRPr>
             </a:lvl9pPr>
           </a:lstStyle>
-          <a:p/>
+          <a:p>
+            <a:endParaRPr/>
+          </a:p>
         </p:txBody>
       </p:sp>
       <p:sp>
         <p:nvSpPr>
           <p:cNvPr id="18" name="Google Shape;18;p3"/>
-          <p:cNvSpPr txBox="1"/>
+          <p:cNvSpPr txBox="1">
+            <a:spLocks noGrp="1"/>
+          </p:cNvSpPr>
           <p:nvPr>
-            <p:ph idx="12" type="sldNum"/>
+            <p:ph type="sldNum" idx="12"/>
           </p:nvPr>
         </p:nvSpPr>
         <p:spPr>
@@ -2624,7 +2909,7 @@
           </a:prstGeom>
         </p:spPr>
         <p:txBody>
-          <a:bodyPr anchorCtr="0" anchor="ctr" bIns="91425" lIns="91425" spcFirstLastPara="1" rIns="91425" wrap="square" tIns="91425">
+          <a:bodyPr spcFirstLastPara="1" wrap="square" lIns="91425" tIns="91425" rIns="91425" bIns="91425" anchor="ctr" anchorCtr="0">
             <a:noAutofit/>
           </a:bodyPr>
           <a:lstStyle>
@@ -2702,7 +2987,7 @@
             </a:lvl9pPr>
           </a:lstStyle>
           <a:p>
-            <a:pPr indent="0" lvl="0" marL="0" rtl="0" algn="r">
+            <a:pPr marL="0" lvl="0" indent="0" algn="r" rtl="0">
               <a:spcBef>
                 <a:spcPts val="0"/>
               </a:spcBef>
@@ -2728,11 +3013,11 @@
 </file>
 
 <file path=ppt/slideLayouts/slideLayout3.xml><?xml version="1.0" encoding="utf-8"?>
-<p:sldLayout xmlns:a="http://schemas.openxmlformats.org/drawingml/2006/main" xmlns:r="http://schemas.openxmlformats.org/officeDocument/2006/relationships" xmlns:mc="http://schemas.openxmlformats.org/markup-compatibility/2006" xmlns:mv="urn:schemas-microsoft-com:mac:vml" xmlns:p="http://schemas.openxmlformats.org/presentationml/2006/main" xmlns:c="http://schemas.openxmlformats.org/drawingml/2006/chart" xmlns:dgm="http://schemas.openxmlformats.org/drawingml/2006/diagram" xmlns:o="urn:schemas-microsoft-com:office:office" xmlns:v="urn:schemas-microsoft-com:vml" xmlns:pvml="urn:schemas-microsoft-com:office:powerpoint" xmlns:com="http://schemas.openxmlformats.org/drawingml/2006/compatibility" xmlns:p14="http://schemas.microsoft.com/office/powerpoint/2010/main" xmlns:p15="http://schemas.microsoft.com/office/powerpoint/2012/main" xmlns:ahyp="http://schemas.microsoft.com/office/drawing/2018/hyperlinkcolor" matchingName="Title and body" type="tx">
+<p:sldLayout xmlns:a="http://schemas.openxmlformats.org/drawingml/2006/main" xmlns:r="http://schemas.openxmlformats.org/officeDocument/2006/relationships" xmlns:p="http://schemas.openxmlformats.org/presentationml/2006/main" matchingName="Title and body" type="tx">
   <p:cSld name="TITLE_AND_BODY">
     <p:spTree>
       <p:nvGrpSpPr>
-        <p:cNvPr id="19" name="Shape 19"/>
+        <p:cNvPr id="1" name="Shape 19"/>
         <p:cNvGrpSpPr/>
         <p:nvPr/>
       </p:nvGrpSpPr>
@@ -2766,12 +3051,12 @@
           </a:ln>
         </p:spPr>
         <p:txBody>
-          <a:bodyPr anchorCtr="0" anchor="ctr" bIns="91425" lIns="91425" spcFirstLastPara="1" rIns="91425" wrap="square" tIns="91425">
+          <a:bodyPr spcFirstLastPara="1" wrap="square" lIns="91425" tIns="91425" rIns="91425" bIns="91425" anchor="ctr" anchorCtr="0">
             <a:noAutofit/>
           </a:bodyPr>
           <a:lstStyle/>
           <a:p>
-            <a:pPr indent="0" lvl="0" marL="0" rtl="0" algn="l">
+            <a:pPr marL="0" lvl="0" indent="0" algn="l" rtl="0">
               <a:spcBef>
                 <a:spcPts val="0"/>
               </a:spcBef>
@@ -2780,9 +3065,6 @@
               </a:spcAft>
               <a:buNone/>
             </a:pPr>
-            <a:r>
-              <a:t/>
-            </a:r>
             <a:endParaRPr/>
           </a:p>
         </p:txBody>
@@ -2790,7 +3072,9 @@
       <p:sp>
         <p:nvSpPr>
           <p:cNvPr id="21" name="Google Shape;21;p4"/>
-          <p:cNvSpPr txBox="1"/>
+          <p:cNvSpPr txBox="1">
+            <a:spLocks noGrp="1"/>
+          </p:cNvSpPr>
           <p:nvPr>
             <p:ph type="title"/>
           </p:nvPr>
@@ -2805,7 +3089,7 @@
           </a:prstGeom>
         </p:spPr>
         <p:txBody>
-          <a:bodyPr anchorCtr="0" anchor="t" bIns="91425" lIns="91425" spcFirstLastPara="1" rIns="91425" wrap="square" tIns="91425">
+          <a:bodyPr spcFirstLastPara="1" wrap="square" lIns="91425" tIns="91425" rIns="91425" bIns="91425" anchor="t" anchorCtr="0">
             <a:noAutofit/>
           </a:bodyPr>
           <a:lstStyle>
@@ -2909,15 +3193,19 @@
               <a:defRPr/>
             </a:lvl9pPr>
           </a:lstStyle>
-          <a:p/>
+          <a:p>
+            <a:endParaRPr/>
+          </a:p>
         </p:txBody>
       </p:sp>
       <p:sp>
         <p:nvSpPr>
           <p:cNvPr id="22" name="Google Shape;22;p4"/>
-          <p:cNvSpPr txBox="1"/>
+          <p:cNvSpPr txBox="1">
+            <a:spLocks noGrp="1"/>
+          </p:cNvSpPr>
           <p:nvPr>
-            <p:ph idx="1" type="body"/>
+            <p:ph type="body" idx="1"/>
           </p:nvPr>
         </p:nvSpPr>
         <p:spPr>
@@ -2930,11 +3218,11 @@
           </a:prstGeom>
         </p:spPr>
         <p:txBody>
-          <a:bodyPr anchorCtr="0" anchor="t" bIns="91425" lIns="91425" spcFirstLastPara="1" rIns="91425" wrap="square" tIns="91425">
+          <a:bodyPr spcFirstLastPara="1" wrap="square" lIns="91425" tIns="91425" rIns="91425" bIns="91425" anchor="t" anchorCtr="0">
             <a:noAutofit/>
           </a:bodyPr>
           <a:lstStyle>
-            <a:lvl1pPr indent="-342900" lvl="0" marL="457200">
+            <a:lvl1pPr marL="457200" lvl="0" indent="-342900">
               <a:spcBef>
                 <a:spcPts val="0"/>
               </a:spcBef>
@@ -2945,7 +3233,7 @@
               <a:buChar char="●"/>
               <a:defRPr/>
             </a:lvl1pPr>
-            <a:lvl2pPr indent="-317500" lvl="1" marL="914400">
+            <a:lvl2pPr marL="914400" lvl="1" indent="-317500">
               <a:spcBef>
                 <a:spcPts val="1600"/>
               </a:spcBef>
@@ -2956,7 +3244,7 @@
               <a:buChar char="○"/>
               <a:defRPr/>
             </a:lvl2pPr>
-            <a:lvl3pPr indent="-317500" lvl="2" marL="1371600">
+            <a:lvl3pPr marL="1371600" lvl="2" indent="-317500">
               <a:spcBef>
                 <a:spcPts val="1600"/>
               </a:spcBef>
@@ -2967,7 +3255,7 @@
               <a:buChar char="■"/>
               <a:defRPr/>
             </a:lvl3pPr>
-            <a:lvl4pPr indent="-317500" lvl="3" marL="1828800">
+            <a:lvl4pPr marL="1828800" lvl="3" indent="-317500">
               <a:spcBef>
                 <a:spcPts val="1600"/>
               </a:spcBef>
@@ -2978,7 +3266,7 @@
               <a:buChar char="●"/>
               <a:defRPr/>
             </a:lvl4pPr>
-            <a:lvl5pPr indent="-317500" lvl="4" marL="2286000">
+            <a:lvl5pPr marL="2286000" lvl="4" indent="-317500">
               <a:spcBef>
                 <a:spcPts val="1600"/>
               </a:spcBef>
@@ -2989,7 +3277,7 @@
               <a:buChar char="○"/>
               <a:defRPr/>
             </a:lvl5pPr>
-            <a:lvl6pPr indent="-317500" lvl="5" marL="2743200">
+            <a:lvl6pPr marL="2743200" lvl="5" indent="-317500">
               <a:spcBef>
                 <a:spcPts val="1600"/>
               </a:spcBef>
@@ -3000,7 +3288,7 @@
               <a:buChar char="■"/>
               <a:defRPr/>
             </a:lvl6pPr>
-            <a:lvl7pPr indent="-317500" lvl="6" marL="3200400">
+            <a:lvl7pPr marL="3200400" lvl="6" indent="-317500">
               <a:spcBef>
                 <a:spcPts val="1600"/>
               </a:spcBef>
@@ -3011,7 +3299,7 @@
               <a:buChar char="●"/>
               <a:defRPr/>
             </a:lvl7pPr>
-            <a:lvl8pPr indent="-317500" lvl="7" marL="3657600">
+            <a:lvl8pPr marL="3657600" lvl="7" indent="-317500">
               <a:spcBef>
                 <a:spcPts val="1600"/>
               </a:spcBef>
@@ -3022,7 +3310,7 @@
               <a:buChar char="○"/>
               <a:defRPr/>
             </a:lvl8pPr>
-            <a:lvl9pPr indent="-317500" lvl="8" marL="4114800">
+            <a:lvl9pPr marL="4114800" lvl="8" indent="-317500">
               <a:spcBef>
                 <a:spcPts val="1600"/>
               </a:spcBef>
@@ -3034,15 +3322,19 @@
               <a:defRPr/>
             </a:lvl9pPr>
           </a:lstStyle>
-          <a:p/>
+          <a:p>
+            <a:endParaRPr/>
+          </a:p>
         </p:txBody>
       </p:sp>
       <p:sp>
         <p:nvSpPr>
           <p:cNvPr id="23" name="Google Shape;23;p4"/>
-          <p:cNvSpPr txBox="1"/>
+          <p:cNvSpPr txBox="1">
+            <a:spLocks noGrp="1"/>
+          </p:cNvSpPr>
           <p:nvPr>
-            <p:ph idx="12" type="sldNum"/>
+            <p:ph type="sldNum" idx="12"/>
           </p:nvPr>
         </p:nvSpPr>
         <p:spPr>
@@ -3055,7 +3347,7 @@
           </a:prstGeom>
         </p:spPr>
         <p:txBody>
-          <a:bodyPr anchorCtr="0" anchor="ctr" bIns="91425" lIns="91425" spcFirstLastPara="1" rIns="91425" wrap="square" tIns="91425">
+          <a:bodyPr spcFirstLastPara="1" wrap="square" lIns="91425" tIns="91425" rIns="91425" bIns="91425" anchor="ctr" anchorCtr="0">
             <a:noAutofit/>
           </a:bodyPr>
           <a:lstStyle>
@@ -3097,7 +3389,7 @@
             </a:lvl9pPr>
           </a:lstStyle>
           <a:p>
-            <a:pPr indent="0" lvl="0" marL="0" rtl="0" algn="r">
+            <a:pPr marL="0" lvl="0" indent="0" algn="r" rtl="0">
               <a:spcBef>
                 <a:spcPts val="0"/>
               </a:spcBef>
@@ -3123,11 +3415,11 @@
 </file>
 
 <file path=ppt/slideLayouts/slideLayout4.xml><?xml version="1.0" encoding="utf-8"?>
-<p:sldLayout xmlns:a="http://schemas.openxmlformats.org/drawingml/2006/main" xmlns:r="http://schemas.openxmlformats.org/officeDocument/2006/relationships" xmlns:mc="http://schemas.openxmlformats.org/markup-compatibility/2006" xmlns:mv="urn:schemas-microsoft-com:mac:vml" xmlns:p="http://schemas.openxmlformats.org/presentationml/2006/main" xmlns:c="http://schemas.openxmlformats.org/drawingml/2006/chart" xmlns:dgm="http://schemas.openxmlformats.org/drawingml/2006/diagram" xmlns:o="urn:schemas-microsoft-com:office:office" xmlns:v="urn:schemas-microsoft-com:vml" xmlns:pvml="urn:schemas-microsoft-com:office:powerpoint" xmlns:com="http://schemas.openxmlformats.org/drawingml/2006/compatibility" xmlns:p14="http://schemas.microsoft.com/office/powerpoint/2010/main" xmlns:p15="http://schemas.microsoft.com/office/powerpoint/2012/main" xmlns:ahyp="http://schemas.microsoft.com/office/drawing/2018/hyperlinkcolor" matchingName="Title and two columns" type="twoColTx">
+<p:sldLayout xmlns:a="http://schemas.openxmlformats.org/drawingml/2006/main" xmlns:r="http://schemas.openxmlformats.org/officeDocument/2006/relationships" xmlns:p="http://schemas.openxmlformats.org/presentationml/2006/main" matchingName="Title and two columns" type="twoColTx">
   <p:cSld name="TITLE_AND_TWO_COLUMNS">
     <p:spTree>
       <p:nvGrpSpPr>
-        <p:cNvPr id="24" name="Shape 24"/>
+        <p:cNvPr id="1" name="Shape 24"/>
         <p:cNvGrpSpPr/>
         <p:nvPr/>
       </p:nvGrpSpPr>
@@ -3142,7 +3434,9 @@
       <p:sp>
         <p:nvSpPr>
           <p:cNvPr id="25" name="Google Shape;25;p5"/>
-          <p:cNvSpPr txBox="1"/>
+          <p:cNvSpPr txBox="1">
+            <a:spLocks noGrp="1"/>
+          </p:cNvSpPr>
           <p:nvPr>
             <p:ph type="title"/>
           </p:nvPr>
@@ -3157,7 +3451,7 @@
           </a:prstGeom>
         </p:spPr>
         <p:txBody>
-          <a:bodyPr anchorCtr="0" anchor="t" bIns="91425" lIns="91425" spcFirstLastPara="1" rIns="91425" wrap="square" tIns="91425">
+          <a:bodyPr spcFirstLastPara="1" wrap="square" lIns="91425" tIns="91425" rIns="91425" bIns="91425" anchor="t" anchorCtr="0">
             <a:noAutofit/>
           </a:bodyPr>
           <a:lstStyle>
@@ -3261,15 +3555,19 @@
               <a:defRPr/>
             </a:lvl9pPr>
           </a:lstStyle>
-          <a:p/>
+          <a:p>
+            <a:endParaRPr/>
+          </a:p>
         </p:txBody>
       </p:sp>
       <p:sp>
         <p:nvSpPr>
           <p:cNvPr id="26" name="Google Shape;26;p5"/>
-          <p:cNvSpPr txBox="1"/>
+          <p:cNvSpPr txBox="1">
+            <a:spLocks noGrp="1"/>
+          </p:cNvSpPr>
           <p:nvPr>
-            <p:ph idx="1" type="body"/>
+            <p:ph type="body" idx="1"/>
           </p:nvPr>
         </p:nvSpPr>
         <p:spPr>
@@ -3282,11 +3580,11 @@
           </a:prstGeom>
         </p:spPr>
         <p:txBody>
-          <a:bodyPr anchorCtr="0" anchor="t" bIns="91425" lIns="91425" spcFirstLastPara="1" rIns="91425" wrap="square" tIns="91425">
+          <a:bodyPr spcFirstLastPara="1" wrap="square" lIns="91425" tIns="91425" rIns="91425" bIns="91425" anchor="t" anchorCtr="0">
             <a:noAutofit/>
           </a:bodyPr>
           <a:lstStyle>
-            <a:lvl1pPr indent="-317500" lvl="0" marL="457200">
+            <a:lvl1pPr marL="457200" lvl="0" indent="-317500">
               <a:spcBef>
                 <a:spcPts val="0"/>
               </a:spcBef>
@@ -3297,7 +3595,7 @@
               <a:buChar char="●"/>
               <a:defRPr sz="1400"/>
             </a:lvl1pPr>
-            <a:lvl2pPr indent="-304800" lvl="1" marL="914400">
+            <a:lvl2pPr marL="914400" lvl="1" indent="-304800">
               <a:spcBef>
                 <a:spcPts val="1600"/>
               </a:spcBef>
@@ -3308,7 +3606,7 @@
               <a:buChar char="○"/>
               <a:defRPr sz="1200"/>
             </a:lvl2pPr>
-            <a:lvl3pPr indent="-304800" lvl="2" marL="1371600">
+            <a:lvl3pPr marL="1371600" lvl="2" indent="-304800">
               <a:spcBef>
                 <a:spcPts val="1600"/>
               </a:spcBef>
@@ -3319,7 +3617,7 @@
               <a:buChar char="■"/>
               <a:defRPr sz="1200"/>
             </a:lvl3pPr>
-            <a:lvl4pPr indent="-304800" lvl="3" marL="1828800">
+            <a:lvl4pPr marL="1828800" lvl="3" indent="-304800">
               <a:spcBef>
                 <a:spcPts val="1600"/>
               </a:spcBef>
@@ -3330,7 +3628,7 @@
               <a:buChar char="●"/>
               <a:defRPr sz="1200"/>
             </a:lvl4pPr>
-            <a:lvl5pPr indent="-304800" lvl="4" marL="2286000">
+            <a:lvl5pPr marL="2286000" lvl="4" indent="-304800">
               <a:spcBef>
                 <a:spcPts val="1600"/>
               </a:spcBef>
@@ -3341,7 +3639,7 @@
               <a:buChar char="○"/>
               <a:defRPr sz="1200"/>
             </a:lvl5pPr>
-            <a:lvl6pPr indent="-304800" lvl="5" marL="2743200">
+            <a:lvl6pPr marL="2743200" lvl="5" indent="-304800">
               <a:spcBef>
                 <a:spcPts val="1600"/>
               </a:spcBef>
@@ -3352,7 +3650,7 @@
               <a:buChar char="■"/>
               <a:defRPr sz="1200"/>
             </a:lvl6pPr>
-            <a:lvl7pPr indent="-304800" lvl="6" marL="3200400">
+            <a:lvl7pPr marL="3200400" lvl="6" indent="-304800">
               <a:spcBef>
                 <a:spcPts val="1600"/>
               </a:spcBef>
@@ -3363,7 +3661,7 @@
               <a:buChar char="●"/>
               <a:defRPr sz="1200"/>
             </a:lvl7pPr>
-            <a:lvl8pPr indent="-304800" lvl="7" marL="3657600">
+            <a:lvl8pPr marL="3657600" lvl="7" indent="-304800">
               <a:spcBef>
                 <a:spcPts val="1600"/>
               </a:spcBef>
@@ -3374,7 +3672,7 @@
               <a:buChar char="○"/>
               <a:defRPr sz="1200"/>
             </a:lvl8pPr>
-            <a:lvl9pPr indent="-304800" lvl="8" marL="4114800">
+            <a:lvl9pPr marL="4114800" lvl="8" indent="-304800">
               <a:spcBef>
                 <a:spcPts val="1600"/>
               </a:spcBef>
@@ -3386,15 +3684,19 @@
               <a:defRPr sz="1200"/>
             </a:lvl9pPr>
           </a:lstStyle>
-          <a:p/>
+          <a:p>
+            <a:endParaRPr/>
+          </a:p>
         </p:txBody>
       </p:sp>
       <p:sp>
         <p:nvSpPr>
           <p:cNvPr id="27" name="Google Shape;27;p5"/>
-          <p:cNvSpPr txBox="1"/>
+          <p:cNvSpPr txBox="1">
+            <a:spLocks noGrp="1"/>
+          </p:cNvSpPr>
           <p:nvPr>
-            <p:ph idx="2" type="body"/>
+            <p:ph type="body" idx="2"/>
           </p:nvPr>
         </p:nvSpPr>
         <p:spPr>
@@ -3407,11 +3709,11 @@
           </a:prstGeom>
         </p:spPr>
         <p:txBody>
-          <a:bodyPr anchorCtr="0" anchor="t" bIns="91425" lIns="91425" spcFirstLastPara="1" rIns="91425" wrap="square" tIns="91425">
+          <a:bodyPr spcFirstLastPara="1" wrap="square" lIns="91425" tIns="91425" rIns="91425" bIns="91425" anchor="t" anchorCtr="0">
             <a:noAutofit/>
           </a:bodyPr>
           <a:lstStyle>
-            <a:lvl1pPr indent="-317500" lvl="0" marL="457200">
+            <a:lvl1pPr marL="457200" lvl="0" indent="-317500">
               <a:spcBef>
                 <a:spcPts val="0"/>
               </a:spcBef>
@@ -3422,7 +3724,7 @@
               <a:buChar char="●"/>
               <a:defRPr sz="1400"/>
             </a:lvl1pPr>
-            <a:lvl2pPr indent="-304800" lvl="1" marL="914400">
+            <a:lvl2pPr marL="914400" lvl="1" indent="-304800">
               <a:spcBef>
                 <a:spcPts val="1600"/>
               </a:spcBef>
@@ -3433,7 +3735,7 @@
               <a:buChar char="○"/>
               <a:defRPr sz="1200"/>
             </a:lvl2pPr>
-            <a:lvl3pPr indent="-304800" lvl="2" marL="1371600">
+            <a:lvl3pPr marL="1371600" lvl="2" indent="-304800">
               <a:spcBef>
                 <a:spcPts val="1600"/>
               </a:spcBef>
@@ -3444,7 +3746,7 @@
               <a:buChar char="■"/>
               <a:defRPr sz="1200"/>
             </a:lvl3pPr>
-            <a:lvl4pPr indent="-304800" lvl="3" marL="1828800">
+            <a:lvl4pPr marL="1828800" lvl="3" indent="-304800">
               <a:spcBef>
                 <a:spcPts val="1600"/>
               </a:spcBef>
@@ -3455,7 +3757,7 @@
               <a:buChar char="●"/>
               <a:defRPr sz="1200"/>
             </a:lvl4pPr>
-            <a:lvl5pPr indent="-304800" lvl="4" marL="2286000">
+            <a:lvl5pPr marL="2286000" lvl="4" indent="-304800">
               <a:spcBef>
                 <a:spcPts val="1600"/>
               </a:spcBef>
@@ -3466,7 +3768,7 @@
               <a:buChar char="○"/>
               <a:defRPr sz="1200"/>
             </a:lvl5pPr>
-            <a:lvl6pPr indent="-304800" lvl="5" marL="2743200">
+            <a:lvl6pPr marL="2743200" lvl="5" indent="-304800">
               <a:spcBef>
                 <a:spcPts val="1600"/>
               </a:spcBef>
@@ -3477,7 +3779,7 @@
               <a:buChar char="■"/>
               <a:defRPr sz="1200"/>
             </a:lvl6pPr>
-            <a:lvl7pPr indent="-304800" lvl="6" marL="3200400">
+            <a:lvl7pPr marL="3200400" lvl="6" indent="-304800">
               <a:spcBef>
                 <a:spcPts val="1600"/>
               </a:spcBef>
@@ -3488,7 +3790,7 @@
               <a:buChar char="●"/>
               <a:defRPr sz="1200"/>
             </a:lvl7pPr>
-            <a:lvl8pPr indent="-304800" lvl="7" marL="3657600">
+            <a:lvl8pPr marL="3657600" lvl="7" indent="-304800">
               <a:spcBef>
                 <a:spcPts val="1600"/>
               </a:spcBef>
@@ -3499,7 +3801,7 @@
               <a:buChar char="○"/>
               <a:defRPr sz="1200"/>
             </a:lvl8pPr>
-            <a:lvl9pPr indent="-304800" lvl="8" marL="4114800">
+            <a:lvl9pPr marL="4114800" lvl="8" indent="-304800">
               <a:spcBef>
                 <a:spcPts val="1600"/>
               </a:spcBef>
@@ -3511,15 +3813,19 @@
               <a:defRPr sz="1200"/>
             </a:lvl9pPr>
           </a:lstStyle>
-          <a:p/>
+          <a:p>
+            <a:endParaRPr/>
+          </a:p>
         </p:txBody>
       </p:sp>
       <p:sp>
         <p:nvSpPr>
           <p:cNvPr id="28" name="Google Shape;28;p5"/>
-          <p:cNvSpPr txBox="1"/>
+          <p:cNvSpPr txBox="1">
+            <a:spLocks noGrp="1"/>
+          </p:cNvSpPr>
           <p:nvPr>
-            <p:ph idx="12" type="sldNum"/>
+            <p:ph type="sldNum" idx="12"/>
           </p:nvPr>
         </p:nvSpPr>
         <p:spPr>
@@ -3532,7 +3838,7 @@
           </a:prstGeom>
         </p:spPr>
         <p:txBody>
-          <a:bodyPr anchorCtr="0" anchor="ctr" bIns="91425" lIns="91425" spcFirstLastPara="1" rIns="91425" wrap="square" tIns="91425">
+          <a:bodyPr spcFirstLastPara="1" wrap="square" lIns="91425" tIns="91425" rIns="91425" bIns="91425" anchor="ctr" anchorCtr="0">
             <a:noAutofit/>
           </a:bodyPr>
           <a:lstStyle>
@@ -3574,7 +3880,7 @@
             </a:lvl9pPr>
           </a:lstStyle>
           <a:p>
-            <a:pPr indent="0" lvl="0" marL="0" rtl="0" algn="r">
+            <a:pPr marL="0" lvl="0" indent="0" algn="r" rtl="0">
               <a:spcBef>
                 <a:spcPts val="0"/>
               </a:spcBef>
@@ -3600,11 +3906,11 @@
 </file>
 
 <file path=ppt/slideLayouts/slideLayout5.xml><?xml version="1.0" encoding="utf-8"?>
-<p:sldLayout xmlns:a="http://schemas.openxmlformats.org/drawingml/2006/main" xmlns:r="http://schemas.openxmlformats.org/officeDocument/2006/relationships" xmlns:mc="http://schemas.openxmlformats.org/markup-compatibility/2006" xmlns:mv="urn:schemas-microsoft-com:mac:vml" xmlns:p="http://schemas.openxmlformats.org/presentationml/2006/main" xmlns:c="http://schemas.openxmlformats.org/drawingml/2006/chart" xmlns:dgm="http://schemas.openxmlformats.org/drawingml/2006/diagram" xmlns:o="urn:schemas-microsoft-com:office:office" xmlns:v="urn:schemas-microsoft-com:vml" xmlns:pvml="urn:schemas-microsoft-com:office:powerpoint" xmlns:com="http://schemas.openxmlformats.org/drawingml/2006/compatibility" xmlns:p14="http://schemas.microsoft.com/office/powerpoint/2010/main" xmlns:p15="http://schemas.microsoft.com/office/powerpoint/2012/main" xmlns:ahyp="http://schemas.microsoft.com/office/drawing/2018/hyperlinkcolor" matchingName="Title only" type="titleOnly">
+<p:sldLayout xmlns:a="http://schemas.openxmlformats.org/drawingml/2006/main" xmlns:r="http://schemas.openxmlformats.org/officeDocument/2006/relationships" xmlns:p="http://schemas.openxmlformats.org/presentationml/2006/main" matchingName="Title only" type="titleOnly">
   <p:cSld name="TITLE_ONLY">
     <p:spTree>
       <p:nvGrpSpPr>
-        <p:cNvPr id="29" name="Shape 29"/>
+        <p:cNvPr id="1" name="Shape 29"/>
         <p:cNvGrpSpPr/>
         <p:nvPr/>
       </p:nvGrpSpPr>
@@ -3619,7 +3925,9 @@
       <p:sp>
         <p:nvSpPr>
           <p:cNvPr id="30" name="Google Shape;30;p6"/>
-          <p:cNvSpPr txBox="1"/>
+          <p:cNvSpPr txBox="1">
+            <a:spLocks noGrp="1"/>
+          </p:cNvSpPr>
           <p:nvPr>
             <p:ph type="title"/>
           </p:nvPr>
@@ -3634,7 +3942,7 @@
           </a:prstGeom>
         </p:spPr>
         <p:txBody>
-          <a:bodyPr anchorCtr="0" anchor="t" bIns="91425" lIns="91425" spcFirstLastPara="1" rIns="91425" wrap="square" tIns="91425">
+          <a:bodyPr spcFirstLastPara="1" wrap="square" lIns="91425" tIns="91425" rIns="91425" bIns="91425" anchor="t" anchorCtr="0">
             <a:noAutofit/>
           </a:bodyPr>
           <a:lstStyle>
@@ -3738,15 +4046,19 @@
               <a:defRPr/>
             </a:lvl9pPr>
           </a:lstStyle>
-          <a:p/>
+          <a:p>
+            <a:endParaRPr/>
+          </a:p>
         </p:txBody>
       </p:sp>
       <p:sp>
         <p:nvSpPr>
           <p:cNvPr id="31" name="Google Shape;31;p6"/>
-          <p:cNvSpPr txBox="1"/>
+          <p:cNvSpPr txBox="1">
+            <a:spLocks noGrp="1"/>
+          </p:cNvSpPr>
           <p:nvPr>
-            <p:ph idx="12" type="sldNum"/>
+            <p:ph type="sldNum" idx="12"/>
           </p:nvPr>
         </p:nvSpPr>
         <p:spPr>
@@ -3759,7 +4071,7 @@
           </a:prstGeom>
         </p:spPr>
         <p:txBody>
-          <a:bodyPr anchorCtr="0" anchor="ctr" bIns="91425" lIns="91425" spcFirstLastPara="1" rIns="91425" wrap="square" tIns="91425">
+          <a:bodyPr spcFirstLastPara="1" wrap="square" lIns="91425" tIns="91425" rIns="91425" bIns="91425" anchor="ctr" anchorCtr="0">
             <a:noAutofit/>
           </a:bodyPr>
           <a:lstStyle>
@@ -3801,7 +4113,7 @@
             </a:lvl9pPr>
           </a:lstStyle>
           <a:p>
-            <a:pPr indent="0" lvl="0" marL="0" rtl="0" algn="r">
+            <a:pPr marL="0" lvl="0" indent="0" algn="r" rtl="0">
               <a:spcBef>
                 <a:spcPts val="0"/>
               </a:spcBef>
@@ -3827,11 +4139,11 @@
 </file>
 
 <file path=ppt/slideLayouts/slideLayout6.xml><?xml version="1.0" encoding="utf-8"?>
-<p:sldLayout xmlns:a="http://schemas.openxmlformats.org/drawingml/2006/main" xmlns:r="http://schemas.openxmlformats.org/officeDocument/2006/relationships" xmlns:mc="http://schemas.openxmlformats.org/markup-compatibility/2006" xmlns:mv="urn:schemas-microsoft-com:mac:vml" xmlns:p="http://schemas.openxmlformats.org/presentationml/2006/main" xmlns:c="http://schemas.openxmlformats.org/drawingml/2006/chart" xmlns:dgm="http://schemas.openxmlformats.org/drawingml/2006/diagram" xmlns:o="urn:schemas-microsoft-com:office:office" xmlns:v="urn:schemas-microsoft-com:vml" xmlns:pvml="urn:schemas-microsoft-com:office:powerpoint" xmlns:com="http://schemas.openxmlformats.org/drawingml/2006/compatibility" xmlns:p14="http://schemas.microsoft.com/office/powerpoint/2010/main" xmlns:p15="http://schemas.microsoft.com/office/powerpoint/2012/main" xmlns:ahyp="http://schemas.microsoft.com/office/drawing/2018/hyperlinkcolor" matchingName="One column text">
+<p:sldLayout xmlns:a="http://schemas.openxmlformats.org/drawingml/2006/main" xmlns:r="http://schemas.openxmlformats.org/officeDocument/2006/relationships" xmlns:p="http://schemas.openxmlformats.org/presentationml/2006/main" matchingName="One column text">
   <p:cSld name="ONE_COLUMN_TEXT">
     <p:spTree>
       <p:nvGrpSpPr>
-        <p:cNvPr id="32" name="Shape 32"/>
+        <p:cNvPr id="1" name="Shape 32"/>
         <p:cNvGrpSpPr/>
         <p:nvPr/>
       </p:nvGrpSpPr>
@@ -3846,7 +4158,9 @@
       <p:sp>
         <p:nvSpPr>
           <p:cNvPr id="33" name="Google Shape;33;p7"/>
-          <p:cNvSpPr txBox="1"/>
+          <p:cNvSpPr txBox="1">
+            <a:spLocks noGrp="1"/>
+          </p:cNvSpPr>
           <p:nvPr>
             <p:ph type="title"/>
           </p:nvPr>
@@ -3861,7 +4175,7 @@
           </a:prstGeom>
         </p:spPr>
         <p:txBody>
-          <a:bodyPr anchorCtr="0" anchor="b" bIns="91425" lIns="91425" spcFirstLastPara="1" rIns="91425" wrap="square" tIns="91425">
+          <a:bodyPr spcFirstLastPara="1" wrap="square" lIns="91425" tIns="91425" rIns="91425" bIns="91425" anchor="b" anchorCtr="0">
             <a:noAutofit/>
           </a:bodyPr>
           <a:lstStyle>
@@ -3965,15 +4279,19 @@
               <a:defRPr sz="2400"/>
             </a:lvl9pPr>
           </a:lstStyle>
-          <a:p/>
+          <a:p>
+            <a:endParaRPr/>
+          </a:p>
         </p:txBody>
       </p:sp>
       <p:sp>
         <p:nvSpPr>
           <p:cNvPr id="34" name="Google Shape;34;p7"/>
-          <p:cNvSpPr txBox="1"/>
+          <p:cNvSpPr txBox="1">
+            <a:spLocks noGrp="1"/>
+          </p:cNvSpPr>
           <p:nvPr>
-            <p:ph idx="1" type="body"/>
+            <p:ph type="body" idx="1"/>
           </p:nvPr>
         </p:nvSpPr>
         <p:spPr>
@@ -3986,11 +4304,11 @@
           </a:prstGeom>
         </p:spPr>
         <p:txBody>
-          <a:bodyPr anchorCtr="0" anchor="t" bIns="91425" lIns="91425" spcFirstLastPara="1" rIns="91425" wrap="square" tIns="91425">
+          <a:bodyPr spcFirstLastPara="1" wrap="square" lIns="91425" tIns="91425" rIns="91425" bIns="91425" anchor="t" anchorCtr="0">
             <a:noAutofit/>
           </a:bodyPr>
           <a:lstStyle>
-            <a:lvl1pPr indent="-304800" lvl="0" marL="457200">
+            <a:lvl1pPr marL="457200" lvl="0" indent="-304800">
               <a:spcBef>
                 <a:spcPts val="0"/>
               </a:spcBef>
@@ -4001,7 +4319,7 @@
               <a:buChar char="●"/>
               <a:defRPr sz="1200"/>
             </a:lvl1pPr>
-            <a:lvl2pPr indent="-304800" lvl="1" marL="914400">
+            <a:lvl2pPr marL="914400" lvl="1" indent="-304800">
               <a:spcBef>
                 <a:spcPts val="1600"/>
               </a:spcBef>
@@ -4012,7 +4330,7 @@
               <a:buChar char="○"/>
               <a:defRPr sz="1200"/>
             </a:lvl2pPr>
-            <a:lvl3pPr indent="-304800" lvl="2" marL="1371600">
+            <a:lvl3pPr marL="1371600" lvl="2" indent="-304800">
               <a:spcBef>
                 <a:spcPts val="1600"/>
               </a:spcBef>
@@ -4023,7 +4341,7 @@
               <a:buChar char="■"/>
               <a:defRPr sz="1200"/>
             </a:lvl3pPr>
-            <a:lvl4pPr indent="-304800" lvl="3" marL="1828800">
+            <a:lvl4pPr marL="1828800" lvl="3" indent="-304800">
               <a:spcBef>
                 <a:spcPts val="1600"/>
               </a:spcBef>
@@ -4034,7 +4352,7 @@
               <a:buChar char="●"/>
               <a:defRPr sz="1200"/>
             </a:lvl4pPr>
-            <a:lvl5pPr indent="-304800" lvl="4" marL="2286000">
+            <a:lvl5pPr marL="2286000" lvl="4" indent="-304800">
               <a:spcBef>
                 <a:spcPts val="1600"/>
               </a:spcBef>
@@ -4045,7 +4363,7 @@
               <a:buChar char="○"/>
               <a:defRPr sz="1200"/>
             </a:lvl5pPr>
-            <a:lvl6pPr indent="-304800" lvl="5" marL="2743200">
+            <a:lvl6pPr marL="2743200" lvl="5" indent="-304800">
               <a:spcBef>
                 <a:spcPts val="1600"/>
               </a:spcBef>
@@ -4056,7 +4374,7 @@
               <a:buChar char="■"/>
               <a:defRPr sz="1200"/>
             </a:lvl6pPr>
-            <a:lvl7pPr indent="-304800" lvl="6" marL="3200400">
+            <a:lvl7pPr marL="3200400" lvl="6" indent="-304800">
               <a:spcBef>
                 <a:spcPts val="1600"/>
               </a:spcBef>
@@ -4067,7 +4385,7 @@
               <a:buChar char="●"/>
               <a:defRPr sz="1200"/>
             </a:lvl7pPr>
-            <a:lvl8pPr indent="-304800" lvl="7" marL="3657600">
+            <a:lvl8pPr marL="3657600" lvl="7" indent="-304800">
               <a:spcBef>
                 <a:spcPts val="1600"/>
               </a:spcBef>
@@ -4078,7 +4396,7 @@
               <a:buChar char="○"/>
               <a:defRPr sz="1200"/>
             </a:lvl8pPr>
-            <a:lvl9pPr indent="-304800" lvl="8" marL="4114800">
+            <a:lvl9pPr marL="4114800" lvl="8" indent="-304800">
               <a:spcBef>
                 <a:spcPts val="1600"/>
               </a:spcBef>
@@ -4090,15 +4408,19 @@
               <a:defRPr sz="1200"/>
             </a:lvl9pPr>
           </a:lstStyle>
-          <a:p/>
+          <a:p>
+            <a:endParaRPr/>
+          </a:p>
         </p:txBody>
       </p:sp>
       <p:sp>
         <p:nvSpPr>
           <p:cNvPr id="35" name="Google Shape;35;p7"/>
-          <p:cNvSpPr txBox="1"/>
+          <p:cNvSpPr txBox="1">
+            <a:spLocks noGrp="1"/>
+          </p:cNvSpPr>
           <p:nvPr>
-            <p:ph idx="12" type="sldNum"/>
+            <p:ph type="sldNum" idx="12"/>
           </p:nvPr>
         </p:nvSpPr>
         <p:spPr>
@@ -4111,7 +4433,7 @@
           </a:prstGeom>
         </p:spPr>
         <p:txBody>
-          <a:bodyPr anchorCtr="0" anchor="ctr" bIns="91425" lIns="91425" spcFirstLastPara="1" rIns="91425" wrap="square" tIns="91425">
+          <a:bodyPr spcFirstLastPara="1" wrap="square" lIns="91425" tIns="91425" rIns="91425" bIns="91425" anchor="ctr" anchorCtr="0">
             <a:noAutofit/>
           </a:bodyPr>
           <a:lstStyle>
@@ -4153,7 +4475,7 @@
             </a:lvl9pPr>
           </a:lstStyle>
           <a:p>
-            <a:pPr indent="0" lvl="0" marL="0" rtl="0" algn="r">
+            <a:pPr marL="0" lvl="0" indent="0" algn="r" rtl="0">
               <a:spcBef>
                 <a:spcPts val="0"/>
               </a:spcBef>
@@ -4179,18 +4501,19 @@
 </file>
 
 <file path=ppt/slideLayouts/slideLayout7.xml><?xml version="1.0" encoding="utf-8"?>
-<p:sldLayout xmlns:a="http://schemas.openxmlformats.org/drawingml/2006/main" xmlns:r="http://schemas.openxmlformats.org/officeDocument/2006/relationships" xmlns:mc="http://schemas.openxmlformats.org/markup-compatibility/2006" xmlns:mv="urn:schemas-microsoft-com:mac:vml" xmlns:p="http://schemas.openxmlformats.org/presentationml/2006/main" xmlns:c="http://schemas.openxmlformats.org/drawingml/2006/chart" xmlns:dgm="http://schemas.openxmlformats.org/drawingml/2006/diagram" xmlns:o="urn:schemas-microsoft-com:office:office" xmlns:v="urn:schemas-microsoft-com:vml" xmlns:pvml="urn:schemas-microsoft-com:office:powerpoint" xmlns:com="http://schemas.openxmlformats.org/drawingml/2006/compatibility" xmlns:p14="http://schemas.microsoft.com/office/powerpoint/2010/main" xmlns:p15="http://schemas.microsoft.com/office/powerpoint/2012/main" xmlns:ahyp="http://schemas.microsoft.com/office/drawing/2018/hyperlinkcolor" matchingName="Main point">
+<p:sldLayout xmlns:a="http://schemas.openxmlformats.org/drawingml/2006/main" xmlns:r="http://schemas.openxmlformats.org/officeDocument/2006/relationships" xmlns:p="http://schemas.openxmlformats.org/presentationml/2006/main" matchingName="Main point">
   <p:cSld name="MAIN_POINT">
     <p:bg>
       <p:bgPr>
         <a:solidFill>
           <a:schemeClr val="lt2"/>
         </a:solidFill>
+        <a:effectLst/>
       </p:bgPr>
     </p:bg>
     <p:spTree>
       <p:nvGrpSpPr>
-        <p:cNvPr id="36" name="Shape 36"/>
+        <p:cNvPr id="1" name="Shape 36"/>
         <p:cNvGrpSpPr/>
         <p:nvPr/>
       </p:nvGrpSpPr>
@@ -4205,7 +4528,9 @@
       <p:sp>
         <p:nvSpPr>
           <p:cNvPr id="37" name="Google Shape;37;p8"/>
-          <p:cNvSpPr txBox="1"/>
+          <p:cNvSpPr txBox="1">
+            <a:spLocks noGrp="1"/>
+          </p:cNvSpPr>
           <p:nvPr>
             <p:ph type="title"/>
           </p:nvPr>
@@ -4220,7 +4545,7 @@
           </a:prstGeom>
         </p:spPr>
         <p:txBody>
-          <a:bodyPr anchorCtr="0" anchor="ctr" bIns="91425" lIns="91425" spcFirstLastPara="1" rIns="91425" wrap="square" tIns="91425">
+          <a:bodyPr spcFirstLastPara="1" wrap="square" lIns="91425" tIns="91425" rIns="91425" bIns="91425" anchor="ctr" anchorCtr="0">
             <a:noAutofit/>
           </a:bodyPr>
           <a:lstStyle>
@@ -4387,15 +4712,19 @@
               </a:defRPr>
             </a:lvl9pPr>
           </a:lstStyle>
-          <a:p/>
+          <a:p>
+            <a:endParaRPr/>
+          </a:p>
         </p:txBody>
       </p:sp>
       <p:sp>
         <p:nvSpPr>
           <p:cNvPr id="38" name="Google Shape;38;p8"/>
-          <p:cNvSpPr txBox="1"/>
+          <p:cNvSpPr txBox="1">
+            <a:spLocks noGrp="1"/>
+          </p:cNvSpPr>
           <p:nvPr>
-            <p:ph idx="12" type="sldNum"/>
+            <p:ph type="sldNum" idx="12"/>
           </p:nvPr>
         </p:nvSpPr>
         <p:spPr>
@@ -4408,7 +4737,7 @@
           </a:prstGeom>
         </p:spPr>
         <p:txBody>
-          <a:bodyPr anchorCtr="0" anchor="ctr" bIns="91425" lIns="91425" spcFirstLastPara="1" rIns="91425" wrap="square" tIns="91425">
+          <a:bodyPr spcFirstLastPara="1" wrap="square" lIns="91425" tIns="91425" rIns="91425" bIns="91425" anchor="ctr" anchorCtr="0">
             <a:noAutofit/>
           </a:bodyPr>
           <a:lstStyle>
@@ -4486,7 +4815,7 @@
             </a:lvl9pPr>
           </a:lstStyle>
           <a:p>
-            <a:pPr indent="0" lvl="0" marL="0" rtl="0" algn="r">
+            <a:pPr marL="0" lvl="0" indent="0" algn="r" rtl="0">
               <a:spcBef>
                 <a:spcPts val="0"/>
               </a:spcBef>
@@ -4512,11 +4841,11 @@
 </file>
 
 <file path=ppt/slideLayouts/slideLayout8.xml><?xml version="1.0" encoding="utf-8"?>
-<p:sldLayout xmlns:a="http://schemas.openxmlformats.org/drawingml/2006/main" xmlns:r="http://schemas.openxmlformats.org/officeDocument/2006/relationships" xmlns:mc="http://schemas.openxmlformats.org/markup-compatibility/2006" xmlns:mv="urn:schemas-microsoft-com:mac:vml" xmlns:p="http://schemas.openxmlformats.org/presentationml/2006/main" xmlns:c="http://schemas.openxmlformats.org/drawingml/2006/chart" xmlns:dgm="http://schemas.openxmlformats.org/drawingml/2006/diagram" xmlns:o="urn:schemas-microsoft-com:office:office" xmlns:v="urn:schemas-microsoft-com:vml" xmlns:pvml="urn:schemas-microsoft-com:office:powerpoint" xmlns:com="http://schemas.openxmlformats.org/drawingml/2006/compatibility" xmlns:p14="http://schemas.microsoft.com/office/powerpoint/2010/main" xmlns:p15="http://schemas.microsoft.com/office/powerpoint/2012/main" xmlns:ahyp="http://schemas.microsoft.com/office/drawing/2018/hyperlinkcolor" matchingName="Section title and description">
+<p:sldLayout xmlns:a="http://schemas.openxmlformats.org/drawingml/2006/main" xmlns:r="http://schemas.openxmlformats.org/officeDocument/2006/relationships" xmlns:p="http://schemas.openxmlformats.org/presentationml/2006/main" matchingName="Section title and description">
   <p:cSld name="SECTION_TITLE_AND_DESCRIPTION">
     <p:spTree>
       <p:nvGrpSpPr>
-        <p:cNvPr id="39" name="Shape 39"/>
+        <p:cNvPr id="1" name="Shape 39"/>
         <p:cNvGrpSpPr/>
         <p:nvPr/>
       </p:nvGrpSpPr>
@@ -4550,12 +4879,12 @@
           </a:ln>
         </p:spPr>
         <p:txBody>
-          <a:bodyPr anchorCtr="0" anchor="ctr" bIns="91425" lIns="91425" spcFirstLastPara="1" rIns="91425" wrap="square" tIns="91425">
+          <a:bodyPr spcFirstLastPara="1" wrap="square" lIns="91425" tIns="91425" rIns="91425" bIns="91425" anchor="ctr" anchorCtr="0">
             <a:noAutofit/>
           </a:bodyPr>
           <a:lstStyle/>
           <a:p>
-            <a:pPr indent="0" lvl="0" marL="0" rtl="0" algn="l">
+            <a:pPr marL="0" lvl="0" indent="0" algn="l" rtl="0">
               <a:spcBef>
                 <a:spcPts val="0"/>
               </a:spcBef>
@@ -4564,9 +4893,6 @@
               </a:spcAft>
               <a:buNone/>
             </a:pPr>
-            <a:r>
-              <a:t/>
-            </a:r>
             <a:endParaRPr/>
           </a:p>
         </p:txBody>
@@ -4586,21 +4912,23 @@
             <a:avLst/>
           </a:prstGeom>
           <a:noFill/>
-          <a:ln cap="flat" cmpd="sng" w="19050">
+          <a:ln w="19050" cap="flat" cmpd="sng">
             <a:solidFill>
               <a:schemeClr val="lt2"/>
             </a:solidFill>
             <a:prstDash val="solid"/>
             <a:round/>
-            <a:headEnd len="sm" w="sm" type="none"/>
-            <a:tailEnd len="sm" w="sm" type="none"/>
+            <a:headEnd type="none" w="sm" len="sm"/>
+            <a:tailEnd type="none" w="sm" len="sm"/>
           </a:ln>
         </p:spPr>
       </p:cxnSp>
       <p:sp>
         <p:nvSpPr>
           <p:cNvPr id="42" name="Google Shape;42;p9"/>
-          <p:cNvSpPr txBox="1"/>
+          <p:cNvSpPr txBox="1">
+            <a:spLocks noGrp="1"/>
+          </p:cNvSpPr>
           <p:nvPr>
             <p:ph type="title"/>
           </p:nvPr>
@@ -4615,7 +4943,7 @@
           </a:prstGeom>
         </p:spPr>
         <p:txBody>
-          <a:bodyPr anchorCtr="0" anchor="b" bIns="91425" lIns="91425" spcFirstLastPara="1" rIns="91425" wrap="square" tIns="91425">
+          <a:bodyPr spcFirstLastPara="1" wrap="square" lIns="91425" tIns="91425" rIns="91425" bIns="91425" anchor="b" anchorCtr="0">
             <a:noAutofit/>
           </a:bodyPr>
           <a:lstStyle>
@@ -4782,15 +5110,19 @@
               </a:defRPr>
             </a:lvl9pPr>
           </a:lstStyle>
-          <a:p/>
+          <a:p>
+            <a:endParaRPr/>
+          </a:p>
         </p:txBody>
       </p:sp>
       <p:sp>
         <p:nvSpPr>
           <p:cNvPr id="43" name="Google Shape;43;p9"/>
-          <p:cNvSpPr txBox="1"/>
+          <p:cNvSpPr txBox="1">
+            <a:spLocks noGrp="1"/>
+          </p:cNvSpPr>
           <p:nvPr>
-            <p:ph idx="1" type="subTitle"/>
+            <p:ph type="subTitle" idx="1"/>
           </p:nvPr>
         </p:nvSpPr>
         <p:spPr>
@@ -4803,7 +5135,7 @@
           </a:prstGeom>
         </p:spPr>
         <p:txBody>
-          <a:bodyPr anchorCtr="0" anchor="t" bIns="91425" lIns="91425" spcFirstLastPara="1" rIns="91425" wrap="square" tIns="91425">
+          <a:bodyPr spcFirstLastPara="1" wrap="square" lIns="91425" tIns="91425" rIns="91425" bIns="91425" anchor="t" anchorCtr="0">
             <a:noAutofit/>
           </a:bodyPr>
           <a:lstStyle>
@@ -4934,15 +5266,19 @@
               <a:defRPr sz="2100"/>
             </a:lvl9pPr>
           </a:lstStyle>
-          <a:p/>
+          <a:p>
+            <a:endParaRPr/>
+          </a:p>
         </p:txBody>
       </p:sp>
       <p:sp>
         <p:nvSpPr>
           <p:cNvPr id="44" name="Google Shape;44;p9"/>
-          <p:cNvSpPr txBox="1"/>
+          <p:cNvSpPr txBox="1">
+            <a:spLocks noGrp="1"/>
+          </p:cNvSpPr>
           <p:nvPr>
-            <p:ph idx="2" type="body"/>
+            <p:ph type="body" idx="2"/>
           </p:nvPr>
         </p:nvSpPr>
         <p:spPr>
@@ -4955,11 +5291,11 @@
           </a:prstGeom>
         </p:spPr>
         <p:txBody>
-          <a:bodyPr anchorCtr="0" anchor="ctr" bIns="91425" lIns="91425" spcFirstLastPara="1" rIns="91425" wrap="square" tIns="91425">
+          <a:bodyPr spcFirstLastPara="1" wrap="square" lIns="91425" tIns="91425" rIns="91425" bIns="91425" anchor="ctr" anchorCtr="0">
             <a:noAutofit/>
           </a:bodyPr>
           <a:lstStyle>
-            <a:lvl1pPr indent="-342900" lvl="0" marL="457200">
+            <a:lvl1pPr marL="457200" lvl="0" indent="-342900">
               <a:spcBef>
                 <a:spcPts val="0"/>
               </a:spcBef>
@@ -4977,7 +5313,7 @@
                 </a:solidFill>
               </a:defRPr>
             </a:lvl1pPr>
-            <a:lvl2pPr indent="-317500" lvl="1" marL="914400">
+            <a:lvl2pPr marL="914400" lvl="1" indent="-317500">
               <a:spcBef>
                 <a:spcPts val="1600"/>
               </a:spcBef>
@@ -4995,7 +5331,7 @@
                 </a:solidFill>
               </a:defRPr>
             </a:lvl2pPr>
-            <a:lvl3pPr indent="-317500" lvl="2" marL="1371600">
+            <a:lvl3pPr marL="1371600" lvl="2" indent="-317500">
               <a:spcBef>
                 <a:spcPts val="1600"/>
               </a:spcBef>
@@ -5013,7 +5349,7 @@
                 </a:solidFill>
               </a:defRPr>
             </a:lvl3pPr>
-            <a:lvl4pPr indent="-317500" lvl="3" marL="1828800">
+            <a:lvl4pPr marL="1828800" lvl="3" indent="-317500">
               <a:spcBef>
                 <a:spcPts val="1600"/>
               </a:spcBef>
@@ -5031,7 +5367,7 @@
                 </a:solidFill>
               </a:defRPr>
             </a:lvl4pPr>
-            <a:lvl5pPr indent="-317500" lvl="4" marL="2286000">
+            <a:lvl5pPr marL="2286000" lvl="4" indent="-317500">
               <a:spcBef>
                 <a:spcPts val="1600"/>
               </a:spcBef>
@@ -5049,7 +5385,7 @@
                 </a:solidFill>
               </a:defRPr>
             </a:lvl5pPr>
-            <a:lvl6pPr indent="-317500" lvl="5" marL="2743200">
+            <a:lvl6pPr marL="2743200" lvl="5" indent="-317500">
               <a:spcBef>
                 <a:spcPts val="1600"/>
               </a:spcBef>
@@ -5067,7 +5403,7 @@
                 </a:solidFill>
               </a:defRPr>
             </a:lvl6pPr>
-            <a:lvl7pPr indent="-317500" lvl="6" marL="3200400">
+            <a:lvl7pPr marL="3200400" lvl="6" indent="-317500">
               <a:spcBef>
                 <a:spcPts val="1600"/>
               </a:spcBef>
@@ -5085,7 +5421,7 @@
                 </a:solidFill>
               </a:defRPr>
             </a:lvl7pPr>
-            <a:lvl8pPr indent="-317500" lvl="7" marL="3657600">
+            <a:lvl8pPr marL="3657600" lvl="7" indent="-317500">
               <a:spcBef>
                 <a:spcPts val="1600"/>
               </a:spcBef>
@@ -5103,7 +5439,7 @@
                 </a:solidFill>
               </a:defRPr>
             </a:lvl8pPr>
-            <a:lvl9pPr indent="-317500" lvl="8" marL="4114800">
+            <a:lvl9pPr marL="4114800" lvl="8" indent="-317500">
               <a:spcBef>
                 <a:spcPts val="1600"/>
               </a:spcBef>
@@ -5122,15 +5458,19 @@
               </a:defRPr>
             </a:lvl9pPr>
           </a:lstStyle>
-          <a:p/>
+          <a:p>
+            <a:endParaRPr/>
+          </a:p>
         </p:txBody>
       </p:sp>
       <p:sp>
         <p:nvSpPr>
           <p:cNvPr id="45" name="Google Shape;45;p9"/>
-          <p:cNvSpPr txBox="1"/>
+          <p:cNvSpPr txBox="1">
+            <a:spLocks noGrp="1"/>
+          </p:cNvSpPr>
           <p:nvPr>
-            <p:ph idx="12" type="sldNum"/>
+            <p:ph type="sldNum" idx="12"/>
           </p:nvPr>
         </p:nvSpPr>
         <p:spPr>
@@ -5143,7 +5483,7 @@
           </a:prstGeom>
         </p:spPr>
         <p:txBody>
-          <a:bodyPr anchorCtr="0" anchor="ctr" bIns="91425" lIns="91425" spcFirstLastPara="1" rIns="91425" wrap="square" tIns="91425">
+          <a:bodyPr spcFirstLastPara="1" wrap="square" lIns="91425" tIns="91425" rIns="91425" bIns="91425" anchor="ctr" anchorCtr="0">
             <a:noAutofit/>
           </a:bodyPr>
           <a:lstStyle>
@@ -5221,7 +5561,7 @@
             </a:lvl9pPr>
           </a:lstStyle>
           <a:p>
-            <a:pPr indent="0" lvl="0" marL="0" rtl="0" algn="r">
+            <a:pPr marL="0" lvl="0" indent="0" algn="r" rtl="0">
               <a:spcBef>
                 <a:spcPts val="0"/>
               </a:spcBef>
@@ -5247,11 +5587,11 @@
 </file>
 
 <file path=ppt/slideLayouts/slideLayout9.xml><?xml version="1.0" encoding="utf-8"?>
-<p:sldLayout xmlns:a="http://schemas.openxmlformats.org/drawingml/2006/main" xmlns:r="http://schemas.openxmlformats.org/officeDocument/2006/relationships" xmlns:mc="http://schemas.openxmlformats.org/markup-compatibility/2006" xmlns:mv="urn:schemas-microsoft-com:mac:vml" xmlns:p="http://schemas.openxmlformats.org/presentationml/2006/main" xmlns:c="http://schemas.openxmlformats.org/drawingml/2006/chart" xmlns:dgm="http://schemas.openxmlformats.org/drawingml/2006/diagram" xmlns:o="urn:schemas-microsoft-com:office:office" xmlns:v="urn:schemas-microsoft-com:vml" xmlns:pvml="urn:schemas-microsoft-com:office:powerpoint" xmlns:com="http://schemas.openxmlformats.org/drawingml/2006/compatibility" xmlns:p14="http://schemas.microsoft.com/office/powerpoint/2010/main" xmlns:p15="http://schemas.microsoft.com/office/powerpoint/2012/main" xmlns:ahyp="http://schemas.microsoft.com/office/drawing/2018/hyperlinkcolor" matchingName="Caption">
+<p:sldLayout xmlns:a="http://schemas.openxmlformats.org/drawingml/2006/main" xmlns:r="http://schemas.openxmlformats.org/officeDocument/2006/relationships" xmlns:p="http://schemas.openxmlformats.org/presentationml/2006/main" matchingName="Caption">
   <p:cSld name="CAPTION_ONLY">
     <p:spTree>
       <p:nvGrpSpPr>
-        <p:cNvPr id="46" name="Shape 46"/>
+        <p:cNvPr id="1" name="Shape 46"/>
         <p:cNvGrpSpPr/>
         <p:nvPr/>
       </p:nvGrpSpPr>
@@ -5266,9 +5606,11 @@
       <p:sp>
         <p:nvSpPr>
           <p:cNvPr id="47" name="Google Shape;47;p10"/>
-          <p:cNvSpPr txBox="1"/>
+          <p:cNvSpPr txBox="1">
+            <a:spLocks noGrp="1"/>
+          </p:cNvSpPr>
           <p:nvPr>
-            <p:ph idx="1" type="body"/>
+            <p:ph type="body" idx="1"/>
           </p:nvPr>
         </p:nvSpPr>
         <p:spPr>
@@ -5281,11 +5623,11 @@
           </a:prstGeom>
         </p:spPr>
         <p:txBody>
-          <a:bodyPr anchorCtr="0" anchor="ctr" bIns="91425" lIns="91425" spcFirstLastPara="1" rIns="91425" wrap="square" tIns="91425">
+          <a:bodyPr spcFirstLastPara="1" wrap="square" lIns="91425" tIns="91425" rIns="91425" bIns="91425" anchor="ctr" anchorCtr="0">
             <a:noAutofit/>
           </a:bodyPr>
           <a:lstStyle>
-            <a:lvl1pPr indent="-228600" lvl="0" marL="457200">
+            <a:lvl1pPr marL="457200" lvl="0" indent="-228600">
               <a:lnSpc>
                 <a:spcPct val="100000"/>
               </a:lnSpc>
@@ -5300,15 +5642,19 @@
               <a:defRPr/>
             </a:lvl1pPr>
           </a:lstStyle>
-          <a:p/>
+          <a:p>
+            <a:endParaRPr/>
+          </a:p>
         </p:txBody>
       </p:sp>
       <p:sp>
         <p:nvSpPr>
           <p:cNvPr id="48" name="Google Shape;48;p10"/>
-          <p:cNvSpPr txBox="1"/>
+          <p:cNvSpPr txBox="1">
+            <a:spLocks noGrp="1"/>
+          </p:cNvSpPr>
           <p:nvPr>
-            <p:ph idx="12" type="sldNum"/>
+            <p:ph type="sldNum" idx="12"/>
           </p:nvPr>
         </p:nvSpPr>
         <p:spPr>
@@ -5321,7 +5667,7 @@
           </a:prstGeom>
         </p:spPr>
         <p:txBody>
-          <a:bodyPr anchorCtr="0" anchor="ctr" bIns="91425" lIns="91425" spcFirstLastPara="1" rIns="91425" wrap="square" tIns="91425">
+          <a:bodyPr spcFirstLastPara="1" wrap="square" lIns="91425" tIns="91425" rIns="91425" bIns="91425" anchor="ctr" anchorCtr="0">
             <a:noAutofit/>
           </a:bodyPr>
           <a:lstStyle>
@@ -5363,7 +5709,7 @@
             </a:lvl9pPr>
           </a:lstStyle>
           <a:p>
-            <a:pPr indent="0" lvl="0" marL="0" rtl="0" algn="r">
+            <a:pPr marL="0" lvl="0" indent="0" algn="r" rtl="0">
               <a:spcBef>
                 <a:spcPts val="0"/>
               </a:spcBef>
@@ -5389,18 +5735,19 @@
 </file>
 
 <file path=ppt/slideMasters/slideMaster1.xml><?xml version="1.0" encoding="utf-8"?>
-<p:sldMaster xmlns:a="http://schemas.openxmlformats.org/drawingml/2006/main" xmlns:r="http://schemas.openxmlformats.org/officeDocument/2006/relationships" xmlns:mc="http://schemas.openxmlformats.org/markup-compatibility/2006" xmlns:mv="urn:schemas-microsoft-com:mac:vml" xmlns:p="http://schemas.openxmlformats.org/presentationml/2006/main" xmlns:c="http://schemas.openxmlformats.org/drawingml/2006/chart" xmlns:dgm="http://schemas.openxmlformats.org/drawingml/2006/diagram" xmlns:o="urn:schemas-microsoft-com:office:office" xmlns:v="urn:schemas-microsoft-com:vml" xmlns:pvml="urn:schemas-microsoft-com:office:powerpoint" xmlns:com="http://schemas.openxmlformats.org/drawingml/2006/compatibility" xmlns:p14="http://schemas.microsoft.com/office/powerpoint/2010/main" xmlns:p15="http://schemas.microsoft.com/office/powerpoint/2012/main" xmlns:ahyp="http://schemas.microsoft.com/office/drawing/2018/hyperlinkcolor">
+<p:sldMaster xmlns:a="http://schemas.openxmlformats.org/drawingml/2006/main" xmlns:r="http://schemas.openxmlformats.org/officeDocument/2006/relationships" xmlns:p="http://schemas.openxmlformats.org/presentationml/2006/main">
   <p:cSld name="paperback">
     <p:bg>
       <p:bgPr>
         <a:solidFill>
           <a:schemeClr val="accent1"/>
         </a:solidFill>
+        <a:effectLst/>
       </p:bgPr>
     </p:bg>
     <p:spTree>
       <p:nvGrpSpPr>
-        <p:cNvPr id="5" name="Shape 5"/>
+        <p:cNvPr id="1" name="Shape 5"/>
         <p:cNvGrpSpPr/>
         <p:nvPr/>
       </p:nvGrpSpPr>
@@ -5415,7 +5762,9 @@
       <p:sp>
         <p:nvSpPr>
           <p:cNvPr id="6" name="Google Shape;6;p1"/>
-          <p:cNvSpPr txBox="1"/>
+          <p:cNvSpPr txBox="1">
+            <a:spLocks noGrp="1"/>
+          </p:cNvSpPr>
           <p:nvPr>
             <p:ph type="title"/>
           </p:nvPr>
@@ -5434,7 +5783,7 @@
           </a:ln>
         </p:spPr>
         <p:txBody>
-          <a:bodyPr anchorCtr="0" anchor="t" bIns="91425" lIns="91425" spcFirstLastPara="1" rIns="91425" wrap="square" tIns="91425">
+          <a:bodyPr spcFirstLastPara="1" wrap="square" lIns="91425" tIns="91425" rIns="91425" bIns="91425" anchor="t" anchorCtr="0">
             <a:noAutofit/>
           </a:bodyPr>
           <a:lstStyle>
@@ -5646,15 +5995,19 @@
               </a:defRPr>
             </a:lvl9pPr>
           </a:lstStyle>
-          <a:p/>
+          <a:p>
+            <a:endParaRPr/>
+          </a:p>
         </p:txBody>
       </p:sp>
       <p:sp>
         <p:nvSpPr>
           <p:cNvPr id="7" name="Google Shape;7;p1"/>
-          <p:cNvSpPr txBox="1"/>
+          <p:cNvSpPr txBox="1">
+            <a:spLocks noGrp="1"/>
+          </p:cNvSpPr>
           <p:nvPr>
-            <p:ph idx="1" type="body"/>
+            <p:ph type="body" idx="1"/>
           </p:nvPr>
         </p:nvSpPr>
         <p:spPr>
@@ -5671,11 +6024,11 @@
           </a:ln>
         </p:spPr>
         <p:txBody>
-          <a:bodyPr anchorCtr="0" anchor="t" bIns="91425" lIns="91425" spcFirstLastPara="1" rIns="91425" wrap="square" tIns="91425">
+          <a:bodyPr spcFirstLastPara="1" wrap="square" lIns="91425" tIns="91425" rIns="91425" bIns="91425" anchor="t" anchorCtr="0">
             <a:noAutofit/>
           </a:bodyPr>
           <a:lstStyle>
-            <a:lvl1pPr indent="-342900" lvl="0" marL="457200">
+            <a:lvl1pPr marL="457200" lvl="0" indent="-342900">
               <a:lnSpc>
                 <a:spcPct val="115000"/>
               </a:lnSpc>
@@ -5701,7 +6054,7 @@
                 <a:sym typeface="Old Standard TT"/>
               </a:defRPr>
             </a:lvl1pPr>
-            <a:lvl2pPr indent="-317500" lvl="1" marL="914400">
+            <a:lvl2pPr marL="914400" lvl="1" indent="-317500">
               <a:lnSpc>
                 <a:spcPct val="115000"/>
               </a:lnSpc>
@@ -5727,7 +6080,7 @@
                 <a:sym typeface="Old Standard TT"/>
               </a:defRPr>
             </a:lvl2pPr>
-            <a:lvl3pPr indent="-317500" lvl="2" marL="1371600">
+            <a:lvl3pPr marL="1371600" lvl="2" indent="-317500">
               <a:lnSpc>
                 <a:spcPct val="115000"/>
               </a:lnSpc>
@@ -5753,7 +6106,7 @@
                 <a:sym typeface="Old Standard TT"/>
               </a:defRPr>
             </a:lvl3pPr>
-            <a:lvl4pPr indent="-317500" lvl="3" marL="1828800">
+            <a:lvl4pPr marL="1828800" lvl="3" indent="-317500">
               <a:lnSpc>
                 <a:spcPct val="115000"/>
               </a:lnSpc>
@@ -5779,7 +6132,7 @@
                 <a:sym typeface="Old Standard TT"/>
               </a:defRPr>
             </a:lvl4pPr>
-            <a:lvl5pPr indent="-317500" lvl="4" marL="2286000">
+            <a:lvl5pPr marL="2286000" lvl="4" indent="-317500">
               <a:lnSpc>
                 <a:spcPct val="115000"/>
               </a:lnSpc>
@@ -5805,7 +6158,7 @@
                 <a:sym typeface="Old Standard TT"/>
               </a:defRPr>
             </a:lvl5pPr>
-            <a:lvl6pPr indent="-317500" lvl="5" marL="2743200">
+            <a:lvl6pPr marL="2743200" lvl="5" indent="-317500">
               <a:lnSpc>
                 <a:spcPct val="115000"/>
               </a:lnSpc>
@@ -5831,7 +6184,7 @@
                 <a:sym typeface="Old Standard TT"/>
               </a:defRPr>
             </a:lvl6pPr>
-            <a:lvl7pPr indent="-317500" lvl="6" marL="3200400">
+            <a:lvl7pPr marL="3200400" lvl="6" indent="-317500">
               <a:lnSpc>
                 <a:spcPct val="115000"/>
               </a:lnSpc>
@@ -5857,7 +6210,7 @@
                 <a:sym typeface="Old Standard TT"/>
               </a:defRPr>
             </a:lvl7pPr>
-            <a:lvl8pPr indent="-317500" lvl="7" marL="3657600">
+            <a:lvl8pPr marL="3657600" lvl="7" indent="-317500">
               <a:lnSpc>
                 <a:spcPct val="115000"/>
               </a:lnSpc>
@@ -5883,7 +6236,7 @@
                 <a:sym typeface="Old Standard TT"/>
               </a:defRPr>
             </a:lvl8pPr>
-            <a:lvl9pPr indent="-317500" lvl="8" marL="4114800">
+            <a:lvl9pPr marL="4114800" lvl="8" indent="-317500">
               <a:lnSpc>
                 <a:spcPct val="115000"/>
               </a:lnSpc>
@@ -5910,15 +6263,19 @@
               </a:defRPr>
             </a:lvl9pPr>
           </a:lstStyle>
-          <a:p/>
+          <a:p>
+            <a:endParaRPr/>
+          </a:p>
         </p:txBody>
       </p:sp>
       <p:sp>
         <p:nvSpPr>
           <p:cNvPr id="8" name="Google Shape;8;p1"/>
-          <p:cNvSpPr txBox="1"/>
+          <p:cNvSpPr txBox="1">
+            <a:spLocks noGrp="1"/>
+          </p:cNvSpPr>
           <p:nvPr>
-            <p:ph idx="12" type="sldNum"/>
+            <p:ph type="sldNum" idx="12"/>
           </p:nvPr>
         </p:nvSpPr>
         <p:spPr>
@@ -5935,7 +6292,7 @@
           </a:ln>
         </p:spPr>
         <p:txBody>
-          <a:bodyPr anchorCtr="0" anchor="ctr" bIns="91425" lIns="91425" spcFirstLastPara="1" rIns="91425" wrap="square" tIns="91425">
+          <a:bodyPr spcFirstLastPara="1" wrap="square" lIns="91425" tIns="91425" rIns="91425" bIns="91425" anchor="ctr" anchorCtr="0">
             <a:noAutofit/>
           </a:bodyPr>
           <a:lstStyle>
@@ -6049,7 +6406,7 @@
             </a:lvl9pPr>
           </a:lstStyle>
           <a:p>
-            <a:pPr indent="0" lvl="0" marL="0" rtl="0" algn="r">
+            <a:pPr marL="0" lvl="0" indent="0" algn="r" rtl="0">
               <a:spcBef>
                 <a:spcPts val="0"/>
               </a:spcBef>
@@ -6068,7 +6425,7 @@
       </p:sp>
     </p:spTree>
   </p:cSld>
-  <p:clrMap accent1="accent1" accent2="accent2" accent3="accent3" accent4="accent4" accent5="accent5" accent6="accent6" bg1="lt1" bg2="dk2" tx1="dk1" tx2="lt2" folHlink="folHlink" hlink="hlink"/>
+  <p:clrMap bg1="lt1" tx1="dk1" bg2="dk2" tx2="lt2" accent1="accent1" accent2="accent2" accent3="accent3" accent4="accent4" accent5="accent5" accent6="accent6" hlink="hlink" folHlink="folHlink"/>
   <p:sldLayoutIdLst>
     <p:sldLayoutId id="2147483648" r:id="rId1"/>
     <p:sldLayoutId id="2147483649" r:id="rId2"/>
@@ -6082,10 +6439,10 @@
     <p:sldLayoutId id="2147483657" r:id="rId10"/>
     <p:sldLayoutId id="2147483658" r:id="rId11"/>
   </p:sldLayoutIdLst>
-  <p:hf dt="0" ftr="0" hdr="0" sldNum="0"/>
+  <p:hf sldNum="0" hdr="0" ftr="0" dt="0"/>
   <p:txStyles>
     <p:titleStyle>
-      <a:defPPr lvl="0" marR="0" rtl="0" algn="l">
+      <a:defPPr marR="0" lvl="0" algn="l" rtl="0">
         <a:lnSpc>
           <a:spcPct val="100000"/>
         </a:lnSpc>
@@ -6096,7 +6453,7 @@
           <a:spcPts val="0"/>
         </a:spcAft>
       </a:defPPr>
-      <a:lvl1pPr lvl="0" marR="0" rtl="0" algn="l">
+      <a:lvl1pPr marR="0" lvl="0" algn="l" rtl="0">
         <a:lnSpc>
           <a:spcPct val="100000"/>
         </a:lnSpc>
@@ -6110,7 +6467,7 @@
           <a:srgbClr val="000000"/>
         </a:buClr>
         <a:buFont typeface="Arial"/>
-        <a:defRPr b="0" i="0" sz="1400" u="none" cap="none" strike="noStrike">
+        <a:defRPr sz="1400" b="0" i="0" u="none" strike="noStrike" cap="none">
           <a:solidFill>
             <a:srgbClr val="000000"/>
           </a:solidFill>
@@ -6120,7 +6477,7 @@
           <a:sym typeface="Arial"/>
         </a:defRPr>
       </a:lvl1pPr>
-      <a:lvl2pPr lvl="1" marR="0" rtl="0" algn="l">
+      <a:lvl2pPr marR="0" lvl="1" algn="l" rtl="0">
         <a:lnSpc>
           <a:spcPct val="100000"/>
         </a:lnSpc>
@@ -6134,7 +6491,7 @@
           <a:srgbClr val="000000"/>
         </a:buClr>
         <a:buFont typeface="Arial"/>
-        <a:defRPr b="0" i="0" sz="1400" u="none" cap="none" strike="noStrike">
+        <a:defRPr sz="1400" b="0" i="0" u="none" strike="noStrike" cap="none">
           <a:solidFill>
             <a:srgbClr val="000000"/>
           </a:solidFill>
@@ -6144,7 +6501,7 @@
           <a:sym typeface="Arial"/>
         </a:defRPr>
       </a:lvl2pPr>
-      <a:lvl3pPr lvl="2" marR="0" rtl="0" algn="l">
+      <a:lvl3pPr marR="0" lvl="2" algn="l" rtl="0">
         <a:lnSpc>
           <a:spcPct val="100000"/>
         </a:lnSpc>
@@ -6158,7 +6515,7 @@
           <a:srgbClr val="000000"/>
         </a:buClr>
         <a:buFont typeface="Arial"/>
-        <a:defRPr b="0" i="0" sz="1400" u="none" cap="none" strike="noStrike">
+        <a:defRPr sz="1400" b="0" i="0" u="none" strike="noStrike" cap="none">
           <a:solidFill>
             <a:srgbClr val="000000"/>
           </a:solidFill>
@@ -6168,7 +6525,7 @@
           <a:sym typeface="Arial"/>
         </a:defRPr>
       </a:lvl3pPr>
-      <a:lvl4pPr lvl="3" marR="0" rtl="0" algn="l">
+      <a:lvl4pPr marR="0" lvl="3" algn="l" rtl="0">
         <a:lnSpc>
           <a:spcPct val="100000"/>
         </a:lnSpc>
@@ -6182,7 +6539,7 @@
           <a:srgbClr val="000000"/>
         </a:buClr>
         <a:buFont typeface="Arial"/>
-        <a:defRPr b="0" i="0" sz="1400" u="none" cap="none" strike="noStrike">
+        <a:defRPr sz="1400" b="0" i="0" u="none" strike="noStrike" cap="none">
           <a:solidFill>
             <a:srgbClr val="000000"/>
           </a:solidFill>
@@ -6192,7 +6549,7 @@
           <a:sym typeface="Arial"/>
         </a:defRPr>
       </a:lvl4pPr>
-      <a:lvl5pPr lvl="4" marR="0" rtl="0" algn="l">
+      <a:lvl5pPr marR="0" lvl="4" algn="l" rtl="0">
         <a:lnSpc>
           <a:spcPct val="100000"/>
         </a:lnSpc>
@@ -6206,7 +6563,7 @@
           <a:srgbClr val="000000"/>
         </a:buClr>
         <a:buFont typeface="Arial"/>
-        <a:defRPr b="0" i="0" sz="1400" u="none" cap="none" strike="noStrike">
+        <a:defRPr sz="1400" b="0" i="0" u="none" strike="noStrike" cap="none">
           <a:solidFill>
             <a:srgbClr val="000000"/>
           </a:solidFill>
@@ -6216,7 +6573,7 @@
           <a:sym typeface="Arial"/>
         </a:defRPr>
       </a:lvl5pPr>
-      <a:lvl6pPr lvl="5" marR="0" rtl="0" algn="l">
+      <a:lvl6pPr marR="0" lvl="5" algn="l" rtl="0">
         <a:lnSpc>
           <a:spcPct val="100000"/>
         </a:lnSpc>
@@ -6230,7 +6587,7 @@
           <a:srgbClr val="000000"/>
         </a:buClr>
         <a:buFont typeface="Arial"/>
-        <a:defRPr b="0" i="0" sz="1400" u="none" cap="none" strike="noStrike">
+        <a:defRPr sz="1400" b="0" i="0" u="none" strike="noStrike" cap="none">
           <a:solidFill>
             <a:srgbClr val="000000"/>
           </a:solidFill>
@@ -6240,7 +6597,7 @@
           <a:sym typeface="Arial"/>
         </a:defRPr>
       </a:lvl6pPr>
-      <a:lvl7pPr lvl="6" marR="0" rtl="0" algn="l">
+      <a:lvl7pPr marR="0" lvl="6" algn="l" rtl="0">
         <a:lnSpc>
           <a:spcPct val="100000"/>
         </a:lnSpc>
@@ -6254,7 +6611,7 @@
           <a:srgbClr val="000000"/>
         </a:buClr>
         <a:buFont typeface="Arial"/>
-        <a:defRPr b="0" i="0" sz="1400" u="none" cap="none" strike="noStrike">
+        <a:defRPr sz="1400" b="0" i="0" u="none" strike="noStrike" cap="none">
           <a:solidFill>
             <a:srgbClr val="000000"/>
           </a:solidFill>
@@ -6264,7 +6621,7 @@
           <a:sym typeface="Arial"/>
         </a:defRPr>
       </a:lvl7pPr>
-      <a:lvl8pPr lvl="7" marR="0" rtl="0" algn="l">
+      <a:lvl8pPr marR="0" lvl="7" algn="l" rtl="0">
         <a:lnSpc>
           <a:spcPct val="100000"/>
         </a:lnSpc>
@@ -6278,7 +6635,7 @@
           <a:srgbClr val="000000"/>
         </a:buClr>
         <a:buFont typeface="Arial"/>
-        <a:defRPr b="0" i="0" sz="1400" u="none" cap="none" strike="noStrike">
+        <a:defRPr sz="1400" b="0" i="0" u="none" strike="noStrike" cap="none">
           <a:solidFill>
             <a:srgbClr val="000000"/>
           </a:solidFill>
@@ -6288,7 +6645,7 @@
           <a:sym typeface="Arial"/>
         </a:defRPr>
       </a:lvl8pPr>
-      <a:lvl9pPr lvl="8" marR="0" rtl="0" algn="l">
+      <a:lvl9pPr marR="0" lvl="8" algn="l" rtl="0">
         <a:lnSpc>
           <a:spcPct val="100000"/>
         </a:lnSpc>
@@ -6302,7 +6659,7 @@
           <a:srgbClr val="000000"/>
         </a:buClr>
         <a:buFont typeface="Arial"/>
-        <a:defRPr b="0" i="0" sz="1400" u="none" cap="none" strike="noStrike">
+        <a:defRPr sz="1400" b="0" i="0" u="none" strike="noStrike" cap="none">
           <a:solidFill>
             <a:srgbClr val="000000"/>
           </a:solidFill>
@@ -6314,7 +6671,7 @@
       </a:lvl9pPr>
     </p:titleStyle>
     <p:bodyStyle>
-      <a:defPPr lvl="0" marR="0" rtl="0" algn="l">
+      <a:defPPr marR="0" lvl="0" algn="l" rtl="0">
         <a:lnSpc>
           <a:spcPct val="100000"/>
         </a:lnSpc>
@@ -6325,7 +6682,7 @@
           <a:spcPts val="0"/>
         </a:spcAft>
       </a:defPPr>
-      <a:lvl1pPr lvl="0" marR="0" rtl="0" algn="l">
+      <a:lvl1pPr marR="0" lvl="0" algn="l" rtl="0">
         <a:lnSpc>
           <a:spcPct val="100000"/>
         </a:lnSpc>
@@ -6339,7 +6696,7 @@
           <a:srgbClr val="000000"/>
         </a:buClr>
         <a:buFont typeface="Arial"/>
-        <a:defRPr b="0" i="0" sz="1400" u="none" cap="none" strike="noStrike">
+        <a:defRPr sz="1400" b="0" i="0" u="none" strike="noStrike" cap="none">
           <a:solidFill>
             <a:srgbClr val="000000"/>
           </a:solidFill>
@@ -6349,7 +6706,7 @@
           <a:sym typeface="Arial"/>
         </a:defRPr>
       </a:lvl1pPr>
-      <a:lvl2pPr lvl="1" marR="0" rtl="0" algn="l">
+      <a:lvl2pPr marR="0" lvl="1" algn="l" rtl="0">
         <a:lnSpc>
           <a:spcPct val="100000"/>
         </a:lnSpc>
@@ -6363,7 +6720,7 @@
           <a:srgbClr val="000000"/>
         </a:buClr>
         <a:buFont typeface="Arial"/>
-        <a:defRPr b="0" i="0" sz="1400" u="none" cap="none" strike="noStrike">
+        <a:defRPr sz="1400" b="0" i="0" u="none" strike="noStrike" cap="none">
           <a:solidFill>
             <a:srgbClr val="000000"/>
           </a:solidFill>
@@ -6373,7 +6730,7 @@
           <a:sym typeface="Arial"/>
         </a:defRPr>
       </a:lvl2pPr>
-      <a:lvl3pPr lvl="2" marR="0" rtl="0" algn="l">
+      <a:lvl3pPr marR="0" lvl="2" algn="l" rtl="0">
         <a:lnSpc>
           <a:spcPct val="100000"/>
         </a:lnSpc>
@@ -6387,7 +6744,7 @@
           <a:srgbClr val="000000"/>
         </a:buClr>
         <a:buFont typeface="Arial"/>
-        <a:defRPr b="0" i="0" sz="1400" u="none" cap="none" strike="noStrike">
+        <a:defRPr sz="1400" b="0" i="0" u="none" strike="noStrike" cap="none">
           <a:solidFill>
             <a:srgbClr val="000000"/>
           </a:solidFill>
@@ -6397,7 +6754,7 @@
           <a:sym typeface="Arial"/>
         </a:defRPr>
       </a:lvl3pPr>
-      <a:lvl4pPr lvl="3" marR="0" rtl="0" algn="l">
+      <a:lvl4pPr marR="0" lvl="3" algn="l" rtl="0">
         <a:lnSpc>
           <a:spcPct val="100000"/>
         </a:lnSpc>
@@ -6411,7 +6768,7 @@
           <a:srgbClr val="000000"/>
         </a:buClr>
         <a:buFont typeface="Arial"/>
-        <a:defRPr b="0" i="0" sz="1400" u="none" cap="none" strike="noStrike">
+        <a:defRPr sz="1400" b="0" i="0" u="none" strike="noStrike" cap="none">
           <a:solidFill>
             <a:srgbClr val="000000"/>
           </a:solidFill>
@@ -6421,7 +6778,7 @@
           <a:sym typeface="Arial"/>
         </a:defRPr>
       </a:lvl4pPr>
-      <a:lvl5pPr lvl="4" marR="0" rtl="0" algn="l">
+      <a:lvl5pPr marR="0" lvl="4" algn="l" rtl="0">
         <a:lnSpc>
           <a:spcPct val="100000"/>
         </a:lnSpc>
@@ -6435,7 +6792,7 @@
           <a:srgbClr val="000000"/>
         </a:buClr>
         <a:buFont typeface="Arial"/>
-        <a:defRPr b="0" i="0" sz="1400" u="none" cap="none" strike="noStrike">
+        <a:defRPr sz="1400" b="0" i="0" u="none" strike="noStrike" cap="none">
           <a:solidFill>
             <a:srgbClr val="000000"/>
           </a:solidFill>
@@ -6445,7 +6802,7 @@
           <a:sym typeface="Arial"/>
         </a:defRPr>
       </a:lvl5pPr>
-      <a:lvl6pPr lvl="5" marR="0" rtl="0" algn="l">
+      <a:lvl6pPr marR="0" lvl="5" algn="l" rtl="0">
         <a:lnSpc>
           <a:spcPct val="100000"/>
         </a:lnSpc>
@@ -6459,7 +6816,7 @@
           <a:srgbClr val="000000"/>
         </a:buClr>
         <a:buFont typeface="Arial"/>
-        <a:defRPr b="0" i="0" sz="1400" u="none" cap="none" strike="noStrike">
+        <a:defRPr sz="1400" b="0" i="0" u="none" strike="noStrike" cap="none">
           <a:solidFill>
             <a:srgbClr val="000000"/>
           </a:solidFill>
@@ -6469,7 +6826,7 @@
           <a:sym typeface="Arial"/>
         </a:defRPr>
       </a:lvl6pPr>
-      <a:lvl7pPr lvl="6" marR="0" rtl="0" algn="l">
+      <a:lvl7pPr marR="0" lvl="6" algn="l" rtl="0">
         <a:lnSpc>
           <a:spcPct val="100000"/>
         </a:lnSpc>
@@ -6483,7 +6840,7 @@
           <a:srgbClr val="000000"/>
         </a:buClr>
         <a:buFont typeface="Arial"/>
-        <a:defRPr b="0" i="0" sz="1400" u="none" cap="none" strike="noStrike">
+        <a:defRPr sz="1400" b="0" i="0" u="none" strike="noStrike" cap="none">
           <a:solidFill>
             <a:srgbClr val="000000"/>
           </a:solidFill>
@@ -6493,7 +6850,7 @@
           <a:sym typeface="Arial"/>
         </a:defRPr>
       </a:lvl7pPr>
-      <a:lvl8pPr lvl="7" marR="0" rtl="0" algn="l">
+      <a:lvl8pPr marR="0" lvl="7" algn="l" rtl="0">
         <a:lnSpc>
           <a:spcPct val="100000"/>
         </a:lnSpc>
@@ -6507,7 +6864,7 @@
           <a:srgbClr val="000000"/>
         </a:buClr>
         <a:buFont typeface="Arial"/>
-        <a:defRPr b="0" i="0" sz="1400" u="none" cap="none" strike="noStrike">
+        <a:defRPr sz="1400" b="0" i="0" u="none" strike="noStrike" cap="none">
           <a:solidFill>
             <a:srgbClr val="000000"/>
           </a:solidFill>
@@ -6517,7 +6874,7 @@
           <a:sym typeface="Arial"/>
         </a:defRPr>
       </a:lvl8pPr>
-      <a:lvl9pPr lvl="8" marR="0" rtl="0" algn="l">
+      <a:lvl9pPr marR="0" lvl="8" algn="l" rtl="0">
         <a:lnSpc>
           <a:spcPct val="100000"/>
         </a:lnSpc>
@@ -6531,7 +6888,7 @@
           <a:srgbClr val="000000"/>
         </a:buClr>
         <a:buFont typeface="Arial"/>
-        <a:defRPr b="0" i="0" sz="1400" u="none" cap="none" strike="noStrike">
+        <a:defRPr sz="1400" b="0" i="0" u="none" strike="noStrike" cap="none">
           <a:solidFill>
             <a:srgbClr val="000000"/>
           </a:solidFill>
@@ -6543,7 +6900,7 @@
       </a:lvl9pPr>
     </p:bodyStyle>
     <p:otherStyle>
-      <a:defPPr lvl="0" marR="0" rtl="0" algn="l">
+      <a:defPPr marR="0" lvl="0" algn="l" rtl="0">
         <a:lnSpc>
           <a:spcPct val="100000"/>
         </a:lnSpc>
@@ -6554,7 +6911,7 @@
           <a:spcPts val="0"/>
         </a:spcAft>
       </a:defPPr>
-      <a:lvl1pPr lvl="0" marR="0" rtl="0" algn="l">
+      <a:lvl1pPr marR="0" lvl="0" algn="l" rtl="0">
         <a:lnSpc>
           <a:spcPct val="100000"/>
         </a:lnSpc>
@@ -6568,7 +6925,7 @@
           <a:srgbClr val="000000"/>
         </a:buClr>
         <a:buFont typeface="Arial"/>
-        <a:defRPr b="0" i="0" sz="1400" u="none" cap="none" strike="noStrike">
+        <a:defRPr sz="1400" b="0" i="0" u="none" strike="noStrike" cap="none">
           <a:solidFill>
             <a:srgbClr val="000000"/>
           </a:solidFill>
@@ -6578,7 +6935,7 @@
           <a:sym typeface="Arial"/>
         </a:defRPr>
       </a:lvl1pPr>
-      <a:lvl2pPr lvl="1" marR="0" rtl="0" algn="l">
+      <a:lvl2pPr marR="0" lvl="1" algn="l" rtl="0">
         <a:lnSpc>
           <a:spcPct val="100000"/>
         </a:lnSpc>
@@ -6592,7 +6949,7 @@
           <a:srgbClr val="000000"/>
         </a:buClr>
         <a:buFont typeface="Arial"/>
-        <a:defRPr b="0" i="0" sz="1400" u="none" cap="none" strike="noStrike">
+        <a:defRPr sz="1400" b="0" i="0" u="none" strike="noStrike" cap="none">
           <a:solidFill>
             <a:srgbClr val="000000"/>
           </a:solidFill>
@@ -6602,7 +6959,7 @@
           <a:sym typeface="Arial"/>
         </a:defRPr>
       </a:lvl2pPr>
-      <a:lvl3pPr lvl="2" marR="0" rtl="0" algn="l">
+      <a:lvl3pPr marR="0" lvl="2" algn="l" rtl="0">
         <a:lnSpc>
           <a:spcPct val="100000"/>
         </a:lnSpc>
@@ -6616,7 +6973,7 @@
           <a:srgbClr val="000000"/>
         </a:buClr>
         <a:buFont typeface="Arial"/>
-        <a:defRPr b="0" i="0" sz="1400" u="none" cap="none" strike="noStrike">
+        <a:defRPr sz="1400" b="0" i="0" u="none" strike="noStrike" cap="none">
           <a:solidFill>
             <a:srgbClr val="000000"/>
           </a:solidFill>
@@ -6626,7 +6983,7 @@
           <a:sym typeface="Arial"/>
         </a:defRPr>
       </a:lvl3pPr>
-      <a:lvl4pPr lvl="3" marR="0" rtl="0" algn="l">
+      <a:lvl4pPr marR="0" lvl="3" algn="l" rtl="0">
         <a:lnSpc>
           <a:spcPct val="100000"/>
         </a:lnSpc>
@@ -6640,7 +6997,7 @@
           <a:srgbClr val="000000"/>
         </a:buClr>
         <a:buFont typeface="Arial"/>
-        <a:defRPr b="0" i="0" sz="1400" u="none" cap="none" strike="noStrike">
+        <a:defRPr sz="1400" b="0" i="0" u="none" strike="noStrike" cap="none">
           <a:solidFill>
             <a:srgbClr val="000000"/>
           </a:solidFill>
@@ -6650,7 +7007,7 @@
           <a:sym typeface="Arial"/>
         </a:defRPr>
       </a:lvl4pPr>
-      <a:lvl5pPr lvl="4" marR="0" rtl="0" algn="l">
+      <a:lvl5pPr marR="0" lvl="4" algn="l" rtl="0">
         <a:lnSpc>
           <a:spcPct val="100000"/>
         </a:lnSpc>
@@ -6664,7 +7021,7 @@
           <a:srgbClr val="000000"/>
         </a:buClr>
         <a:buFont typeface="Arial"/>
-        <a:defRPr b="0" i="0" sz="1400" u="none" cap="none" strike="noStrike">
+        <a:defRPr sz="1400" b="0" i="0" u="none" strike="noStrike" cap="none">
           <a:solidFill>
             <a:srgbClr val="000000"/>
           </a:solidFill>
@@ -6674,7 +7031,7 @@
           <a:sym typeface="Arial"/>
         </a:defRPr>
       </a:lvl5pPr>
-      <a:lvl6pPr lvl="5" marR="0" rtl="0" algn="l">
+      <a:lvl6pPr marR="0" lvl="5" algn="l" rtl="0">
         <a:lnSpc>
           <a:spcPct val="100000"/>
         </a:lnSpc>
@@ -6688,7 +7045,7 @@
           <a:srgbClr val="000000"/>
         </a:buClr>
         <a:buFont typeface="Arial"/>
-        <a:defRPr b="0" i="0" sz="1400" u="none" cap="none" strike="noStrike">
+        <a:defRPr sz="1400" b="0" i="0" u="none" strike="noStrike" cap="none">
           <a:solidFill>
             <a:srgbClr val="000000"/>
           </a:solidFill>
@@ -6698,7 +7055,7 @@
           <a:sym typeface="Arial"/>
         </a:defRPr>
       </a:lvl6pPr>
-      <a:lvl7pPr lvl="6" marR="0" rtl="0" algn="l">
+      <a:lvl7pPr marR="0" lvl="6" algn="l" rtl="0">
         <a:lnSpc>
           <a:spcPct val="100000"/>
         </a:lnSpc>
@@ -6712,7 +7069,7 @@
           <a:srgbClr val="000000"/>
         </a:buClr>
         <a:buFont typeface="Arial"/>
-        <a:defRPr b="0" i="0" sz="1400" u="none" cap="none" strike="noStrike">
+        <a:defRPr sz="1400" b="0" i="0" u="none" strike="noStrike" cap="none">
           <a:solidFill>
             <a:srgbClr val="000000"/>
           </a:solidFill>
@@ -6722,7 +7079,7 @@
           <a:sym typeface="Arial"/>
         </a:defRPr>
       </a:lvl7pPr>
-      <a:lvl8pPr lvl="7" marR="0" rtl="0" algn="l">
+      <a:lvl8pPr marR="0" lvl="7" algn="l" rtl="0">
         <a:lnSpc>
           <a:spcPct val="100000"/>
         </a:lnSpc>
@@ -6736,7 +7093,7 @@
           <a:srgbClr val="000000"/>
         </a:buClr>
         <a:buFont typeface="Arial"/>
-        <a:defRPr b="0" i="0" sz="1400" u="none" cap="none" strike="noStrike">
+        <a:defRPr sz="1400" b="0" i="0" u="none" strike="noStrike" cap="none">
           <a:solidFill>
             <a:srgbClr val="000000"/>
           </a:solidFill>
@@ -6746,7 +7103,7 @@
           <a:sym typeface="Arial"/>
         </a:defRPr>
       </a:lvl8pPr>
-      <a:lvl9pPr lvl="8" marR="0" rtl="0" algn="l">
+      <a:lvl9pPr marR="0" lvl="8" algn="l" rtl="0">
         <a:lnSpc>
           <a:spcPct val="100000"/>
         </a:lnSpc>
@@ -6760,7 +7117,7 @@
           <a:srgbClr val="000000"/>
         </a:buClr>
         <a:buFont typeface="Arial"/>
-        <a:defRPr b="0" i="0" sz="1400" u="none" cap="none" strike="noStrike">
+        <a:defRPr sz="1400" b="0" i="0" u="none" strike="noStrike" cap="none">
           <a:solidFill>
             <a:srgbClr val="000000"/>
           </a:solidFill>
@@ -6776,11 +7133,11 @@
 </file>
 
 <file path=ppt/slides/slide1.xml><?xml version="1.0" encoding="utf-8"?>
-<p:sld xmlns:a="http://schemas.openxmlformats.org/drawingml/2006/main" xmlns:r="http://schemas.openxmlformats.org/officeDocument/2006/relationships" xmlns:mc="http://schemas.openxmlformats.org/markup-compatibility/2006" xmlns:mv="urn:schemas-microsoft-com:mac:vml" xmlns:p="http://schemas.openxmlformats.org/presentationml/2006/main" xmlns:c="http://schemas.openxmlformats.org/drawingml/2006/chart" xmlns:dgm="http://schemas.openxmlformats.org/drawingml/2006/diagram" xmlns:o="urn:schemas-microsoft-com:office:office" xmlns:v="urn:schemas-microsoft-com:vml" xmlns:pvml="urn:schemas-microsoft-com:office:powerpoint" xmlns:com="http://schemas.openxmlformats.org/drawingml/2006/compatibility" xmlns:p14="http://schemas.microsoft.com/office/powerpoint/2010/main" xmlns:p15="http://schemas.microsoft.com/office/powerpoint/2012/main" xmlns:ahyp="http://schemas.microsoft.com/office/drawing/2018/hyperlinkcolor">
+<p:sld xmlns:a="http://schemas.openxmlformats.org/drawingml/2006/main" xmlns:r="http://schemas.openxmlformats.org/officeDocument/2006/relationships" xmlns:p="http://schemas.openxmlformats.org/presentationml/2006/main">
   <p:cSld>
     <p:spTree>
       <p:nvGrpSpPr>
-        <p:cNvPr id="58" name="Shape 58"/>
+        <p:cNvPr id="1" name="Shape 58"/>
         <p:cNvGrpSpPr/>
         <p:nvPr/>
       </p:nvGrpSpPr>
@@ -6795,7 +7152,9 @@
       <p:sp>
         <p:nvSpPr>
           <p:cNvPr id="59" name="Google Shape;59;p13"/>
-          <p:cNvSpPr txBox="1"/>
+          <p:cNvSpPr txBox="1">
+            <a:spLocks noGrp="1"/>
+          </p:cNvSpPr>
           <p:nvPr>
             <p:ph type="ctrTitle"/>
           </p:nvPr>
@@ -6810,12 +7169,12 @@
           </a:prstGeom>
         </p:spPr>
         <p:txBody>
-          <a:bodyPr anchorCtr="0" anchor="b" bIns="91425" lIns="91425" spcFirstLastPara="1" rIns="91425" wrap="square" tIns="91425">
+          <a:bodyPr spcFirstLastPara="1" wrap="square" lIns="91425" tIns="91425" rIns="91425" bIns="91425" anchor="b" anchorCtr="0">
             <a:noAutofit/>
           </a:bodyPr>
           <a:lstStyle/>
           <a:p>
-            <a:pPr indent="0" lvl="0" marL="0" rtl="0" algn="l">
+            <a:pPr marL="0" lvl="0" indent="0" algn="l" rtl="0">
               <a:spcBef>
                 <a:spcPts val="0"/>
               </a:spcBef>
@@ -6835,9 +7194,11 @@
       <p:sp>
         <p:nvSpPr>
           <p:cNvPr id="60" name="Google Shape;60;p13"/>
-          <p:cNvSpPr txBox="1"/>
+          <p:cNvSpPr txBox="1">
+            <a:spLocks noGrp="1"/>
+          </p:cNvSpPr>
           <p:nvPr>
-            <p:ph idx="1" type="subTitle"/>
+            <p:ph type="subTitle" idx="1"/>
           </p:nvPr>
         </p:nvSpPr>
         <p:spPr>
@@ -6850,12 +7211,12 @@
           </a:prstGeom>
         </p:spPr>
         <p:txBody>
-          <a:bodyPr anchorCtr="0" anchor="t" bIns="91425" lIns="91425" spcFirstLastPara="1" rIns="91425" wrap="square" tIns="91425">
+          <a:bodyPr spcFirstLastPara="1" wrap="square" lIns="91425" tIns="91425" rIns="91425" bIns="91425" anchor="t" anchorCtr="0">
             <a:noAutofit/>
           </a:bodyPr>
           <a:lstStyle/>
           <a:p>
-            <a:pPr indent="0" lvl="0" marL="0" rtl="0" algn="l">
+            <a:pPr marL="0" lvl="0" indent="0" algn="l" rtl="0">
               <a:spcBef>
                 <a:spcPts val="0"/>
               </a:spcBef>
@@ -6877,15 +7238,22 @@
   <p:clrMapOvr>
     <a:masterClrMapping/>
   </p:clrMapOvr>
+  <p:timing>
+    <p:tnLst>
+      <p:par>
+        <p:cTn id="1" dur="indefinite" restart="never" nodeType="tmRoot"/>
+      </p:par>
+    </p:tnLst>
+  </p:timing>
 </p:sld>
 </file>
 
 <file path=ppt/slides/slide2.xml><?xml version="1.0" encoding="utf-8"?>
-<p:sld xmlns:a="http://schemas.openxmlformats.org/drawingml/2006/main" xmlns:r="http://schemas.openxmlformats.org/officeDocument/2006/relationships" xmlns:mc="http://schemas.openxmlformats.org/markup-compatibility/2006" xmlns:mv="urn:schemas-microsoft-com:mac:vml" xmlns:p="http://schemas.openxmlformats.org/presentationml/2006/main" xmlns:c="http://schemas.openxmlformats.org/drawingml/2006/chart" xmlns:dgm="http://schemas.openxmlformats.org/drawingml/2006/diagram" xmlns:o="urn:schemas-microsoft-com:office:office" xmlns:v="urn:schemas-microsoft-com:vml" xmlns:pvml="urn:schemas-microsoft-com:office:powerpoint" xmlns:com="http://schemas.openxmlformats.org/drawingml/2006/compatibility" xmlns:p14="http://schemas.microsoft.com/office/powerpoint/2010/main" xmlns:p15="http://schemas.microsoft.com/office/powerpoint/2012/main" xmlns:ahyp="http://schemas.microsoft.com/office/drawing/2018/hyperlinkcolor">
+<p:sld xmlns:a="http://schemas.openxmlformats.org/drawingml/2006/main" xmlns:r="http://schemas.openxmlformats.org/officeDocument/2006/relationships" xmlns:p="http://schemas.openxmlformats.org/presentationml/2006/main">
   <p:cSld>
     <p:spTree>
       <p:nvGrpSpPr>
-        <p:cNvPr id="64" name="Shape 64"/>
+        <p:cNvPr id="1" name="Shape 64"/>
         <p:cNvGrpSpPr/>
         <p:nvPr/>
       </p:nvGrpSpPr>
@@ -6900,7 +7268,9 @@
       <p:sp>
         <p:nvSpPr>
           <p:cNvPr id="65" name="Google Shape;65;p14"/>
-          <p:cNvSpPr txBox="1"/>
+          <p:cNvSpPr txBox="1">
+            <a:spLocks noGrp="1"/>
+          </p:cNvSpPr>
           <p:nvPr>
             <p:ph type="title"/>
           </p:nvPr>
@@ -6915,12 +7285,12 @@
           </a:prstGeom>
         </p:spPr>
         <p:txBody>
-          <a:bodyPr anchorCtr="0" anchor="b" bIns="91425" lIns="91425" spcFirstLastPara="1" rIns="91425" wrap="square" tIns="91425">
+          <a:bodyPr spcFirstLastPara="1" wrap="square" lIns="91425" tIns="91425" rIns="91425" bIns="91425" anchor="b" anchorCtr="0">
             <a:noAutofit/>
           </a:bodyPr>
           <a:lstStyle/>
           <a:p>
-            <a:pPr indent="0" lvl="0" marL="0" rtl="0" algn="ctr">
+            <a:pPr marL="0" lvl="0" indent="0" algn="ctr" rtl="0">
               <a:spcBef>
                 <a:spcPts val="0"/>
               </a:spcBef>
@@ -6940,9 +7310,11 @@
       <p:sp>
         <p:nvSpPr>
           <p:cNvPr id="66" name="Google Shape;66;p14"/>
-          <p:cNvSpPr txBox="1"/>
+          <p:cNvSpPr txBox="1">
+            <a:spLocks noGrp="1"/>
+          </p:cNvSpPr>
           <p:nvPr>
-            <p:ph idx="1" type="subTitle"/>
+            <p:ph type="subTitle" idx="1"/>
           </p:nvPr>
         </p:nvSpPr>
         <p:spPr>
@@ -6955,12 +7327,12 @@
           </a:prstGeom>
         </p:spPr>
         <p:txBody>
-          <a:bodyPr anchorCtr="0" anchor="t" bIns="91425" lIns="91425" spcFirstLastPara="1" rIns="91425" wrap="square" tIns="91425">
+          <a:bodyPr spcFirstLastPara="1" wrap="square" lIns="91425" tIns="91425" rIns="91425" bIns="91425" anchor="t" anchorCtr="0">
             <a:noAutofit/>
           </a:bodyPr>
           <a:lstStyle/>
           <a:p>
-            <a:pPr indent="0" lvl="0" marL="0" rtl="0" algn="ctr">
+            <a:pPr marL="0" lvl="0" indent="0" algn="ctr" rtl="0">
               <a:spcBef>
                 <a:spcPts val="0"/>
               </a:spcBef>
@@ -6980,9 +7352,11 @@
       <p:sp>
         <p:nvSpPr>
           <p:cNvPr id="67" name="Google Shape;67;p14"/>
-          <p:cNvSpPr txBox="1"/>
+          <p:cNvSpPr txBox="1">
+            <a:spLocks noGrp="1"/>
+          </p:cNvSpPr>
           <p:nvPr>
-            <p:ph idx="2" type="body"/>
+            <p:ph type="body" idx="2"/>
           </p:nvPr>
         </p:nvSpPr>
         <p:spPr>
@@ -6995,12 +7369,12 @@
           </a:prstGeom>
         </p:spPr>
         <p:txBody>
-          <a:bodyPr anchorCtr="0" anchor="ctr" bIns="91425" lIns="91425" spcFirstLastPara="1" rIns="91425" wrap="square" tIns="91425">
+          <a:bodyPr spcFirstLastPara="1" wrap="square" lIns="91425" tIns="91425" rIns="91425" bIns="91425" anchor="ctr" anchorCtr="0">
             <a:noAutofit/>
           </a:bodyPr>
           <a:lstStyle/>
           <a:p>
-            <a:pPr indent="-342900" lvl="0" marL="457200" rtl="0" algn="l">
+            <a:pPr marL="457200" lvl="0" indent="-342900" algn="l" rtl="0">
               <a:spcBef>
                 <a:spcPts val="0"/>
               </a:spcBef>
@@ -7017,7 +7391,7 @@
             <a:endParaRPr/>
           </a:p>
           <a:p>
-            <a:pPr indent="-342900" lvl="0" marL="457200" rtl="0" algn="l">
+            <a:pPr marL="457200" lvl="0" indent="-342900" algn="l" rtl="0">
               <a:spcBef>
                 <a:spcPts val="1600"/>
               </a:spcBef>
@@ -7034,7 +7408,7 @@
             <a:endParaRPr/>
           </a:p>
           <a:p>
-            <a:pPr indent="-342900" lvl="0" marL="457200" rtl="0" algn="l">
+            <a:pPr marL="457200" lvl="0" indent="-342900" algn="l" rtl="0">
               <a:spcBef>
                 <a:spcPts val="1600"/>
               </a:spcBef>
@@ -7051,7 +7425,7 @@
             <a:endParaRPr/>
           </a:p>
           <a:p>
-            <a:pPr indent="-342900" lvl="0" marL="457200" rtl="0" algn="l">
+            <a:pPr marL="457200" lvl="0" indent="-342900" algn="l" rtl="0">
               <a:spcBef>
                 <a:spcPts val="1600"/>
               </a:spcBef>
@@ -7102,15 +7476,22 @@
   <p:clrMapOvr>
     <a:masterClrMapping/>
   </p:clrMapOvr>
+  <p:timing>
+    <p:tnLst>
+      <p:par>
+        <p:cTn id="1" dur="indefinite" restart="never" nodeType="tmRoot"/>
+      </p:par>
+    </p:tnLst>
+  </p:timing>
 </p:sld>
 </file>
 
 <file path=ppt/slides/slide3.xml><?xml version="1.0" encoding="utf-8"?>
-<p:sld xmlns:a="http://schemas.openxmlformats.org/drawingml/2006/main" xmlns:r="http://schemas.openxmlformats.org/officeDocument/2006/relationships" xmlns:mc="http://schemas.openxmlformats.org/markup-compatibility/2006" xmlns:mv="urn:schemas-microsoft-com:mac:vml" xmlns:p="http://schemas.openxmlformats.org/presentationml/2006/main" xmlns:c="http://schemas.openxmlformats.org/drawingml/2006/chart" xmlns:dgm="http://schemas.openxmlformats.org/drawingml/2006/diagram" xmlns:o="urn:schemas-microsoft-com:office:office" xmlns:v="urn:schemas-microsoft-com:vml" xmlns:pvml="urn:schemas-microsoft-com:office:powerpoint" xmlns:com="http://schemas.openxmlformats.org/drawingml/2006/compatibility" xmlns:p14="http://schemas.microsoft.com/office/powerpoint/2010/main" xmlns:p15="http://schemas.microsoft.com/office/powerpoint/2012/main" xmlns:ahyp="http://schemas.microsoft.com/office/drawing/2018/hyperlinkcolor">
+<p:sld xmlns:a="http://schemas.openxmlformats.org/drawingml/2006/main" xmlns:r="http://schemas.openxmlformats.org/officeDocument/2006/relationships" xmlns:p="http://schemas.openxmlformats.org/presentationml/2006/main">
   <p:cSld>
     <p:spTree>
       <p:nvGrpSpPr>
-        <p:cNvPr id="72" name="Shape 72"/>
+        <p:cNvPr id="1" name="Shape 72"/>
         <p:cNvGrpSpPr/>
         <p:nvPr/>
       </p:nvGrpSpPr>
@@ -7125,7 +7506,9 @@
       <p:sp>
         <p:nvSpPr>
           <p:cNvPr id="73" name="Google Shape;73;p15"/>
-          <p:cNvSpPr txBox="1"/>
+          <p:cNvSpPr txBox="1">
+            <a:spLocks noGrp="1"/>
+          </p:cNvSpPr>
           <p:nvPr>
             <p:ph type="title"/>
           </p:nvPr>
@@ -7140,12 +7523,12 @@
           </a:prstGeom>
         </p:spPr>
         <p:txBody>
-          <a:bodyPr anchorCtr="0" anchor="b" bIns="91425" lIns="91425" spcFirstLastPara="1" rIns="91425" wrap="square" tIns="91425">
+          <a:bodyPr spcFirstLastPara="1" wrap="square" lIns="91425" tIns="91425" rIns="91425" bIns="91425" anchor="b" anchorCtr="0">
             <a:noAutofit/>
           </a:bodyPr>
           <a:lstStyle/>
           <a:p>
-            <a:pPr indent="0" lvl="0" marL="0" rtl="0" algn="ctr">
+            <a:pPr marL="0" lvl="0" indent="0" algn="ctr" rtl="0">
               <a:spcBef>
                 <a:spcPts val="0"/>
               </a:spcBef>
@@ -7165,9 +7548,11 @@
       <p:sp>
         <p:nvSpPr>
           <p:cNvPr id="74" name="Google Shape;74;p15"/>
-          <p:cNvSpPr txBox="1"/>
+          <p:cNvSpPr txBox="1">
+            <a:spLocks noGrp="1"/>
+          </p:cNvSpPr>
           <p:nvPr>
-            <p:ph idx="1" type="subTitle"/>
+            <p:ph type="subTitle" idx="1"/>
           </p:nvPr>
         </p:nvSpPr>
         <p:spPr>
@@ -7180,12 +7565,12 @@
           </a:prstGeom>
         </p:spPr>
         <p:txBody>
-          <a:bodyPr anchorCtr="0" anchor="t" bIns="91425" lIns="91425" spcFirstLastPara="1" rIns="91425" wrap="square" tIns="91425">
+          <a:bodyPr spcFirstLastPara="1" wrap="square" lIns="91425" tIns="91425" rIns="91425" bIns="91425" anchor="t" anchorCtr="0">
             <a:noAutofit/>
           </a:bodyPr>
           <a:lstStyle/>
           <a:p>
-            <a:pPr indent="0" lvl="0" marL="0" rtl="0" algn="ctr">
+            <a:pPr marL="0" lvl="0" indent="0" algn="ctr" rtl="0">
               <a:spcBef>
                 <a:spcPts val="0"/>
               </a:spcBef>
@@ -7196,11 +7581,7 @@
             </a:pPr>
             <a:r>
               <a:rPr lang="en"/>
-              <a:t>Clean Fetched data</a:t>
-            </a:r>
-            <a:r>
-              <a:rPr lang="en"/>
-              <a:t>.</a:t>
+              <a:t>Clean Fetched data.</a:t>
             </a:r>
             <a:endParaRPr/>
           </a:p>
@@ -7209,9 +7590,11 @@
       <p:sp>
         <p:nvSpPr>
           <p:cNvPr id="75" name="Google Shape;75;p15"/>
-          <p:cNvSpPr txBox="1"/>
+          <p:cNvSpPr txBox="1">
+            <a:spLocks noGrp="1"/>
+          </p:cNvSpPr>
           <p:nvPr>
-            <p:ph idx="2" type="body"/>
+            <p:ph type="body" idx="2"/>
           </p:nvPr>
         </p:nvSpPr>
         <p:spPr>
@@ -7224,12 +7607,12 @@
           </a:prstGeom>
         </p:spPr>
         <p:txBody>
-          <a:bodyPr anchorCtr="0" anchor="ctr" bIns="91425" lIns="91425" spcFirstLastPara="1" rIns="91425" wrap="square" tIns="91425">
+          <a:bodyPr spcFirstLastPara="1" wrap="square" lIns="91425" tIns="91425" rIns="91425" bIns="91425" anchor="ctr" anchorCtr="0">
             <a:noAutofit/>
           </a:bodyPr>
           <a:lstStyle/>
           <a:p>
-            <a:pPr indent="-342900" lvl="0" marL="457200" rtl="0" algn="l">
+            <a:pPr marL="457200" lvl="0" indent="-342900" algn="l" rtl="0">
               <a:spcBef>
                 <a:spcPts val="0"/>
               </a:spcBef>
@@ -7246,7 +7629,7 @@
             <a:endParaRPr/>
           </a:p>
           <a:p>
-            <a:pPr indent="-342900" lvl="0" marL="457200" rtl="0" algn="l">
+            <a:pPr marL="457200" lvl="0" indent="-342900" algn="l" rtl="0">
               <a:spcBef>
                 <a:spcPts val="1600"/>
               </a:spcBef>
@@ -7263,7 +7646,7 @@
             <a:endParaRPr/>
           </a:p>
           <a:p>
-            <a:pPr indent="0" lvl="0" marL="457200" rtl="0" algn="l">
+            <a:pPr marL="457200" lvl="0" indent="0" algn="l" rtl="0">
               <a:spcBef>
                 <a:spcPts val="1600"/>
               </a:spcBef>
@@ -7279,7 +7662,7 @@
             <a:endParaRPr/>
           </a:p>
           <a:p>
-            <a:pPr indent="-342900" lvl="0" marL="457200" rtl="0" algn="l">
+            <a:pPr marL="457200" lvl="0" indent="-342900" algn="l" rtl="0">
               <a:spcBef>
                 <a:spcPts val="1600"/>
               </a:spcBef>
@@ -7296,7 +7679,7 @@
             <a:endParaRPr/>
           </a:p>
           <a:p>
-            <a:pPr indent="-342900" lvl="0" marL="457200" rtl="0" algn="l">
+            <a:pPr marL="457200" lvl="0" indent="-342900" algn="l" rtl="0">
               <a:spcBef>
                 <a:spcPts val="1600"/>
               </a:spcBef>
@@ -7347,15 +7730,22 @@
   <p:clrMapOvr>
     <a:masterClrMapping/>
   </p:clrMapOvr>
+  <p:timing>
+    <p:tnLst>
+      <p:par>
+        <p:cTn id="1" dur="indefinite" restart="never" nodeType="tmRoot"/>
+      </p:par>
+    </p:tnLst>
+  </p:timing>
 </p:sld>
 </file>
 
 <file path=ppt/slides/slide4.xml><?xml version="1.0" encoding="utf-8"?>
-<p:sld xmlns:a="http://schemas.openxmlformats.org/drawingml/2006/main" xmlns:r="http://schemas.openxmlformats.org/officeDocument/2006/relationships" xmlns:mc="http://schemas.openxmlformats.org/markup-compatibility/2006" xmlns:mv="urn:schemas-microsoft-com:mac:vml" xmlns:p="http://schemas.openxmlformats.org/presentationml/2006/main" xmlns:c="http://schemas.openxmlformats.org/drawingml/2006/chart" xmlns:dgm="http://schemas.openxmlformats.org/drawingml/2006/diagram" xmlns:o="urn:schemas-microsoft-com:office:office" xmlns:v="urn:schemas-microsoft-com:vml" xmlns:pvml="urn:schemas-microsoft-com:office:powerpoint" xmlns:com="http://schemas.openxmlformats.org/drawingml/2006/compatibility" xmlns:p14="http://schemas.microsoft.com/office/powerpoint/2010/main" xmlns:p15="http://schemas.microsoft.com/office/powerpoint/2012/main" xmlns:ahyp="http://schemas.microsoft.com/office/drawing/2018/hyperlinkcolor">
+<p:sld xmlns:a="http://schemas.openxmlformats.org/drawingml/2006/main" xmlns:r="http://schemas.openxmlformats.org/officeDocument/2006/relationships" xmlns:p="http://schemas.openxmlformats.org/presentationml/2006/main">
   <p:cSld>
     <p:spTree>
       <p:nvGrpSpPr>
-        <p:cNvPr id="80" name="Shape 80"/>
+        <p:cNvPr id="1" name="Shape 80"/>
         <p:cNvGrpSpPr/>
         <p:nvPr/>
       </p:nvGrpSpPr>
@@ -7370,7 +7760,9 @@
       <p:sp>
         <p:nvSpPr>
           <p:cNvPr id="81" name="Google Shape;81;p16"/>
-          <p:cNvSpPr txBox="1"/>
+          <p:cNvSpPr txBox="1">
+            <a:spLocks noGrp="1"/>
+          </p:cNvSpPr>
           <p:nvPr>
             <p:ph type="title"/>
           </p:nvPr>
@@ -7385,12 +7777,12 @@
           </a:prstGeom>
         </p:spPr>
         <p:txBody>
-          <a:bodyPr anchorCtr="0" anchor="b" bIns="91425" lIns="91425" spcFirstLastPara="1" rIns="91425" wrap="square" tIns="91425">
+          <a:bodyPr spcFirstLastPara="1" wrap="square" lIns="91425" tIns="91425" rIns="91425" bIns="91425" anchor="b" anchorCtr="0">
             <a:noAutofit/>
           </a:bodyPr>
           <a:lstStyle/>
           <a:p>
-            <a:pPr indent="0" lvl="0" marL="0" rtl="0" algn="ctr">
+            <a:pPr marL="0" lvl="0" indent="0" algn="ctr" rtl="0">
               <a:spcBef>
                 <a:spcPts val="0"/>
               </a:spcBef>
@@ -7406,7 +7798,7 @@
             <a:endParaRPr/>
           </a:p>
           <a:p>
-            <a:pPr indent="0" lvl="0" marL="0" rtl="0" algn="ctr">
+            <a:pPr marL="0" lvl="0" indent="0" algn="ctr" rtl="0">
               <a:spcBef>
                 <a:spcPts val="0"/>
               </a:spcBef>
@@ -7426,9 +7818,11 @@
       <p:sp>
         <p:nvSpPr>
           <p:cNvPr id="82" name="Google Shape;82;p16"/>
-          <p:cNvSpPr txBox="1"/>
+          <p:cNvSpPr txBox="1">
+            <a:spLocks noGrp="1"/>
+          </p:cNvSpPr>
           <p:nvPr>
-            <p:ph idx="1" type="subTitle"/>
+            <p:ph type="subTitle" idx="1"/>
           </p:nvPr>
         </p:nvSpPr>
         <p:spPr>
@@ -7441,12 +7835,12 @@
           </a:prstGeom>
         </p:spPr>
         <p:txBody>
-          <a:bodyPr anchorCtr="0" anchor="t" bIns="91425" lIns="91425" spcFirstLastPara="1" rIns="91425" wrap="square" tIns="91425">
+          <a:bodyPr spcFirstLastPara="1" wrap="square" lIns="91425" tIns="91425" rIns="91425" bIns="91425" anchor="t" anchorCtr="0">
             <a:noAutofit/>
           </a:bodyPr>
           <a:lstStyle/>
           <a:p>
-            <a:pPr indent="0" lvl="0" marL="0" rtl="0" algn="ctr">
+            <a:pPr marL="0" lvl="0" indent="0" algn="ctr" rtl="0">
               <a:spcBef>
                 <a:spcPts val="0"/>
               </a:spcBef>
@@ -7457,11 +7851,7 @@
             </a:pPr>
             <a:r>
               <a:rPr lang="en"/>
-              <a:t>Train ML model</a:t>
-            </a:r>
-            <a:r>
-              <a:rPr lang="en"/>
-              <a:t>.</a:t>
+              <a:t>Train ML model.</a:t>
             </a:r>
             <a:endParaRPr/>
           </a:p>
@@ -7470,9 +7860,11 @@
       <p:sp>
         <p:nvSpPr>
           <p:cNvPr id="83" name="Google Shape;83;p16"/>
-          <p:cNvSpPr txBox="1"/>
+          <p:cNvSpPr txBox="1">
+            <a:spLocks noGrp="1"/>
+          </p:cNvSpPr>
           <p:nvPr>
-            <p:ph idx="2" type="body"/>
+            <p:ph type="body" idx="2"/>
           </p:nvPr>
         </p:nvSpPr>
         <p:spPr>
@@ -7485,12 +7877,12 @@
           </a:prstGeom>
         </p:spPr>
         <p:txBody>
-          <a:bodyPr anchorCtr="0" anchor="ctr" bIns="91425" lIns="91425" spcFirstLastPara="1" rIns="91425" wrap="square" tIns="91425">
+          <a:bodyPr spcFirstLastPara="1" wrap="square" lIns="91425" tIns="91425" rIns="91425" bIns="91425" anchor="ctr" anchorCtr="0">
             <a:noAutofit/>
           </a:bodyPr>
           <a:lstStyle/>
           <a:p>
-            <a:pPr indent="-342900" lvl="0" marL="457200" rtl="0" algn="l">
+            <a:pPr marL="457200" lvl="0" indent="-342900" algn="l" rtl="0">
               <a:spcBef>
                 <a:spcPts val="0"/>
               </a:spcBef>
@@ -7507,7 +7899,7 @@
             <a:endParaRPr/>
           </a:p>
           <a:p>
-            <a:pPr indent="-342900" lvl="0" marL="457200" rtl="0" algn="l">
+            <a:pPr marL="457200" lvl="0" indent="-342900" algn="l" rtl="0">
               <a:spcBef>
                 <a:spcPts val="1600"/>
               </a:spcBef>
@@ -7519,20 +7911,12 @@
             </a:pPr>
             <a:r>
               <a:rPr lang="en"/>
-              <a:t>Create TFIDF to represent text as numbers and give words weight based on it’s </a:t>
-            </a:r>
-            <a:r>
-              <a:rPr lang="en"/>
-              <a:t>frequency</a:t>
-            </a:r>
-            <a:r>
-              <a:rPr lang="en"/>
-              <a:t>. </a:t>
+              <a:t>Create TFIDF to represent text as numbers and give words weight based on it’s frequency. </a:t>
             </a:r>
             <a:endParaRPr/>
           </a:p>
           <a:p>
-            <a:pPr indent="-342900" lvl="0" marL="457200" rtl="0" algn="l">
+            <a:pPr marL="457200" lvl="0" indent="-342900" algn="l" rtl="0">
               <a:spcBef>
                 <a:spcPts val="1600"/>
               </a:spcBef>
@@ -7544,20 +7928,12 @@
             </a:pPr>
             <a:r>
               <a:rPr lang="en"/>
-              <a:t>Create linear SVC object with class_weight balanced </a:t>
-            </a:r>
-            <a:r>
-              <a:rPr lang="en"/>
-              <a:t>because</a:t>
-            </a:r>
-            <a:r>
-              <a:rPr lang="en"/>
-              <a:t> data is imbalanced.</a:t>
+              <a:t>Create linear SVC object with class_weight balanced because data is imbalanced.</a:t>
             </a:r>
             <a:endParaRPr/>
           </a:p>
           <a:p>
-            <a:pPr indent="-342900" lvl="0" marL="457200" rtl="0" algn="l">
+            <a:pPr marL="457200" lvl="0" indent="-342900" algn="l" rtl="0">
               <a:spcBef>
                 <a:spcPts val="1600"/>
               </a:spcBef>
@@ -7608,15 +7984,22 @@
   <p:clrMapOvr>
     <a:masterClrMapping/>
   </p:clrMapOvr>
+  <p:timing>
+    <p:tnLst>
+      <p:par>
+        <p:cTn id="1" dur="indefinite" restart="never" nodeType="tmRoot"/>
+      </p:par>
+    </p:tnLst>
+  </p:timing>
 </p:sld>
 </file>
 
 <file path=ppt/slides/slide5.xml><?xml version="1.0" encoding="utf-8"?>
-<p:sld xmlns:a="http://schemas.openxmlformats.org/drawingml/2006/main" xmlns:r="http://schemas.openxmlformats.org/officeDocument/2006/relationships" xmlns:mc="http://schemas.openxmlformats.org/markup-compatibility/2006" xmlns:mv="urn:schemas-microsoft-com:mac:vml" xmlns:p="http://schemas.openxmlformats.org/presentationml/2006/main" xmlns:c="http://schemas.openxmlformats.org/drawingml/2006/chart" xmlns:dgm="http://schemas.openxmlformats.org/drawingml/2006/diagram" xmlns:o="urn:schemas-microsoft-com:office:office" xmlns:v="urn:schemas-microsoft-com:vml" xmlns:pvml="urn:schemas-microsoft-com:office:powerpoint" xmlns:com="http://schemas.openxmlformats.org/drawingml/2006/compatibility" xmlns:p14="http://schemas.microsoft.com/office/powerpoint/2010/main" xmlns:p15="http://schemas.microsoft.com/office/powerpoint/2012/main" xmlns:ahyp="http://schemas.microsoft.com/office/drawing/2018/hyperlinkcolor">
+<p:sld xmlns:a="http://schemas.openxmlformats.org/drawingml/2006/main" xmlns:r="http://schemas.openxmlformats.org/officeDocument/2006/relationships" xmlns:p="http://schemas.openxmlformats.org/presentationml/2006/main">
   <p:cSld>
     <p:spTree>
       <p:nvGrpSpPr>
-        <p:cNvPr id="88" name="Shape 88"/>
+        <p:cNvPr id="1" name="Shape 88"/>
         <p:cNvGrpSpPr/>
         <p:nvPr/>
       </p:nvGrpSpPr>
@@ -7631,7 +8014,9 @@
       <p:sp>
         <p:nvSpPr>
           <p:cNvPr id="89" name="Google Shape;89;p17"/>
-          <p:cNvSpPr txBox="1"/>
+          <p:cNvSpPr txBox="1">
+            <a:spLocks noGrp="1"/>
+          </p:cNvSpPr>
           <p:nvPr>
             <p:ph type="title"/>
           </p:nvPr>
@@ -7646,12 +8031,12 @@
           </a:prstGeom>
         </p:spPr>
         <p:txBody>
-          <a:bodyPr anchorCtr="0" anchor="b" bIns="91425" lIns="91425" spcFirstLastPara="1" rIns="91425" wrap="square" tIns="91425">
+          <a:bodyPr spcFirstLastPara="1" wrap="square" lIns="91425" tIns="91425" rIns="91425" bIns="91425" anchor="b" anchorCtr="0">
             <a:noAutofit/>
           </a:bodyPr>
           <a:lstStyle/>
           <a:p>
-            <a:pPr indent="0" lvl="0" marL="0" rtl="0" algn="ctr">
+            <a:pPr marL="0" lvl="0" indent="0" algn="ctr" rtl="0">
               <a:spcBef>
                 <a:spcPts val="0"/>
               </a:spcBef>
@@ -7662,16 +8047,12 @@
             </a:pPr>
             <a:r>
               <a:rPr lang="en"/>
-              <a:t>Deep</a:t>
-            </a:r>
-            <a:r>
-              <a:rPr lang="en"/>
-              <a:t> </a:t>
+              <a:t>Deep </a:t>
             </a:r>
             <a:endParaRPr/>
           </a:p>
           <a:p>
-            <a:pPr indent="0" lvl="0" marL="0" rtl="0" algn="ctr">
+            <a:pPr marL="0" lvl="0" indent="0" algn="ctr" rtl="0">
               <a:spcBef>
                 <a:spcPts val="0"/>
               </a:spcBef>
@@ -7691,9 +8072,11 @@
       <p:sp>
         <p:nvSpPr>
           <p:cNvPr id="90" name="Google Shape;90;p17"/>
-          <p:cNvSpPr txBox="1"/>
+          <p:cNvSpPr txBox="1">
+            <a:spLocks noGrp="1"/>
+          </p:cNvSpPr>
           <p:nvPr>
-            <p:ph idx="1" type="subTitle"/>
+            <p:ph type="subTitle" idx="1"/>
           </p:nvPr>
         </p:nvSpPr>
         <p:spPr>
@@ -7706,12 +8089,12 @@
           </a:prstGeom>
         </p:spPr>
         <p:txBody>
-          <a:bodyPr anchorCtr="0" anchor="t" bIns="91425" lIns="91425" spcFirstLastPara="1" rIns="91425" wrap="square" tIns="91425">
+          <a:bodyPr spcFirstLastPara="1" wrap="square" lIns="91425" tIns="91425" rIns="91425" bIns="91425" anchor="t" anchorCtr="0">
             <a:noAutofit/>
           </a:bodyPr>
           <a:lstStyle/>
           <a:p>
-            <a:pPr indent="0" lvl="0" marL="0" rtl="0" algn="ctr">
+            <a:pPr marL="0" lvl="0" indent="0" algn="ctr" rtl="0">
               <a:spcBef>
                 <a:spcPts val="0"/>
               </a:spcBef>
@@ -7731,9 +8114,11 @@
       <p:sp>
         <p:nvSpPr>
           <p:cNvPr id="91" name="Google Shape;91;p17"/>
-          <p:cNvSpPr txBox="1"/>
+          <p:cNvSpPr txBox="1">
+            <a:spLocks noGrp="1"/>
+          </p:cNvSpPr>
           <p:nvPr>
-            <p:ph idx="2" type="body"/>
+            <p:ph type="body" idx="2"/>
           </p:nvPr>
         </p:nvSpPr>
         <p:spPr>
@@ -7746,12 +8131,12 @@
           </a:prstGeom>
         </p:spPr>
         <p:txBody>
-          <a:bodyPr anchorCtr="0" anchor="ctr" bIns="91425" lIns="91425" spcFirstLastPara="1" rIns="91425" wrap="square" tIns="91425">
+          <a:bodyPr spcFirstLastPara="1" wrap="square" lIns="91425" tIns="91425" rIns="91425" bIns="91425" anchor="ctr" anchorCtr="0">
             <a:noAutofit/>
           </a:bodyPr>
           <a:lstStyle/>
           <a:p>
-            <a:pPr indent="-342900" lvl="0" marL="457200" rtl="0" algn="l">
+            <a:pPr marL="457200" lvl="0" indent="-342900" algn="l" rtl="0">
               <a:spcBef>
                 <a:spcPts val="0"/>
               </a:spcBef>
@@ -7768,7 +8153,7 @@
             <a:endParaRPr/>
           </a:p>
           <a:p>
-            <a:pPr indent="-342900" lvl="0" marL="457200" rtl="0" algn="l">
+            <a:pPr marL="457200" lvl="0" indent="-342900" algn="l" rtl="0">
               <a:spcBef>
                 <a:spcPts val="1600"/>
               </a:spcBef>
@@ -7780,20 +8165,12 @@
             </a:pPr>
             <a:r>
               <a:rPr lang="en"/>
-              <a:t>Fit tokenizer on training data to convert each text in corpus into a </a:t>
-            </a:r>
-            <a:r>
-              <a:rPr lang="en"/>
-              <a:t>sequence</a:t>
-            </a:r>
-            <a:r>
-              <a:rPr lang="en"/>
-              <a:t> of integers.</a:t>
+              <a:t>Fit tokenizer on training data to convert each text in corpus into a sequence of integers.</a:t>
             </a:r>
             <a:endParaRPr/>
           </a:p>
           <a:p>
-            <a:pPr indent="-342900" lvl="0" marL="457200" rtl="0" algn="l">
+            <a:pPr marL="457200" lvl="0" indent="-342900" algn="l" rtl="0">
               <a:spcBef>
                 <a:spcPts val="1600"/>
               </a:spcBef>
@@ -7805,20 +8182,12 @@
             </a:pPr>
             <a:r>
               <a:rPr lang="en"/>
-              <a:t>Apply pad_sequences to make all corpus of the same </a:t>
-            </a:r>
-            <a:r>
-              <a:rPr lang="en"/>
-              <a:t>length</a:t>
-            </a:r>
-            <a:r>
-              <a:rPr lang="en"/>
-              <a:t> (on matrix shape).</a:t>
+              <a:t>Apply pad_sequences to make all corpus of the same length (on matrix shape).</a:t>
             </a:r>
             <a:endParaRPr/>
           </a:p>
           <a:p>
-            <a:pPr indent="-342900" lvl="0" marL="457200" rtl="0" algn="l">
+            <a:pPr marL="457200" lvl="0" indent="-342900" algn="l" rtl="0">
               <a:spcBef>
                 <a:spcPts val="1600"/>
               </a:spcBef>
@@ -7835,7 +8204,7 @@
             <a:endParaRPr/>
           </a:p>
           <a:p>
-            <a:pPr indent="-342900" lvl="0" marL="457200" rtl="0" algn="l">
+            <a:pPr marL="457200" lvl="0" indent="-342900" algn="l" rtl="0">
               <a:spcBef>
                 <a:spcPts val="1600"/>
               </a:spcBef>
@@ -7886,15 +8255,22 @@
   <p:clrMapOvr>
     <a:masterClrMapping/>
   </p:clrMapOvr>
+  <p:timing>
+    <p:tnLst>
+      <p:par>
+        <p:cTn id="1" dur="indefinite" restart="never" nodeType="tmRoot"/>
+      </p:par>
+    </p:tnLst>
+  </p:timing>
 </p:sld>
 </file>
 
 <file path=ppt/slides/slide6.xml><?xml version="1.0" encoding="utf-8"?>
-<p:sld xmlns:a="http://schemas.openxmlformats.org/drawingml/2006/main" xmlns:r="http://schemas.openxmlformats.org/officeDocument/2006/relationships" xmlns:mc="http://schemas.openxmlformats.org/markup-compatibility/2006" xmlns:mv="urn:schemas-microsoft-com:mac:vml" xmlns:p="http://schemas.openxmlformats.org/presentationml/2006/main" xmlns:c="http://schemas.openxmlformats.org/drawingml/2006/chart" xmlns:dgm="http://schemas.openxmlformats.org/drawingml/2006/diagram" xmlns:o="urn:schemas-microsoft-com:office:office" xmlns:v="urn:schemas-microsoft-com:vml" xmlns:pvml="urn:schemas-microsoft-com:office:powerpoint" xmlns:com="http://schemas.openxmlformats.org/drawingml/2006/compatibility" xmlns:p14="http://schemas.microsoft.com/office/powerpoint/2010/main" xmlns:p15="http://schemas.microsoft.com/office/powerpoint/2012/main" xmlns:ahyp="http://schemas.microsoft.com/office/drawing/2018/hyperlinkcolor">
+<p:sld xmlns:a="http://schemas.openxmlformats.org/drawingml/2006/main" xmlns:r="http://schemas.openxmlformats.org/officeDocument/2006/relationships" xmlns:p="http://schemas.openxmlformats.org/presentationml/2006/main">
   <p:cSld>
     <p:spTree>
       <p:nvGrpSpPr>
-        <p:cNvPr id="96" name="Shape 96"/>
+        <p:cNvPr id="1" name="Shape 96"/>
         <p:cNvGrpSpPr/>
         <p:nvPr/>
       </p:nvGrpSpPr>
@@ -7909,7 +8285,371 @@
       <p:sp>
         <p:nvSpPr>
           <p:cNvPr id="97" name="Google Shape;97;p18"/>
-          <p:cNvSpPr txBox="1"/>
+          <p:cNvSpPr txBox="1">
+            <a:spLocks noGrp="1"/>
+          </p:cNvSpPr>
+          <p:nvPr>
+            <p:ph type="title"/>
+          </p:nvPr>
+        </p:nvSpPr>
+        <p:spPr>
+          <a:xfrm>
+            <a:off x="0" y="1382350"/>
+            <a:ext cx="4566000" cy="1333200"/>
+          </a:xfrm>
+          <a:prstGeom prst="rect">
+            <a:avLst/>
+          </a:prstGeom>
+        </p:spPr>
+        <p:txBody>
+          <a:bodyPr spcFirstLastPara="1" wrap="square" lIns="91425" tIns="91425" rIns="91425" bIns="91425" anchor="b" anchorCtr="0">
+            <a:noAutofit/>
+          </a:bodyPr>
+          <a:lstStyle/>
+          <a:p>
+            <a:pPr marL="0" lvl="0" indent="0" algn="ctr" rtl="0">
+              <a:spcBef>
+                <a:spcPts val="0"/>
+              </a:spcBef>
+              <a:spcAft>
+                <a:spcPts val="0"/>
+              </a:spcAft>
+              <a:buNone/>
+            </a:pPr>
+            <a:r>
+              <a:rPr lang="cs"/>
+              <a:t>Evaluation</a:t>
+            </a:r>
+            <a:endParaRPr/>
+          </a:p>
+        </p:txBody>
+      </p:sp>
+      <p:sp>
+        <p:nvSpPr>
+          <p:cNvPr id="98" name="Google Shape;98;p18"/>
+          <p:cNvSpPr txBox="1">
+            <a:spLocks noGrp="1"/>
+          </p:cNvSpPr>
+          <p:nvPr>
+            <p:ph type="subTitle" idx="1"/>
+          </p:nvPr>
+        </p:nvSpPr>
+        <p:spPr>
+          <a:xfrm>
+            <a:off x="265500" y="2769001"/>
+            <a:ext cx="4045200" cy="1345500"/>
+          </a:xfrm>
+          <a:prstGeom prst="rect">
+            <a:avLst/>
+          </a:prstGeom>
+        </p:spPr>
+        <p:txBody>
+          <a:bodyPr spcFirstLastPara="1" wrap="square" lIns="91425" tIns="91425" rIns="91425" bIns="91425" anchor="t" anchorCtr="0">
+            <a:noAutofit/>
+          </a:bodyPr>
+          <a:lstStyle/>
+          <a:p>
+            <a:pPr marL="0" lvl="0" indent="0" algn="ctr" rtl="0">
+              <a:spcBef>
+                <a:spcPts val="0"/>
+              </a:spcBef>
+              <a:spcAft>
+                <a:spcPts val="0"/>
+              </a:spcAft>
+              <a:buNone/>
+            </a:pPr>
+            <a:r>
+              <a:rPr lang="cs"/>
+              <a:t>Evaluate on test data.</a:t>
+            </a:r>
+            <a:endParaRPr/>
+          </a:p>
+        </p:txBody>
+      </p:sp>
+      <p:sp>
+        <p:nvSpPr>
+          <p:cNvPr id="99" name="Google Shape;99;p18"/>
+          <p:cNvSpPr txBox="1">
+            <a:spLocks noGrp="1"/>
+          </p:cNvSpPr>
+          <p:nvPr>
+            <p:ph type="body" idx="2"/>
+          </p:nvPr>
+        </p:nvSpPr>
+        <p:spPr>
+          <a:xfrm>
+            <a:off x="4572000" y="724200"/>
+            <a:ext cx="4646700" cy="3695100"/>
+          </a:xfrm>
+          <a:prstGeom prst="rect">
+            <a:avLst/>
+          </a:prstGeom>
+        </p:spPr>
+        <p:txBody>
+          <a:bodyPr spcFirstLastPara="1" wrap="square" lIns="91425" tIns="91425" rIns="91425" bIns="91425" anchor="ctr" anchorCtr="0">
+            <a:noAutofit/>
+          </a:bodyPr>
+          <a:lstStyle/>
+          <a:p>
+            <a:pPr marL="457200" lvl="0" indent="-342900" algn="l" rtl="0">
+              <a:spcBef>
+                <a:spcPts val="0"/>
+              </a:spcBef>
+              <a:spcAft>
+                <a:spcPts val="0"/>
+              </a:spcAft>
+              <a:buSzPts val="1800"/>
+              <a:buChar char="●"/>
+            </a:pPr>
+            <a:r>
+              <a:rPr lang="cs"/>
+              <a:t>Weighted_avg for f1-score on ML model=55% and accuracy=56%.</a:t>
+            </a:r>
+            <a:endParaRPr/>
+          </a:p>
+          <a:p>
+            <a:pPr marL="457200" lvl="0" indent="-342900" algn="l" rtl="0">
+              <a:spcBef>
+                <a:spcPts val="1600"/>
+              </a:spcBef>
+              <a:spcAft>
+                <a:spcPts val="0"/>
+              </a:spcAft>
+              <a:buSzPts val="1800"/>
+              <a:buChar char="●"/>
+            </a:pPr>
+            <a:r>
+              <a:rPr lang="cs"/>
+              <a:t>Accuracy for DL model=37%.</a:t>
+            </a:r>
+            <a:endParaRPr/>
+          </a:p>
+          <a:p>
+            <a:pPr marL="457200" lvl="0" indent="0" algn="l" rtl="0">
+              <a:spcBef>
+                <a:spcPts val="1600"/>
+              </a:spcBef>
+              <a:spcAft>
+                <a:spcPts val="1600"/>
+              </a:spcAft>
+              <a:buNone/>
+            </a:pPr>
+            <a:r>
+              <a:rPr lang="cs"/>
+              <a:t>These metrics are evaluated on 1% of test data (unseen for the models).</a:t>
+            </a:r>
+            <a:endParaRPr/>
+          </a:p>
+        </p:txBody>
+      </p:sp>
+      <p:pic>
+        <p:nvPicPr>
+          <p:cNvPr id="100" name="Google Shape;100;p18"/>
+          <p:cNvPicPr preferRelativeResize="0"/>
+          <p:nvPr/>
+        </p:nvPicPr>
+        <p:blipFill>
+          <a:blip r:embed="rId3">
+            <a:alphaModFix/>
+          </a:blip>
+          <a:stretch>
+            <a:fillRect/>
+          </a:stretch>
+        </p:blipFill>
+        <p:spPr>
+          <a:xfrm>
+            <a:off x="0" y="0"/>
+            <a:ext cx="1325275" cy="636475"/>
+          </a:xfrm>
+          <a:prstGeom prst="rect">
+            <a:avLst/>
+          </a:prstGeom>
+          <a:noFill/>
+          <a:ln>
+            <a:noFill/>
+          </a:ln>
+        </p:spPr>
+      </p:pic>
+    </p:spTree>
+    <p:extLst>
+      <p:ext uri="{BB962C8B-B14F-4D97-AF65-F5344CB8AC3E}">
+        <p14:creationId xmlns:p14="http://schemas.microsoft.com/office/powerpoint/2010/main" val="55289984"/>
+      </p:ext>
+    </p:extLst>
+  </p:cSld>
+  <p:clrMapOvr>
+    <a:masterClrMapping/>
+  </p:clrMapOvr>
+  <p:timing>
+    <p:tnLst>
+      <p:par>
+        <p:cTn id="1" dur="indefinite" restart="never" nodeType="tmRoot"/>
+      </p:par>
+    </p:tnLst>
+  </p:timing>
+</p:sld>
+</file>
+
+<file path=ppt/slides/slide7.xml><?xml version="1.0" encoding="utf-8"?>
+<p:sld xmlns:a="http://schemas.openxmlformats.org/drawingml/2006/main" xmlns:r="http://schemas.openxmlformats.org/officeDocument/2006/relationships" xmlns:p="http://schemas.openxmlformats.org/presentationml/2006/main">
+  <p:cSld>
+    <p:spTree>
+      <p:nvGrpSpPr>
+        <p:cNvPr id="1" name="Shape 135"/>
+        <p:cNvGrpSpPr/>
+        <p:nvPr/>
+      </p:nvGrpSpPr>
+      <p:grpSpPr>
+        <a:xfrm>
+          <a:off x="0" y="0"/>
+          <a:ext cx="0" cy="0"/>
+          <a:chOff x="0" y="0"/>
+          <a:chExt cx="0" cy="0"/>
+        </a:xfrm>
+      </p:grpSpPr>
+      <p:sp>
+        <p:nvSpPr>
+          <p:cNvPr id="136" name="Google Shape;136;p25"/>
+          <p:cNvSpPr txBox="1">
+            <a:spLocks noGrp="1"/>
+          </p:cNvSpPr>
+          <p:nvPr>
+            <p:ph type="title"/>
+          </p:nvPr>
+        </p:nvSpPr>
+        <p:spPr>
+          <a:xfrm>
+            <a:off x="311700" y="445025"/>
+            <a:ext cx="8520600" cy="613200"/>
+          </a:xfrm>
+          <a:prstGeom prst="rect">
+            <a:avLst/>
+          </a:prstGeom>
+        </p:spPr>
+        <p:txBody>
+          <a:bodyPr spcFirstLastPara="1" wrap="square" lIns="91425" tIns="91425" rIns="91425" bIns="91425" anchor="t" anchorCtr="0">
+            <a:noAutofit/>
+          </a:bodyPr>
+          <a:lstStyle/>
+          <a:p>
+            <a:pPr marL="0" lvl="0" indent="0" algn="l" rtl="0">
+              <a:spcBef>
+                <a:spcPts val="0"/>
+              </a:spcBef>
+              <a:spcAft>
+                <a:spcPts val="0"/>
+              </a:spcAft>
+              <a:buNone/>
+            </a:pPr>
+            <a:r>
+              <a:rPr lang="en" dirty="0"/>
+              <a:t>Conclusion</a:t>
+            </a:r>
+            <a:endParaRPr dirty="0"/>
+          </a:p>
+        </p:txBody>
+      </p:sp>
+      <p:sp>
+        <p:nvSpPr>
+          <p:cNvPr id="137" name="Google Shape;137;p25"/>
+          <p:cNvSpPr txBox="1">
+            <a:spLocks noGrp="1"/>
+          </p:cNvSpPr>
+          <p:nvPr>
+            <p:ph type="body" idx="1"/>
+          </p:nvPr>
+        </p:nvSpPr>
+        <p:spPr>
+          <a:xfrm>
+            <a:off x="311700" y="1171600"/>
+            <a:ext cx="8520600" cy="3397200"/>
+          </a:xfrm>
+          <a:prstGeom prst="rect">
+            <a:avLst/>
+          </a:prstGeom>
+        </p:spPr>
+        <p:txBody>
+          <a:bodyPr spcFirstLastPara="1" wrap="square" lIns="91425" tIns="91425" rIns="91425" bIns="91425" anchor="t" anchorCtr="0">
+            <a:noAutofit/>
+          </a:bodyPr>
+          <a:lstStyle/>
+          <a:p>
+            <a:pPr marL="0" lvl="0" indent="0">
+              <a:spcAft>
+                <a:spcPts val="1600"/>
+              </a:spcAft>
+              <a:buNone/>
+            </a:pPr>
+            <a:r>
+              <a:rPr lang="en-US" dirty="0"/>
+              <a:t>This task is very hard to achieve high accuracy, but we can use transformers to achieve higher than this accuracy.</a:t>
+            </a:r>
+          </a:p>
+          <a:p>
+            <a:pPr marL="0" lvl="0" indent="0">
+              <a:spcAft>
+                <a:spcPts val="1600"/>
+              </a:spcAft>
+              <a:buNone/>
+            </a:pPr>
+            <a:r>
+              <a:rPr lang="en-US" dirty="0"/>
+              <a:t>Dl model accuracy can be improved by tuning </a:t>
+            </a:r>
+            <a:r>
+              <a:rPr lang="en-US" dirty="0" err="1"/>
+              <a:t>hyperparameters</a:t>
+            </a:r>
+            <a:r>
+              <a:rPr lang="en-US" dirty="0"/>
+              <a:t> and increasing epochs.</a:t>
+            </a:r>
+          </a:p>
+        </p:txBody>
+      </p:sp>
+    </p:spTree>
+    <p:extLst>
+      <p:ext uri="{BB962C8B-B14F-4D97-AF65-F5344CB8AC3E}">
+        <p14:creationId xmlns:p14="http://schemas.microsoft.com/office/powerpoint/2010/main" val="618272717"/>
+      </p:ext>
+    </p:extLst>
+  </p:cSld>
+  <p:clrMapOvr>
+    <a:masterClrMapping/>
+  </p:clrMapOvr>
+  <p:timing>
+    <p:tnLst>
+      <p:par>
+        <p:cTn id="1" dur="indefinite" restart="never" nodeType="tmRoot"/>
+      </p:par>
+    </p:tnLst>
+  </p:timing>
+</p:sld>
+</file>
+
+<file path=ppt/slides/slide8.xml><?xml version="1.0" encoding="utf-8"?>
+<p:sld xmlns:a="http://schemas.openxmlformats.org/drawingml/2006/main" xmlns:r="http://schemas.openxmlformats.org/officeDocument/2006/relationships" xmlns:p="http://schemas.openxmlformats.org/presentationml/2006/main">
+  <p:cSld>
+    <p:spTree>
+      <p:nvGrpSpPr>
+        <p:cNvPr id="1" name="Shape 96"/>
+        <p:cNvGrpSpPr/>
+        <p:nvPr/>
+      </p:nvGrpSpPr>
+      <p:grpSpPr>
+        <a:xfrm>
+          <a:off x="0" y="0"/>
+          <a:ext cx="0" cy="0"/>
+          <a:chOff x="0" y="0"/>
+          <a:chExt cx="0" cy="0"/>
+        </a:xfrm>
+      </p:grpSpPr>
+      <p:sp>
+        <p:nvSpPr>
+          <p:cNvPr id="97" name="Google Shape;97;p18"/>
+          <p:cNvSpPr txBox="1">
+            <a:spLocks noGrp="1"/>
+          </p:cNvSpPr>
           <p:nvPr>
             <p:ph type="title"/>
           </p:nvPr>
@@ -7924,12 +8664,12 @@
           </a:prstGeom>
         </p:spPr>
         <p:txBody>
-          <a:bodyPr anchorCtr="0" anchor="b" bIns="91425" lIns="91425" spcFirstLastPara="1" rIns="91425" wrap="square" tIns="91425">
+          <a:bodyPr spcFirstLastPara="1" wrap="square" lIns="91425" tIns="91425" rIns="91425" bIns="91425" anchor="b" anchorCtr="0">
             <a:noAutofit/>
           </a:bodyPr>
           <a:lstStyle/>
           <a:p>
-            <a:pPr indent="0" lvl="0" marL="0" rtl="0" algn="l">
+            <a:pPr marL="0" lvl="0" indent="0" algn="l" rtl="0">
               <a:spcBef>
                 <a:spcPts val="0"/>
               </a:spcBef>
@@ -7951,11 +8691,299 @@
   <p:clrMapOvr>
     <a:masterClrMapping/>
   </p:clrMapOvr>
+  <p:timing>
+    <p:tnLst>
+      <p:par>
+        <p:cTn id="1" dur="indefinite" restart="never" nodeType="tmRoot"/>
+      </p:par>
+    </p:tnLst>
+  </p:timing>
 </p:sld>
 </file>
 
 <file path=ppt/theme/theme1.xml><?xml version="1.0" encoding="utf-8"?>
-<a:theme xmlns:a="http://schemas.openxmlformats.org/drawingml/2006/main" xmlns:r="http://schemas.openxmlformats.org/officeDocument/2006/relationships">
+<a:theme xmlns:a="http://schemas.openxmlformats.org/drawingml/2006/main" name="Paperback">
+  <a:themeElements>
+    <a:clrScheme name="Paperback">
+      <a:dk1>
+        <a:srgbClr val="000000"/>
+      </a:dk1>
+      <a:lt1>
+        <a:srgbClr val="FFFFFF"/>
+      </a:lt1>
+      <a:dk2>
+        <a:srgbClr val="00695C"/>
+      </a:dk2>
+      <a:lt2>
+        <a:srgbClr val="26A69A"/>
+      </a:lt2>
+      <a:accent1>
+        <a:srgbClr val="FFFBF0"/>
+      </a:accent1>
+      <a:accent2>
+        <a:srgbClr val="B7B7B7"/>
+      </a:accent2>
+      <a:accent3>
+        <a:srgbClr val="FB8C00"/>
+      </a:accent3>
+      <a:accent4>
+        <a:srgbClr val="80CBC4"/>
+      </a:accent4>
+      <a:accent5>
+        <a:srgbClr val="AF4345"/>
+      </a:accent5>
+      <a:accent6>
+        <a:srgbClr val="F58F8F"/>
+      </a:accent6>
+      <a:hlink>
+        <a:srgbClr val="AF4345"/>
+      </a:hlink>
+      <a:folHlink>
+        <a:srgbClr val="AF4345"/>
+      </a:folHlink>
+    </a:clrScheme>
+    <a:fontScheme name="Office">
+      <a:majorFont>
+        <a:latin typeface="Arial"/>
+        <a:ea typeface=""/>
+        <a:cs typeface=""/>
+        <a:font script="Jpan" typeface="ＭＳ Ｐゴシック"/>
+        <a:font script="Hang" typeface="맑은 고딕"/>
+        <a:font script="Hans" typeface="宋体"/>
+        <a:font script="Hant" typeface="新細明體"/>
+        <a:font script="Arab" typeface="Times New Roman"/>
+        <a:font script="Hebr" typeface="Times New Roman"/>
+        <a:font script="Thai" typeface="Angsana New"/>
+        <a:font script="Ethi" typeface="Nyala"/>
+        <a:font script="Beng" typeface="Vrinda"/>
+        <a:font script="Gujr" typeface="Shruti"/>
+        <a:font script="Khmr" typeface="MoolBoran"/>
+        <a:font script="Knda" typeface="Tunga"/>
+        <a:font script="Guru" typeface="Raavi"/>
+        <a:font script="Cans" typeface="Euphemia"/>
+        <a:font script="Cher" typeface="Plantagenet Cherokee"/>
+        <a:font script="Yiii" typeface="Microsoft Yi Baiti"/>
+        <a:font script="Tibt" typeface="Microsoft Himalaya"/>
+        <a:font script="Thaa" typeface="MV Boli"/>
+        <a:font script="Deva" typeface="Mangal"/>
+        <a:font script="Telu" typeface="Gautami"/>
+        <a:font script="Taml" typeface="Latha"/>
+        <a:font script="Syrc" typeface="Estrangelo Edessa"/>
+        <a:font script="Orya" typeface="Kalinga"/>
+        <a:font script="Mlym" typeface="Kartika"/>
+        <a:font script="Laoo" typeface="DokChampa"/>
+        <a:font script="Sinh" typeface="Iskoola Pota"/>
+        <a:font script="Mong" typeface="Mongolian Baiti"/>
+        <a:font script="Viet" typeface="Times New Roman"/>
+        <a:font script="Uigh" typeface="Microsoft Uighur"/>
+        <a:font script="Geor" typeface="Sylfaen"/>
+      </a:majorFont>
+      <a:minorFont>
+        <a:latin typeface="Arial"/>
+        <a:ea typeface=""/>
+        <a:cs typeface=""/>
+        <a:font script="Jpan" typeface="ＭＳ Ｐゴシック"/>
+        <a:font script="Hang" typeface="맑은 고딕"/>
+        <a:font script="Hans" typeface="宋体"/>
+        <a:font script="Hant" typeface="新細明體"/>
+        <a:font script="Arab" typeface="Arial"/>
+        <a:font script="Hebr" typeface="Arial"/>
+        <a:font script="Thai" typeface="Cordia New"/>
+        <a:font script="Ethi" typeface="Nyala"/>
+        <a:font script="Beng" typeface="Vrinda"/>
+        <a:font script="Gujr" typeface="Shruti"/>
+        <a:font script="Khmr" typeface="DaunPenh"/>
+        <a:font script="Knda" typeface="Tunga"/>
+        <a:font script="Guru" typeface="Raavi"/>
+        <a:font script="Cans" typeface="Euphemia"/>
+        <a:font script="Cher" typeface="Plantagenet Cherokee"/>
+        <a:font script="Yiii" typeface="Microsoft Yi Baiti"/>
+        <a:font script="Tibt" typeface="Microsoft Himalaya"/>
+        <a:font script="Thaa" typeface="MV Boli"/>
+        <a:font script="Deva" typeface="Mangal"/>
+        <a:font script="Telu" typeface="Gautami"/>
+        <a:font script="Taml" typeface="Latha"/>
+        <a:font script="Syrc" typeface="Estrangelo Edessa"/>
+        <a:font script="Orya" typeface="Kalinga"/>
+        <a:font script="Mlym" typeface="Kartika"/>
+        <a:font script="Laoo" typeface="DokChampa"/>
+        <a:font script="Sinh" typeface="Iskoola Pota"/>
+        <a:font script="Mong" typeface="Mongolian Baiti"/>
+        <a:font script="Viet" typeface="Arial"/>
+        <a:font script="Uigh" typeface="Microsoft Uighur"/>
+        <a:font script="Geor" typeface="Sylfaen"/>
+      </a:minorFont>
+    </a:fontScheme>
+    <a:fmtScheme name="Office">
+      <a:fillStyleLst>
+        <a:solidFill>
+          <a:schemeClr val="phClr"/>
+        </a:solidFill>
+        <a:gradFill rotWithShape="1">
+          <a:gsLst>
+            <a:gs pos="0">
+              <a:schemeClr val="phClr">
+                <a:tint val="50000"/>
+                <a:satMod val="300000"/>
+              </a:schemeClr>
+            </a:gs>
+            <a:gs pos="35000">
+              <a:schemeClr val="phClr">
+                <a:tint val="37000"/>
+                <a:satMod val="300000"/>
+              </a:schemeClr>
+            </a:gs>
+            <a:gs pos="100000">
+              <a:schemeClr val="phClr">
+                <a:tint val="15000"/>
+                <a:satMod val="350000"/>
+              </a:schemeClr>
+            </a:gs>
+          </a:gsLst>
+          <a:lin ang="16200000" scaled="1"/>
+        </a:gradFill>
+        <a:gradFill rotWithShape="1">
+          <a:gsLst>
+            <a:gs pos="0">
+              <a:schemeClr val="phClr">
+                <a:tint val="100000"/>
+                <a:shade val="100000"/>
+                <a:satMod val="130000"/>
+              </a:schemeClr>
+            </a:gs>
+            <a:gs pos="100000">
+              <a:schemeClr val="phClr">
+                <a:tint val="50000"/>
+                <a:shade val="100000"/>
+                <a:satMod val="350000"/>
+              </a:schemeClr>
+            </a:gs>
+          </a:gsLst>
+          <a:lin ang="16200000" scaled="0"/>
+        </a:gradFill>
+      </a:fillStyleLst>
+      <a:lnStyleLst>
+        <a:ln w="9525" cap="flat" cmpd="sng" algn="ctr">
+          <a:solidFill>
+            <a:schemeClr val="phClr">
+              <a:shade val="95000"/>
+              <a:satMod val="105000"/>
+            </a:schemeClr>
+          </a:solidFill>
+          <a:prstDash val="solid"/>
+        </a:ln>
+        <a:ln w="25400" cap="flat" cmpd="sng" algn="ctr">
+          <a:solidFill>
+            <a:schemeClr val="phClr"/>
+          </a:solidFill>
+          <a:prstDash val="solid"/>
+        </a:ln>
+        <a:ln w="38100" cap="flat" cmpd="sng" algn="ctr">
+          <a:solidFill>
+            <a:schemeClr val="phClr"/>
+          </a:solidFill>
+          <a:prstDash val="solid"/>
+        </a:ln>
+      </a:lnStyleLst>
+      <a:effectStyleLst>
+        <a:effectStyle>
+          <a:effectLst>
+            <a:outerShdw blurRad="40000" dist="20000" dir="5400000" rotWithShape="0">
+              <a:srgbClr val="000000">
+                <a:alpha val="38000"/>
+              </a:srgbClr>
+            </a:outerShdw>
+          </a:effectLst>
+        </a:effectStyle>
+        <a:effectStyle>
+          <a:effectLst>
+            <a:outerShdw blurRad="40000" dist="23000" dir="5400000" rotWithShape="0">
+              <a:srgbClr val="000000">
+                <a:alpha val="35000"/>
+              </a:srgbClr>
+            </a:outerShdw>
+          </a:effectLst>
+        </a:effectStyle>
+        <a:effectStyle>
+          <a:effectLst>
+            <a:outerShdw blurRad="40000" dist="23000" dir="5400000" rotWithShape="0">
+              <a:srgbClr val="000000">
+                <a:alpha val="35000"/>
+              </a:srgbClr>
+            </a:outerShdw>
+          </a:effectLst>
+          <a:scene3d>
+            <a:camera prst="orthographicFront">
+              <a:rot lat="0" lon="0" rev="0"/>
+            </a:camera>
+            <a:lightRig rig="threePt" dir="t">
+              <a:rot lat="0" lon="0" rev="1200000"/>
+            </a:lightRig>
+          </a:scene3d>
+          <a:sp3d>
+            <a:bevelT w="63500" h="25400"/>
+          </a:sp3d>
+        </a:effectStyle>
+      </a:effectStyleLst>
+      <a:bgFillStyleLst>
+        <a:solidFill>
+          <a:schemeClr val="phClr"/>
+        </a:solidFill>
+        <a:gradFill rotWithShape="1">
+          <a:gsLst>
+            <a:gs pos="0">
+              <a:schemeClr val="phClr">
+                <a:tint val="40000"/>
+                <a:satMod val="350000"/>
+              </a:schemeClr>
+            </a:gs>
+            <a:gs pos="40000">
+              <a:schemeClr val="phClr">
+                <a:tint val="45000"/>
+                <a:shade val="99000"/>
+                <a:satMod val="350000"/>
+              </a:schemeClr>
+            </a:gs>
+            <a:gs pos="100000">
+              <a:schemeClr val="phClr">
+                <a:shade val="20000"/>
+                <a:satMod val="255000"/>
+              </a:schemeClr>
+            </a:gs>
+          </a:gsLst>
+          <a:path path="circle">
+            <a:fillToRect l="50000" t="-80000" r="50000" b="180000"/>
+          </a:path>
+        </a:gradFill>
+        <a:gradFill rotWithShape="1">
+          <a:gsLst>
+            <a:gs pos="0">
+              <a:schemeClr val="phClr">
+                <a:tint val="80000"/>
+                <a:satMod val="300000"/>
+              </a:schemeClr>
+            </a:gs>
+            <a:gs pos="100000">
+              <a:schemeClr val="phClr">
+                <a:shade val="30000"/>
+                <a:satMod val="200000"/>
+              </a:schemeClr>
+            </a:gs>
+          </a:gsLst>
+          <a:path path="circle">
+            <a:fillToRect l="50000" t="50000" r="50000" b="50000"/>
+          </a:path>
+        </a:gradFill>
+      </a:bgFillStyleLst>
+    </a:fmtScheme>
+  </a:themeElements>
+  <a:objectDefaults/>
+  <a:extraClrSchemeLst/>
+</a:theme>
+</file>
+
+<file path=ppt/theme/theme2.xml><?xml version="1.0" encoding="utf-8"?>
+<a:theme xmlns:a="http://schemas.openxmlformats.org/drawingml/2006/main">
   <a:themeElements>
     <a:clrScheme name="Default">
       <a:dk1>
@@ -8230,284 +9258,7 @@
       </a:bgFillStyleLst>
     </a:fmtScheme>
   </a:themeElements>
-</a:theme>
-</file>
-
-<file path=ppt/theme/theme2.xml><?xml version="1.0" encoding="utf-8"?>
-<a:theme xmlns:a="http://schemas.openxmlformats.org/drawingml/2006/main" xmlns:r="http://schemas.openxmlformats.org/officeDocument/2006/relationships" name="Paperback">
-  <a:themeElements>
-    <a:clrScheme name="Paperback">
-      <a:dk1>
-        <a:srgbClr val="000000"/>
-      </a:dk1>
-      <a:lt1>
-        <a:srgbClr val="FFFFFF"/>
-      </a:lt1>
-      <a:dk2>
-        <a:srgbClr val="00695C"/>
-      </a:dk2>
-      <a:lt2>
-        <a:srgbClr val="26A69A"/>
-      </a:lt2>
-      <a:accent1>
-        <a:srgbClr val="FFFBF0"/>
-      </a:accent1>
-      <a:accent2>
-        <a:srgbClr val="B7B7B7"/>
-      </a:accent2>
-      <a:accent3>
-        <a:srgbClr val="FB8C00"/>
-      </a:accent3>
-      <a:accent4>
-        <a:srgbClr val="80CBC4"/>
-      </a:accent4>
-      <a:accent5>
-        <a:srgbClr val="AF4345"/>
-      </a:accent5>
-      <a:accent6>
-        <a:srgbClr val="F58F8F"/>
-      </a:accent6>
-      <a:hlink>
-        <a:srgbClr val="AF4345"/>
-      </a:hlink>
-      <a:folHlink>
-        <a:srgbClr val="AF4345"/>
-      </a:folHlink>
-    </a:clrScheme>
-    <a:fontScheme name="Office">
-      <a:majorFont>
-        <a:latin typeface="Arial"/>
-        <a:ea typeface=""/>
-        <a:cs typeface=""/>
-        <a:font script="Jpan" typeface="ＭＳ Ｐゴシック"/>
-        <a:font script="Hang" typeface="맑은 고딕"/>
-        <a:font script="Hans" typeface="宋体"/>
-        <a:font script="Hant" typeface="新細明體"/>
-        <a:font script="Arab" typeface="Times New Roman"/>
-        <a:font script="Hebr" typeface="Times New Roman"/>
-        <a:font script="Thai" typeface="Angsana New"/>
-        <a:font script="Ethi" typeface="Nyala"/>
-        <a:font script="Beng" typeface="Vrinda"/>
-        <a:font script="Gujr" typeface="Shruti"/>
-        <a:font script="Khmr" typeface="MoolBoran"/>
-        <a:font script="Knda" typeface="Tunga"/>
-        <a:font script="Guru" typeface="Raavi"/>
-        <a:font script="Cans" typeface="Euphemia"/>
-        <a:font script="Cher" typeface="Plantagenet Cherokee"/>
-        <a:font script="Yiii" typeface="Microsoft Yi Baiti"/>
-        <a:font script="Tibt" typeface="Microsoft Himalaya"/>
-        <a:font script="Thaa" typeface="MV Boli"/>
-        <a:font script="Deva" typeface="Mangal"/>
-        <a:font script="Telu" typeface="Gautami"/>
-        <a:font script="Taml" typeface="Latha"/>
-        <a:font script="Syrc" typeface="Estrangelo Edessa"/>
-        <a:font script="Orya" typeface="Kalinga"/>
-        <a:font script="Mlym" typeface="Kartika"/>
-        <a:font script="Laoo" typeface="DokChampa"/>
-        <a:font script="Sinh" typeface="Iskoola Pota"/>
-        <a:font script="Mong" typeface="Mongolian Baiti"/>
-        <a:font script="Viet" typeface="Times New Roman"/>
-        <a:font script="Uigh" typeface="Microsoft Uighur"/>
-        <a:font script="Geor" typeface="Sylfaen"/>
-      </a:majorFont>
-      <a:minorFont>
-        <a:latin typeface="Arial"/>
-        <a:ea typeface=""/>
-        <a:cs typeface=""/>
-        <a:font script="Jpan" typeface="ＭＳ Ｐゴシック"/>
-        <a:font script="Hang" typeface="맑은 고딕"/>
-        <a:font script="Hans" typeface="宋体"/>
-        <a:font script="Hant" typeface="新細明體"/>
-        <a:font script="Arab" typeface="Arial"/>
-        <a:font script="Hebr" typeface="Arial"/>
-        <a:font script="Thai" typeface="Cordia New"/>
-        <a:font script="Ethi" typeface="Nyala"/>
-        <a:font script="Beng" typeface="Vrinda"/>
-        <a:font script="Gujr" typeface="Shruti"/>
-        <a:font script="Khmr" typeface="DaunPenh"/>
-        <a:font script="Knda" typeface="Tunga"/>
-        <a:font script="Guru" typeface="Raavi"/>
-        <a:font script="Cans" typeface="Euphemia"/>
-        <a:font script="Cher" typeface="Plantagenet Cherokee"/>
-        <a:font script="Yiii" typeface="Microsoft Yi Baiti"/>
-        <a:font script="Tibt" typeface="Microsoft Himalaya"/>
-        <a:font script="Thaa" typeface="MV Boli"/>
-        <a:font script="Deva" typeface="Mangal"/>
-        <a:font script="Telu" typeface="Gautami"/>
-        <a:font script="Taml" typeface="Latha"/>
-        <a:font script="Syrc" typeface="Estrangelo Edessa"/>
-        <a:font script="Orya" typeface="Kalinga"/>
-        <a:font script="Mlym" typeface="Kartika"/>
-        <a:font script="Laoo" typeface="DokChampa"/>
-        <a:font script="Sinh" typeface="Iskoola Pota"/>
-        <a:font script="Mong" typeface="Mongolian Baiti"/>
-        <a:font script="Viet" typeface="Arial"/>
-        <a:font script="Uigh" typeface="Microsoft Uighur"/>
-        <a:font script="Geor" typeface="Sylfaen"/>
-      </a:minorFont>
-    </a:fontScheme>
-    <a:fmtScheme name="Office">
-      <a:fillStyleLst>
-        <a:solidFill>
-          <a:schemeClr val="phClr"/>
-        </a:solidFill>
-        <a:gradFill rotWithShape="1">
-          <a:gsLst>
-            <a:gs pos="0">
-              <a:schemeClr val="phClr">
-                <a:tint val="50000"/>
-                <a:satMod val="300000"/>
-              </a:schemeClr>
-            </a:gs>
-            <a:gs pos="35000">
-              <a:schemeClr val="phClr">
-                <a:tint val="37000"/>
-                <a:satMod val="300000"/>
-              </a:schemeClr>
-            </a:gs>
-            <a:gs pos="100000">
-              <a:schemeClr val="phClr">
-                <a:tint val="15000"/>
-                <a:satMod val="350000"/>
-              </a:schemeClr>
-            </a:gs>
-          </a:gsLst>
-          <a:lin ang="16200000" scaled="1"/>
-        </a:gradFill>
-        <a:gradFill rotWithShape="1">
-          <a:gsLst>
-            <a:gs pos="0">
-              <a:schemeClr val="phClr">
-                <a:tint val="100000"/>
-                <a:shade val="100000"/>
-                <a:satMod val="130000"/>
-              </a:schemeClr>
-            </a:gs>
-            <a:gs pos="100000">
-              <a:schemeClr val="phClr">
-                <a:tint val="50000"/>
-                <a:shade val="100000"/>
-                <a:satMod val="350000"/>
-              </a:schemeClr>
-            </a:gs>
-          </a:gsLst>
-          <a:lin ang="16200000" scaled="0"/>
-        </a:gradFill>
-      </a:fillStyleLst>
-      <a:lnStyleLst>
-        <a:ln w="9525" cap="flat" cmpd="sng" algn="ctr">
-          <a:solidFill>
-            <a:schemeClr val="phClr">
-              <a:shade val="95000"/>
-              <a:satMod val="105000"/>
-            </a:schemeClr>
-          </a:solidFill>
-          <a:prstDash val="solid"/>
-        </a:ln>
-        <a:ln w="25400" cap="flat" cmpd="sng" algn="ctr">
-          <a:solidFill>
-            <a:schemeClr val="phClr"/>
-          </a:solidFill>
-          <a:prstDash val="solid"/>
-        </a:ln>
-        <a:ln w="38100" cap="flat" cmpd="sng" algn="ctr">
-          <a:solidFill>
-            <a:schemeClr val="phClr"/>
-          </a:solidFill>
-          <a:prstDash val="solid"/>
-        </a:ln>
-      </a:lnStyleLst>
-      <a:effectStyleLst>
-        <a:effectStyle>
-          <a:effectLst>
-            <a:outerShdw blurRad="40000" dist="20000" dir="5400000" rotWithShape="0">
-              <a:srgbClr val="000000">
-                <a:alpha val="38000"/>
-              </a:srgbClr>
-            </a:outerShdw>
-          </a:effectLst>
-        </a:effectStyle>
-        <a:effectStyle>
-          <a:effectLst>
-            <a:outerShdw blurRad="40000" dist="23000" dir="5400000" rotWithShape="0">
-              <a:srgbClr val="000000">
-                <a:alpha val="35000"/>
-              </a:srgbClr>
-            </a:outerShdw>
-          </a:effectLst>
-        </a:effectStyle>
-        <a:effectStyle>
-          <a:effectLst>
-            <a:outerShdw blurRad="40000" dist="23000" dir="5400000" rotWithShape="0">
-              <a:srgbClr val="000000">
-                <a:alpha val="35000"/>
-              </a:srgbClr>
-            </a:outerShdw>
-          </a:effectLst>
-          <a:scene3d>
-            <a:camera prst="orthographicFront">
-              <a:rot lat="0" lon="0" rev="0"/>
-            </a:camera>
-            <a:lightRig rig="threePt" dir="t">
-              <a:rot lat="0" lon="0" rev="1200000"/>
-            </a:lightRig>
-          </a:scene3d>
-          <a:sp3d>
-            <a:bevelT w="63500" h="25400"/>
-          </a:sp3d>
-        </a:effectStyle>
-      </a:effectStyleLst>
-      <a:bgFillStyleLst>
-        <a:solidFill>
-          <a:schemeClr val="phClr"/>
-        </a:solidFill>
-        <a:gradFill rotWithShape="1">
-          <a:gsLst>
-            <a:gs pos="0">
-              <a:schemeClr val="phClr">
-                <a:tint val="40000"/>
-                <a:satMod val="350000"/>
-              </a:schemeClr>
-            </a:gs>
-            <a:gs pos="40000">
-              <a:schemeClr val="phClr">
-                <a:tint val="45000"/>
-                <a:shade val="99000"/>
-                <a:satMod val="350000"/>
-              </a:schemeClr>
-            </a:gs>
-            <a:gs pos="100000">
-              <a:schemeClr val="phClr">
-                <a:shade val="20000"/>
-                <a:satMod val="255000"/>
-              </a:schemeClr>
-            </a:gs>
-          </a:gsLst>
-          <a:path path="circle">
-            <a:fillToRect l="50000" t="-80000" r="50000" b="180000"/>
-          </a:path>
-        </a:gradFill>
-        <a:gradFill rotWithShape="1">
-          <a:gsLst>
-            <a:gs pos="0">
-              <a:schemeClr val="phClr">
-                <a:tint val="80000"/>
-                <a:satMod val="300000"/>
-              </a:schemeClr>
-            </a:gs>
-            <a:gs pos="100000">
-              <a:schemeClr val="phClr">
-                <a:shade val="30000"/>
-                <a:satMod val="200000"/>
-              </a:schemeClr>
-            </a:gs>
-          </a:gsLst>
-          <a:path path="circle">
-            <a:fillToRect l="50000" t="50000" r="50000" b="50000"/>
-          </a:path>
-        </a:gradFill>
-      </a:bgFillStyleLst>
-    </a:fmtScheme>
-  </a:themeElements>
+  <a:objectDefaults/>
+  <a:extraClrSchemeLst/>
 </a:theme>
 </file>